--- a/Presentation/НАКОПЛЕНИЕ ЛЕГКОВЕСНОЙ СЕМАНТИЧЕСКОЙ ИНФОРМАЦИИ ПО СИНТАКСИЧЕСКОМУ ДЕРЕВУ.pptx
+++ b/Presentation/НАКОПЛЕНИЕ ЛЕГКОВЕСНОЙ СЕМАНТИЧЕСКОЙ ИНФОРМАЦИИ ПО СИНТАКСИЧЕСКОМУ ДЕРЕВУ.pptx
@@ -5,7 +5,7 @@
     <p:sldMasterId id="2147483660" r:id="rId1"/>
   </p:sldMasterIdLst>
   <p:notesMasterIdLst>
-    <p:notesMasterId r:id="rId20"/>
+    <p:notesMasterId r:id="rId23"/>
   </p:notesMasterIdLst>
   <p:sldIdLst>
     <p:sldId id="256" r:id="rId2"/>
@@ -20,12 +20,15 @@
     <p:sldId id="263" r:id="rId11"/>
     <p:sldId id="266" r:id="rId12"/>
     <p:sldId id="265" r:id="rId13"/>
-    <p:sldId id="268" r:id="rId14"/>
-    <p:sldId id="269" r:id="rId15"/>
-    <p:sldId id="273" r:id="rId16"/>
-    <p:sldId id="272" r:id="rId17"/>
-    <p:sldId id="271" r:id="rId18"/>
-    <p:sldId id="270" r:id="rId19"/>
+    <p:sldId id="273" r:id="rId14"/>
+    <p:sldId id="268" r:id="rId15"/>
+    <p:sldId id="269" r:id="rId16"/>
+    <p:sldId id="275" r:id="rId17"/>
+    <p:sldId id="276" r:id="rId18"/>
+    <p:sldId id="274" r:id="rId19"/>
+    <p:sldId id="272" r:id="rId20"/>
+    <p:sldId id="271" r:id="rId21"/>
+    <p:sldId id="270" r:id="rId22"/>
   </p:sldIdLst>
   <p:sldSz cx="9144000" cy="6858000" type="screen4x3"/>
   <p:notesSz cx="6858000" cy="9144000"/>
@@ -2555,6 +2558,13 @@
         </dgm:presLayoutVars>
       </dgm:prSet>
       <dgm:spPr/>
+      <dgm:t>
+        <a:bodyPr/>
+        <a:lstStyle/>
+        <a:p>
+          <a:endParaRPr lang="ru-RU"/>
+        </a:p>
+      </dgm:t>
     </dgm:pt>
     <dgm:pt modelId="{CA9D32BA-116D-4948-80E4-5ED9C5F2F762}" type="pres">
       <dgm:prSet presAssocID="{BA8D6A38-34E3-4B32-9C2E-81420D3B8CF7}" presName="sibTrans" presStyleCnt="0"/>
@@ -2567,6 +2577,13 @@
         </dgm:presLayoutVars>
       </dgm:prSet>
       <dgm:spPr/>
+      <dgm:t>
+        <a:bodyPr/>
+        <a:lstStyle/>
+        <a:p>
+          <a:endParaRPr lang="ru-RU"/>
+        </a:p>
+      </dgm:t>
     </dgm:pt>
     <dgm:pt modelId="{11C95662-DC4C-484B-957F-2484C1683257}" type="pres">
       <dgm:prSet presAssocID="{CC5A46AC-E7A5-4CF8-885A-6E379093794B}" presName="sibTrans" presStyleCnt="0"/>
@@ -2579,6 +2596,13 @@
         </dgm:presLayoutVars>
       </dgm:prSet>
       <dgm:spPr/>
+      <dgm:t>
+        <a:bodyPr/>
+        <a:lstStyle/>
+        <a:p>
+          <a:endParaRPr lang="ru-RU"/>
+        </a:p>
+      </dgm:t>
     </dgm:pt>
   </dgm:ptLst>
   <dgm:cxnLst>
@@ -2998,6 +3022,13 @@
         </dgm:presLayoutVars>
       </dgm:prSet>
       <dgm:spPr/>
+      <dgm:t>
+        <a:bodyPr/>
+        <a:lstStyle/>
+        <a:p>
+          <a:endParaRPr lang="ru-RU"/>
+        </a:p>
+      </dgm:t>
     </dgm:pt>
     <dgm:pt modelId="{CA9D32BA-116D-4948-80E4-5ED9C5F2F762}" type="pres">
       <dgm:prSet presAssocID="{BA8D6A38-34E3-4B32-9C2E-81420D3B8CF7}" presName="sibTrans" presStyleCnt="0"/>
@@ -3010,6 +3041,13 @@
         </dgm:presLayoutVars>
       </dgm:prSet>
       <dgm:spPr/>
+      <dgm:t>
+        <a:bodyPr/>
+        <a:lstStyle/>
+        <a:p>
+          <a:endParaRPr lang="ru-RU"/>
+        </a:p>
+      </dgm:t>
     </dgm:pt>
     <dgm:pt modelId="{11C95662-DC4C-484B-957F-2484C1683257}" type="pres">
       <dgm:prSet presAssocID="{CC5A46AC-E7A5-4CF8-885A-6E379093794B}" presName="sibTrans" presStyleCnt="0"/>
@@ -3022,12 +3060,19 @@
         </dgm:presLayoutVars>
       </dgm:prSet>
       <dgm:spPr/>
+      <dgm:t>
+        <a:bodyPr/>
+        <a:lstStyle/>
+        <a:p>
+          <a:endParaRPr lang="ru-RU"/>
+        </a:p>
+      </dgm:t>
     </dgm:pt>
   </dgm:ptLst>
   <dgm:cxnLst>
     <dgm:cxn modelId="{41943C1E-8483-4878-84E3-62DEC9659353}" srcId="{0685E49D-DC31-47C9-9AAB-88578BC9DE27}" destId="{D99E79C5-B514-46AF-AF4D-AC0C761DB870}" srcOrd="1" destOrd="0" parTransId="{4E5490DE-98FF-44CE-85DD-DDAF550D6DA7}" sibTransId="{CC5A46AC-E7A5-4CF8-885A-6E379093794B}"/>
+    <dgm:cxn modelId="{BDECCF34-2073-4255-BC0F-746AE1CDFD5B}" type="presOf" srcId="{D3AFE9D3-EE7B-4D5C-B99B-9D135973682A}" destId="{2AD3D55C-1209-45FC-8A6C-294D76B38434}" srcOrd="0" destOrd="0" presId="urn:microsoft.com/office/officeart/2005/8/layout/hProcess9"/>
     <dgm:cxn modelId="{F8835C47-939E-44F0-9EDF-E2E916F7401E}" type="presOf" srcId="{D99E79C5-B514-46AF-AF4D-AC0C761DB870}" destId="{8F4DD08E-B247-48D4-9373-79A7185C8514}" srcOrd="0" destOrd="0" presId="urn:microsoft.com/office/officeart/2005/8/layout/hProcess9"/>
-    <dgm:cxn modelId="{BDECCF34-2073-4255-BC0F-746AE1CDFD5B}" type="presOf" srcId="{D3AFE9D3-EE7B-4D5C-B99B-9D135973682A}" destId="{2AD3D55C-1209-45FC-8A6C-294D76B38434}" srcOrd="0" destOrd="0" presId="urn:microsoft.com/office/officeart/2005/8/layout/hProcess9"/>
     <dgm:cxn modelId="{1A0CDF1D-40E9-4045-AEC7-5A08B1CF1792}" srcId="{0685E49D-DC31-47C9-9AAB-88578BC9DE27}" destId="{D3AFE9D3-EE7B-4D5C-B99B-9D135973682A}" srcOrd="2" destOrd="0" parTransId="{757E935D-49E3-4D26-83F2-B91F5BE345A1}" sibTransId="{26193B5E-8CF7-4B41-8C2D-22F980BC8206}"/>
     <dgm:cxn modelId="{3895C1AD-15DB-4EE9-AC4F-0EF8FC029333}" type="presOf" srcId="{0685E49D-DC31-47C9-9AAB-88578BC9DE27}" destId="{B0858921-EFE2-4680-9478-F70B07D52FEF}" srcOrd="0" destOrd="0" presId="urn:microsoft.com/office/officeart/2005/8/layout/hProcess9"/>
     <dgm:cxn modelId="{91FB5210-5A9F-4357-BA54-E887CC8D4EDE}" srcId="{0685E49D-DC31-47C9-9AAB-88578BC9DE27}" destId="{6985FD8F-8310-4403-8CC1-5DBF1D6CCFCD}" srcOrd="0" destOrd="0" parTransId="{06B1C7D3-9BA2-417C-8A5C-06250044C8BE}" sibTransId="{BA8D6A38-34E3-4B32-9C2E-81420D3B8CF7}"/>
@@ -7267,7 +7312,8 @@
           <a:p>
             <a:fld id="{33FF8EC6-2527-4221-84F7-4B6029DB79FF}" type="datetimeFigureOut">
               <a:rPr lang="ru-RU" smtClean="0"/>
-              <a:t>07.04.2016</a:t>
+              <a:pPr/>
+              <a:t>08.04.2016</a:t>
             </a:fld>
             <a:endParaRPr lang="ru-RU"/>
           </a:p>
@@ -7428,6 +7474,7 @@
           <a:p>
             <a:fld id="{195A16B7-2EC1-4860-B4F7-64481DB40250}" type="slidenum">
               <a:rPr lang="ru-RU" smtClean="0"/>
+              <a:pPr/>
               <a:t>‹#›</a:t>
             </a:fld>
             <a:endParaRPr lang="ru-RU"/>
@@ -7642,7 +7689,7 @@
             <a:fld id="{0491F096-90F2-4AC9-A237-7092813EB15E}" type="datetimeFigureOut">
               <a:rPr lang="ru-RU" smtClean="0"/>
               <a:pPr/>
-              <a:t>07.04.2016</a:t>
+              <a:t>08.04.2016</a:t>
             </a:fld>
             <a:endParaRPr lang="ru-RU"/>
           </a:p>
@@ -13810,7 +13857,7 @@
             <a:fld id="{0491F096-90F2-4AC9-A237-7092813EB15E}" type="datetimeFigureOut">
               <a:rPr lang="ru-RU" smtClean="0"/>
               <a:pPr/>
-              <a:t>07.04.2016</a:t>
+              <a:t>08.04.2016</a:t>
             </a:fld>
             <a:endParaRPr lang="ru-RU"/>
           </a:p>
@@ -13997,7 +14044,7 @@
             <a:fld id="{0491F096-90F2-4AC9-A237-7092813EB15E}" type="datetimeFigureOut">
               <a:rPr lang="ru-RU" smtClean="0"/>
               <a:pPr/>
-              <a:t>07.04.2016</a:t>
+              <a:t>08.04.2016</a:t>
             </a:fld>
             <a:endParaRPr lang="ru-RU"/>
           </a:p>
@@ -14174,7 +14221,7 @@
             <a:fld id="{0491F096-90F2-4AC9-A237-7092813EB15E}" type="datetimeFigureOut">
               <a:rPr lang="ru-RU" smtClean="0"/>
               <a:pPr/>
-              <a:t>07.04.2016</a:t>
+              <a:t>08.04.2016</a:t>
             </a:fld>
             <a:endParaRPr lang="ru-RU"/>
           </a:p>
@@ -14374,7 +14421,7 @@
             <a:fld id="{0491F096-90F2-4AC9-A237-7092813EB15E}" type="datetimeFigureOut">
               <a:rPr lang="ru-RU" smtClean="0"/>
               <a:pPr/>
-              <a:t>07.04.2016</a:t>
+              <a:t>08.04.2016</a:t>
             </a:fld>
             <a:endParaRPr lang="ru-RU"/>
           </a:p>
@@ -14668,7 +14715,7 @@
             <a:fld id="{0491F096-90F2-4AC9-A237-7092813EB15E}" type="datetimeFigureOut">
               <a:rPr lang="ru-RU" smtClean="0"/>
               <a:pPr/>
-              <a:t>07.04.2016</a:t>
+              <a:t>08.04.2016</a:t>
             </a:fld>
             <a:endParaRPr lang="ru-RU"/>
           </a:p>
@@ -15101,7 +15148,7 @@
             <a:fld id="{0491F096-90F2-4AC9-A237-7092813EB15E}" type="datetimeFigureOut">
               <a:rPr lang="ru-RU" smtClean="0"/>
               <a:pPr/>
-              <a:t>07.04.2016</a:t>
+              <a:t>08.04.2016</a:t>
             </a:fld>
             <a:endParaRPr lang="ru-RU"/>
           </a:p>
@@ -15227,7 +15274,7 @@
             <a:fld id="{0491F096-90F2-4AC9-A237-7092813EB15E}" type="datetimeFigureOut">
               <a:rPr lang="ru-RU" smtClean="0"/>
               <a:pPr/>
-              <a:t>07.04.2016</a:t>
+              <a:t>08.04.2016</a:t>
             </a:fld>
             <a:endParaRPr lang="ru-RU"/>
           </a:p>
@@ -15331,7 +15378,7 @@
             <a:fld id="{0491F096-90F2-4AC9-A237-7092813EB15E}" type="datetimeFigureOut">
               <a:rPr lang="ru-RU" smtClean="0"/>
               <a:pPr/>
-              <a:t>07.04.2016</a:t>
+              <a:t>08.04.2016</a:t>
             </a:fld>
             <a:endParaRPr lang="ru-RU"/>
           </a:p>
@@ -15615,7 +15662,7 @@
             <a:fld id="{0491F096-90F2-4AC9-A237-7092813EB15E}" type="datetimeFigureOut">
               <a:rPr lang="ru-RU" smtClean="0"/>
               <a:pPr/>
-              <a:t>07.04.2016</a:t>
+              <a:t>08.04.2016</a:t>
             </a:fld>
             <a:endParaRPr lang="ru-RU"/>
           </a:p>
@@ -15879,7 +15926,7 @@
             <a:fld id="{0491F096-90F2-4AC9-A237-7092813EB15E}" type="datetimeFigureOut">
               <a:rPr lang="ru-RU" smtClean="0"/>
               <a:pPr/>
-              <a:t>07.04.2016</a:t>
+              <a:t>08.04.2016</a:t>
             </a:fld>
             <a:endParaRPr lang="ru-RU"/>
           </a:p>
@@ -20459,7 +20506,7 @@
             <a:fld id="{0491F096-90F2-4AC9-A237-7092813EB15E}" type="datetimeFigureOut">
               <a:rPr lang="ru-RU" smtClean="0"/>
               <a:pPr/>
-              <a:t>07.04.2016</a:t>
+              <a:t>08.04.2016</a:t>
             </a:fld>
             <a:endParaRPr lang="ru-RU"/>
           </a:p>
@@ -21166,15 +21213,19 @@
           <a:p>
             <a:r>
               <a:rPr lang="ru-RU" sz="2800" dirty="0"/>
-              <a:t>Можно построить составной запрос(например, </a:t>
+              <a:t>Можно построить составной </a:t>
             </a:r>
             <a:r>
               <a:rPr lang="ru-RU" sz="2800" dirty="0" smtClean="0"/>
-              <a:t>в</a:t>
+              <a:t>запрос (</a:t>
+            </a:r>
+            <a:r>
+              <a:rPr lang="ru-RU" sz="2800" dirty="0"/>
+              <a:t>например, </a:t>
             </a:r>
             <a:r>
               <a:rPr lang="ru-RU" sz="2800" dirty="0" smtClean="0"/>
-              <a:t>ызываемые методами</a:t>
+              <a:t>вызываемые методами</a:t>
             </a:r>
             <a:r>
               <a:rPr lang="en-US" sz="2800" dirty="0" smtClean="0"/>
@@ -22896,217 +22947,6 @@
           <a:lstStyle/>
           <a:p>
             <a:r>
-              <a:rPr lang="ru-RU" dirty="0"/>
-              <a:t>Этапы решения</a:t>
-            </a:r>
-          </a:p>
-        </p:txBody>
-      </p:sp>
-      <p:graphicFrame>
-        <p:nvGraphicFramePr>
-          <p:cNvPr id="4" name="Схема 3"/>
-          <p:cNvGraphicFramePr/>
-          <p:nvPr>
-            <p:extLst>
-              <p:ext uri="{D42A27DB-BD31-4B8C-83A1-F6EECF244321}">
-                <p14:modId xmlns:p14="http://schemas.microsoft.com/office/powerpoint/2010/main" xmlns="" val="1404605311"/>
-              </p:ext>
-            </p:extLst>
-          </p:nvPr>
-        </p:nvGraphicFramePr>
-        <p:xfrm>
-          <a:off x="1500166" y="1357298"/>
-          <a:ext cx="6429388" cy="4643470"/>
-        </p:xfrm>
-        <a:graphic>
-          <a:graphicData uri="http://schemas.openxmlformats.org/drawingml/2006/diagram">
-            <dgm:relIds xmlns:dgm="http://schemas.openxmlformats.org/drawingml/2006/diagram" xmlns:r="http://schemas.openxmlformats.org/officeDocument/2006/relationships" r:dm="rId2" r:lo="rId3" r:qs="rId4" r:cs="rId5"/>
-          </a:graphicData>
-        </a:graphic>
-      </p:graphicFrame>
-    </p:spTree>
-  </p:cSld>
-  <p:clrMapOvr>
-    <a:masterClrMapping/>
-  </p:clrMapOvr>
-  <p:timing>
-    <p:tnLst>
-      <p:par>
-        <p:cTn id="1" dur="indefinite" restart="never" nodeType="tmRoot"/>
-      </p:par>
-    </p:tnLst>
-  </p:timing>
-</p:sld>
-</file>
-
-<file path=ppt/slides/slide14.xml><?xml version="1.0" encoding="utf-8"?>
-<p:sld xmlns:a="http://schemas.openxmlformats.org/drawingml/2006/main" xmlns:r="http://schemas.openxmlformats.org/officeDocument/2006/relationships" xmlns:p="http://schemas.openxmlformats.org/presentationml/2006/main">
-  <p:cSld>
-    <p:spTree>
-      <p:nvGrpSpPr>
-        <p:cNvPr id="1" name=""/>
-        <p:cNvGrpSpPr/>
-        <p:nvPr/>
-      </p:nvGrpSpPr>
-      <p:grpSpPr>
-        <a:xfrm>
-          <a:off x="0" y="0"/>
-          <a:ext cx="0" cy="0"/>
-          <a:chOff x="0" y="0"/>
-          <a:chExt cx="0" cy="0"/>
-        </a:xfrm>
-      </p:grpSpPr>
-      <p:sp>
-        <p:nvSpPr>
-          <p:cNvPr id="2" name="Заголовок 1"/>
-          <p:cNvSpPr>
-            <a:spLocks noGrp="1"/>
-          </p:cNvSpPr>
-          <p:nvPr>
-            <p:ph type="title"/>
-          </p:nvPr>
-        </p:nvSpPr>
-        <p:spPr/>
-        <p:txBody>
-          <a:bodyPr/>
-          <a:lstStyle/>
-          <a:p>
-            <a:r>
-              <a:rPr lang="ru-RU" dirty="0" smtClean="0"/>
-              <a:t>Структура </a:t>
-            </a:r>
-            <a:r>
-              <a:rPr lang="en-US" dirty="0" smtClean="0"/>
-              <a:t>API</a:t>
-            </a:r>
-            <a:endParaRPr lang="ru-RU" dirty="0"/>
-          </a:p>
-        </p:txBody>
-      </p:sp>
-      <p:sp>
-        <p:nvSpPr>
-          <p:cNvPr id="3" name="Содержимое 2"/>
-          <p:cNvSpPr>
-            <a:spLocks noGrp="1"/>
-          </p:cNvSpPr>
-          <p:nvPr>
-            <p:ph idx="1"/>
-          </p:nvPr>
-        </p:nvSpPr>
-        <p:spPr>
-          <a:xfrm>
-            <a:off x="1428728" y="1571612"/>
-            <a:ext cx="7491412" cy="4929222"/>
-          </a:xfrm>
-        </p:spPr>
-        <p:txBody>
-          <a:bodyPr/>
-          <a:lstStyle/>
-          <a:p>
-            <a:r>
-              <a:rPr lang="ru-RU" sz="2800" dirty="0" err="1" smtClean="0"/>
-              <a:t>Визитор</a:t>
-            </a:r>
-            <a:r>
-              <a:rPr lang="ru-RU" sz="2800" dirty="0" smtClean="0"/>
-              <a:t> по синтаксическому дереву отвечает за сбор </a:t>
-            </a:r>
-            <a:r>
-              <a:rPr lang="ru-RU" sz="2800" dirty="0" smtClean="0"/>
-              <a:t>семантической информации </a:t>
-            </a:r>
-            <a:r>
-              <a:rPr lang="ru-RU" sz="2800" dirty="0" smtClean="0"/>
-              <a:t>(в используемой теории соответствует понятию </a:t>
-            </a:r>
-            <a:r>
-              <a:rPr lang="en-US" sz="2800" dirty="0" smtClean="0"/>
-              <a:t>Mapping Function</a:t>
-            </a:r>
-            <a:r>
-              <a:rPr lang="ru-RU" sz="2800" dirty="0" smtClean="0"/>
-              <a:t>)</a:t>
-            </a:r>
-          </a:p>
-          <a:p>
-            <a:r>
-              <a:rPr lang="en-US" sz="2800" dirty="0" err="1" smtClean="0"/>
-              <a:t>InformationContainer</a:t>
-            </a:r>
-            <a:r>
-              <a:rPr lang="en-US" sz="2800" dirty="0" smtClean="0"/>
-              <a:t> </a:t>
-            </a:r>
-            <a:r>
-              <a:rPr lang="ru-RU" sz="2800" dirty="0" smtClean="0"/>
-              <a:t>хранит минимальный контекст и по запросам </a:t>
-            </a:r>
-            <a:r>
-              <a:rPr lang="ru-RU" sz="2800" dirty="0" err="1" smtClean="0"/>
-              <a:t>визитора</a:t>
-            </a:r>
-            <a:r>
-              <a:rPr lang="ru-RU" sz="2800" dirty="0" smtClean="0"/>
-              <a:t> изменяет конкретную программную модель</a:t>
-            </a:r>
-          </a:p>
-          <a:p>
-            <a:r>
-              <a:rPr lang="ru-RU" sz="2800" dirty="0" smtClean="0"/>
-              <a:t>Программная модель хранит легковесную семантику</a:t>
-            </a:r>
-            <a:endParaRPr lang="ru-RU" sz="2800" dirty="0"/>
-          </a:p>
-        </p:txBody>
-      </p:sp>
-    </p:spTree>
-  </p:cSld>
-  <p:clrMapOvr>
-    <a:masterClrMapping/>
-  </p:clrMapOvr>
-  <p:timing>
-    <p:tnLst>
-      <p:par>
-        <p:cTn id="1" dur="indefinite" restart="never" nodeType="tmRoot"/>
-      </p:par>
-    </p:tnLst>
-  </p:timing>
-</p:sld>
-</file>
-
-<file path=ppt/slides/slide15.xml><?xml version="1.0" encoding="utf-8"?>
-<p:sld xmlns:a="http://schemas.openxmlformats.org/drawingml/2006/main" xmlns:r="http://schemas.openxmlformats.org/officeDocument/2006/relationships" xmlns:p="http://schemas.openxmlformats.org/presentationml/2006/main">
-  <p:cSld>
-    <p:spTree>
-      <p:nvGrpSpPr>
-        <p:cNvPr id="1" name=""/>
-        <p:cNvGrpSpPr/>
-        <p:nvPr/>
-      </p:nvGrpSpPr>
-      <p:grpSpPr>
-        <a:xfrm>
-          <a:off x="0" y="0"/>
-          <a:ext cx="0" cy="0"/>
-          <a:chOff x="0" y="0"/>
-          <a:chExt cx="0" cy="0"/>
-        </a:xfrm>
-      </p:grpSpPr>
-      <p:sp>
-        <p:nvSpPr>
-          <p:cNvPr id="2" name="Заголовок 1"/>
-          <p:cNvSpPr>
-            <a:spLocks noGrp="1"/>
-          </p:cNvSpPr>
-          <p:nvPr>
-            <p:ph type="title"/>
-          </p:nvPr>
-        </p:nvSpPr>
-        <p:spPr/>
-        <p:txBody>
-          <a:bodyPr/>
-          <a:lstStyle/>
-          <a:p>
-            <a:r>
               <a:rPr lang="ru-RU" dirty="0" smtClean="0"/>
               <a:t>Пример: запросы к программной модели </a:t>
             </a:r>
@@ -23153,11 +22993,7 @@
             </a:pPr>
             <a:r>
               <a:rPr lang="ru-RU" sz="2000" dirty="0" smtClean="0"/>
-              <a:t>Какие поля содержит </a:t>
-            </a:r>
-            <a:r>
-              <a:rPr lang="ru-RU" sz="2000" dirty="0" smtClean="0"/>
-              <a:t>класс</a:t>
+              <a:t>Какие поля содержит класс</a:t>
             </a:r>
           </a:p>
           <a:p>
@@ -23248,15 +23084,7 @@
             </a:pPr>
             <a:r>
               <a:rPr lang="ru-RU" sz="2000" b="1" kern="0" dirty="0" smtClean="0"/>
-              <a:t>Какие </a:t>
-            </a:r>
-            <a:r>
-              <a:rPr lang="ru-RU" sz="2000" b="1" kern="0" dirty="0" smtClean="0"/>
-              <a:t>процедуры вызываются </a:t>
-            </a:r>
-            <a:r>
-              <a:rPr lang="ru-RU" sz="2000" b="1" kern="0" dirty="0" smtClean="0"/>
-              <a:t>в программе</a:t>
+              <a:t>Какие процедуры вызываются в программе</a:t>
             </a:r>
           </a:p>
           <a:p>
@@ -23737,6 +23565,205 @@
 </p:sld>
 </file>
 
+<file path=ppt/slides/slide14.xml><?xml version="1.0" encoding="utf-8"?>
+<p:sld xmlns:a="http://schemas.openxmlformats.org/drawingml/2006/main" xmlns:r="http://schemas.openxmlformats.org/officeDocument/2006/relationships" xmlns:p="http://schemas.openxmlformats.org/presentationml/2006/main">
+  <p:cSld>
+    <p:spTree>
+      <p:nvGrpSpPr>
+        <p:cNvPr id="1" name=""/>
+        <p:cNvGrpSpPr/>
+        <p:nvPr/>
+      </p:nvGrpSpPr>
+      <p:grpSpPr>
+        <a:xfrm>
+          <a:off x="0" y="0"/>
+          <a:ext cx="0" cy="0"/>
+          <a:chOff x="0" y="0"/>
+          <a:chExt cx="0" cy="0"/>
+        </a:xfrm>
+      </p:grpSpPr>
+      <p:sp>
+        <p:nvSpPr>
+          <p:cNvPr id="2" name="Заголовок 1"/>
+          <p:cNvSpPr>
+            <a:spLocks noGrp="1"/>
+          </p:cNvSpPr>
+          <p:nvPr>
+            <p:ph type="title"/>
+          </p:nvPr>
+        </p:nvSpPr>
+        <p:spPr/>
+        <p:txBody>
+          <a:bodyPr/>
+          <a:lstStyle/>
+          <a:p>
+            <a:r>
+              <a:rPr lang="ru-RU" dirty="0"/>
+              <a:t>Этапы решения</a:t>
+            </a:r>
+          </a:p>
+        </p:txBody>
+      </p:sp>
+      <p:graphicFrame>
+        <p:nvGraphicFramePr>
+          <p:cNvPr id="4" name="Схема 3"/>
+          <p:cNvGraphicFramePr/>
+          <p:nvPr>
+            <p:extLst>
+              <p:ext uri="{D42A27DB-BD31-4B8C-83A1-F6EECF244321}">
+                <p14:modId xmlns:p14="http://schemas.microsoft.com/office/powerpoint/2010/main" xmlns="" val="1404605311"/>
+              </p:ext>
+            </p:extLst>
+          </p:nvPr>
+        </p:nvGraphicFramePr>
+        <p:xfrm>
+          <a:off x="1500166" y="1357298"/>
+          <a:ext cx="6429388" cy="4643470"/>
+        </p:xfrm>
+        <a:graphic>
+          <a:graphicData uri="http://schemas.openxmlformats.org/drawingml/2006/diagram">
+            <dgm:relIds xmlns:dgm="http://schemas.openxmlformats.org/drawingml/2006/diagram" xmlns:r="http://schemas.openxmlformats.org/officeDocument/2006/relationships" r:dm="rId2" r:lo="rId3" r:qs="rId4" r:cs="rId5"/>
+          </a:graphicData>
+        </a:graphic>
+      </p:graphicFrame>
+    </p:spTree>
+  </p:cSld>
+  <p:clrMapOvr>
+    <a:masterClrMapping/>
+  </p:clrMapOvr>
+  <p:timing>
+    <p:tnLst>
+      <p:par>
+        <p:cTn id="1" dur="indefinite" restart="never" nodeType="tmRoot"/>
+      </p:par>
+    </p:tnLst>
+  </p:timing>
+</p:sld>
+</file>
+
+<file path=ppt/slides/slide15.xml><?xml version="1.0" encoding="utf-8"?>
+<p:sld xmlns:a="http://schemas.openxmlformats.org/drawingml/2006/main" xmlns:r="http://schemas.openxmlformats.org/officeDocument/2006/relationships" xmlns:p="http://schemas.openxmlformats.org/presentationml/2006/main">
+  <p:cSld>
+    <p:spTree>
+      <p:nvGrpSpPr>
+        <p:cNvPr id="1" name=""/>
+        <p:cNvGrpSpPr/>
+        <p:nvPr/>
+      </p:nvGrpSpPr>
+      <p:grpSpPr>
+        <a:xfrm>
+          <a:off x="0" y="0"/>
+          <a:ext cx="0" cy="0"/>
+          <a:chOff x="0" y="0"/>
+          <a:chExt cx="0" cy="0"/>
+        </a:xfrm>
+      </p:grpSpPr>
+      <p:sp>
+        <p:nvSpPr>
+          <p:cNvPr id="2" name="Заголовок 1"/>
+          <p:cNvSpPr>
+            <a:spLocks noGrp="1"/>
+          </p:cNvSpPr>
+          <p:nvPr>
+            <p:ph type="title"/>
+          </p:nvPr>
+        </p:nvSpPr>
+        <p:spPr/>
+        <p:txBody>
+          <a:bodyPr/>
+          <a:lstStyle/>
+          <a:p>
+            <a:r>
+              <a:rPr lang="ru-RU" dirty="0" smtClean="0"/>
+              <a:t>Структура библиотеки</a:t>
+            </a:r>
+            <a:endParaRPr lang="ru-RU" dirty="0"/>
+          </a:p>
+        </p:txBody>
+      </p:sp>
+      <p:sp>
+        <p:nvSpPr>
+          <p:cNvPr id="3" name="Содержимое 2"/>
+          <p:cNvSpPr>
+            <a:spLocks noGrp="1"/>
+          </p:cNvSpPr>
+          <p:nvPr>
+            <p:ph idx="1"/>
+          </p:nvPr>
+        </p:nvSpPr>
+        <p:spPr>
+          <a:xfrm>
+            <a:off x="1428728" y="1571612"/>
+            <a:ext cx="7491412" cy="4929222"/>
+          </a:xfrm>
+        </p:spPr>
+        <p:txBody>
+          <a:bodyPr/>
+          <a:lstStyle/>
+          <a:p>
+            <a:r>
+              <a:rPr lang="ru-RU" sz="2800" dirty="0" err="1" smtClean="0"/>
+              <a:t>Визитор</a:t>
+            </a:r>
+            <a:r>
+              <a:rPr lang="ru-RU" sz="2800" dirty="0" smtClean="0"/>
+              <a:t> по синтаксическому дереву отвечает за сбор семантической информации (в используемой теории соответствует понятию </a:t>
+            </a:r>
+            <a:r>
+              <a:rPr lang="en-US" sz="2800" dirty="0" smtClean="0"/>
+              <a:t>Mapping Function</a:t>
+            </a:r>
+            <a:r>
+              <a:rPr lang="ru-RU" sz="2800" dirty="0" smtClean="0"/>
+              <a:t>)</a:t>
+            </a:r>
+          </a:p>
+          <a:p>
+            <a:r>
+              <a:rPr lang="en-US" sz="2800" dirty="0" err="1" smtClean="0"/>
+              <a:t>InformationContainer</a:t>
+            </a:r>
+            <a:r>
+              <a:rPr lang="en-US" sz="2800" dirty="0" smtClean="0"/>
+              <a:t> </a:t>
+            </a:r>
+            <a:r>
+              <a:rPr lang="ru-RU" sz="2800" dirty="0" smtClean="0"/>
+              <a:t>хранит минимальный контекст и по запросам </a:t>
+            </a:r>
+            <a:r>
+              <a:rPr lang="ru-RU" sz="2800" dirty="0" err="1" smtClean="0"/>
+              <a:t>визитора</a:t>
+            </a:r>
+            <a:r>
+              <a:rPr lang="ru-RU" sz="2800" dirty="0" smtClean="0"/>
+              <a:t> изменяет конкретную программную модель</a:t>
+            </a:r>
+          </a:p>
+          <a:p>
+            <a:r>
+              <a:rPr lang="ru-RU" sz="2800" dirty="0" smtClean="0"/>
+              <a:t>Программная модель хранит легковесную семантику</a:t>
+            </a:r>
+            <a:endParaRPr lang="ru-RU" sz="2800" dirty="0"/>
+          </a:p>
+        </p:txBody>
+      </p:sp>
+    </p:spTree>
+  </p:cSld>
+  <p:clrMapOvr>
+    <a:masterClrMapping/>
+  </p:clrMapOvr>
+  <p:timing>
+    <p:tnLst>
+      <p:par>
+        <p:cTn id="1" dur="indefinite" restart="never" nodeType="tmRoot"/>
+      </p:par>
+    </p:tnLst>
+  </p:timing>
+</p:sld>
+</file>
+
 <file path=ppt/slides/slide16.xml><?xml version="1.0" encoding="utf-8"?>
 <p:sld xmlns:a="http://schemas.openxmlformats.org/drawingml/2006/main" xmlns:r="http://schemas.openxmlformats.org/officeDocument/2006/relationships" xmlns:p="http://schemas.openxmlformats.org/presentationml/2006/main">
   <p:cSld>
@@ -23771,7 +23798,19 @@
           <a:p>
             <a:r>
               <a:rPr lang="ru-RU" dirty="0" smtClean="0"/>
-              <a:t>Результаты работы</a:t>
+              <a:t>Пример: </a:t>
+            </a:r>
+            <a:r>
+              <a:rPr lang="en-US" dirty="0" err="1" smtClean="0"/>
+              <a:t>Intellisence</a:t>
+            </a:r>
+            <a:r>
+              <a:rPr lang="en-US" dirty="0" smtClean="0"/>
+              <a:t> </a:t>
+            </a:r>
+            <a:r>
+              <a:rPr lang="ru-RU" dirty="0" smtClean="0"/>
+              <a:t>по первым символам</a:t>
             </a:r>
             <a:endParaRPr lang="ru-RU" dirty="0"/>
           </a:p>
@@ -23787,36 +23826,1096 @@
             <p:ph idx="1"/>
           </p:nvPr>
         </p:nvSpPr>
-        <p:spPr/>
+        <p:spPr>
+          <a:xfrm>
+            <a:off x="1500166" y="1643050"/>
+            <a:ext cx="7491412" cy="1047744"/>
+          </a:xfrm>
+        </p:spPr>
+        <p:style>
+          <a:lnRef idx="1">
+            <a:schemeClr val="dk1"/>
+          </a:lnRef>
+          <a:fillRef idx="2">
+            <a:schemeClr val="dk1"/>
+          </a:fillRef>
+          <a:effectRef idx="1">
+            <a:schemeClr val="dk1"/>
+          </a:effectRef>
+          <a:fontRef idx="minor">
+            <a:schemeClr val="dk1"/>
+          </a:fontRef>
+        </p:style>
         <p:txBody>
           <a:bodyPr/>
           <a:lstStyle/>
           <a:p>
-            <a:r>
-              <a:rPr lang="ru-RU" sz="2400" dirty="0" smtClean="0"/>
-              <a:t>Выделены основные семантические элементы и отношения</a:t>
-            </a:r>
+            <a:pPr>
+              <a:buNone/>
+            </a:pPr>
+            <a:r>
+              <a:rPr lang="ru-RU" sz="2800" dirty="0" smtClean="0"/>
+              <a:t>Задача: Получить все </a:t>
+            </a:r>
+            <a:r>
+              <a:rPr lang="ru-RU" sz="2800" dirty="0" smtClean="0"/>
+              <a:t>имена, </a:t>
+            </a:r>
+            <a:r>
+              <a:rPr lang="ru-RU" sz="2800" dirty="0" smtClean="0"/>
+              <a:t>доступные в пространстве имён </a:t>
+            </a:r>
+            <a:r>
+              <a:rPr lang="en-US" sz="2800" dirty="0" err="1" smtClean="0"/>
+              <a:t>nameSpace</a:t>
+            </a:r>
+            <a:endParaRPr lang="ru-RU" sz="2800" dirty="0"/>
           </a:p>
+        </p:txBody>
+      </p:sp>
+      <p:graphicFrame>
+        <p:nvGraphicFramePr>
+          <p:cNvPr id="5" name="Таблица 4"/>
+          <p:cNvGraphicFramePr>
+            <a:graphicFrameLocks noGrp="1"/>
+          </p:cNvGraphicFramePr>
+          <p:nvPr/>
+        </p:nvGraphicFramePr>
+        <p:xfrm>
+          <a:off x="1214382" y="3000372"/>
+          <a:ext cx="7929618" cy="3505200"/>
+        </p:xfrm>
+        <a:graphic>
+          <a:graphicData uri="http://schemas.openxmlformats.org/drawingml/2006/table">
+            <a:tbl>
+              <a:tblPr/>
+              <a:tblGrid>
+                <a:gridCol w="7929618"/>
+              </a:tblGrid>
+              <a:tr h="0">
+                <a:tc>
+                  <a:txBody>
+                    <a:bodyPr/>
+                    <a:lstStyle/>
+                    <a:p>
+                      <a:r>
+                        <a:rPr lang="ru-RU" sz="1400" dirty="0">
+                          <a:solidFill>
+                            <a:srgbClr val="008000"/>
+                          </a:solidFill>
+                        </a:rPr>
+                        <a:t>// Сбор информации</a:t>
+                      </a:r>
+                      <a:r>
+                        <a:rPr lang="ru-RU" sz="1400" dirty="0"/>
+                        <a:t> </a:t>
+                      </a:r>
+                      <a:endParaRPr lang="ru-RU" sz="1400" dirty="0" smtClean="0"/>
+                    </a:p>
+                    <a:p>
+                      <a:r>
+                        <a:rPr lang="en-US" sz="1400" dirty="0" err="1" smtClean="0"/>
+                        <a:t>SpecificProgramModel</a:t>
+                      </a:r>
+                      <a:r>
+                        <a:rPr lang="en-US" sz="1400" dirty="0" smtClean="0"/>
+                        <a:t> </a:t>
+                      </a:r>
+                      <a:r>
+                        <a:rPr lang="en-US" sz="1400" dirty="0"/>
+                        <a:t>program</a:t>
+                      </a:r>
+                      <a:r>
+                        <a:rPr lang="en-US" sz="1400" dirty="0" smtClean="0">
+                          <a:solidFill>
+                            <a:srgbClr val="0000FF"/>
+                          </a:solidFill>
+                        </a:rPr>
+                        <a:t>;</a:t>
+                      </a:r>
+                      <a:endParaRPr lang="ru-RU" sz="1400" dirty="0" smtClean="0">
+                        <a:solidFill>
+                          <a:srgbClr val="0000FF"/>
+                        </a:solidFill>
+                      </a:endParaRPr>
+                    </a:p>
+                    <a:p>
+                      <a:r>
+                        <a:rPr lang="en-US" sz="1400" dirty="0" err="1" smtClean="0"/>
+                        <a:t>VisitorCollector</a:t>
+                      </a:r>
+                      <a:r>
+                        <a:rPr lang="en-US" sz="1400" dirty="0" smtClean="0"/>
+                        <a:t> </a:t>
+                      </a:r>
+                      <a:r>
+                        <a:rPr lang="en-US" sz="1400" dirty="0"/>
+                        <a:t>visitor </a:t>
+                      </a:r>
+                      <a:r>
+                        <a:rPr lang="en-US" sz="1400" dirty="0">
+                          <a:solidFill>
+                            <a:srgbClr val="0000FF"/>
+                          </a:solidFill>
+                        </a:rPr>
+                        <a:t>=</a:t>
+                      </a:r>
+                      <a:r>
+                        <a:rPr lang="en-US" sz="1400" dirty="0"/>
+                        <a:t> </a:t>
+                      </a:r>
+                      <a:r>
+                        <a:rPr lang="en-US" sz="1400" b="1" dirty="0">
+                          <a:solidFill>
+                            <a:srgbClr val="0000FF"/>
+                          </a:solidFill>
+                        </a:rPr>
+                        <a:t>new</a:t>
+                      </a:r>
+                      <a:r>
+                        <a:rPr lang="en-US" sz="1400" dirty="0"/>
+                        <a:t> </a:t>
+                      </a:r>
+                      <a:r>
+                        <a:rPr lang="en-US" sz="1400" dirty="0" err="1"/>
+                        <a:t>VisitorCollector</a:t>
+                      </a:r>
+                      <a:r>
+                        <a:rPr lang="en-US" sz="1400" dirty="0">
+                          <a:solidFill>
+                            <a:srgbClr val="0000FF"/>
+                          </a:solidFill>
+                        </a:rPr>
+                        <a:t>();</a:t>
+                      </a:r>
+                      <a:r>
+                        <a:rPr lang="en-US" sz="1400" dirty="0"/>
+                        <a:t> </a:t>
+                      </a:r>
+                      <a:r>
+                        <a:rPr lang="en-US" sz="1400" dirty="0" err="1"/>
+                        <a:t>visitor</a:t>
+                      </a:r>
+                      <a:r>
+                        <a:rPr lang="en-US" sz="1400" dirty="0" err="1">
+                          <a:solidFill>
+                            <a:srgbClr val="0000FF"/>
+                          </a:solidFill>
+                        </a:rPr>
+                        <a:t>.</a:t>
+                      </a:r>
+                      <a:r>
+                        <a:rPr lang="en-US" sz="1400" dirty="0" err="1"/>
+                        <a:t>visit</a:t>
+                      </a:r>
+                      <a:r>
+                        <a:rPr lang="en-US" sz="1400" dirty="0">
+                          <a:solidFill>
+                            <a:srgbClr val="0000FF"/>
+                          </a:solidFill>
+                        </a:rPr>
+                        <a:t>(</a:t>
+                      </a:r>
+                      <a:r>
+                        <a:rPr lang="en-US" sz="1400" dirty="0"/>
+                        <a:t>tree</a:t>
+                      </a:r>
+                      <a:r>
+                        <a:rPr lang="en-US" sz="1400" dirty="0" smtClean="0">
+                          <a:solidFill>
+                            <a:srgbClr val="0000FF"/>
+                          </a:solidFill>
+                        </a:rPr>
+                        <a:t>);</a:t>
+                      </a:r>
+                      <a:endParaRPr lang="ru-RU" sz="1400" dirty="0" smtClean="0">
+                        <a:solidFill>
+                          <a:srgbClr val="0000FF"/>
+                        </a:solidFill>
+                      </a:endParaRPr>
+                    </a:p>
+                    <a:p>
+                      <a:r>
+                        <a:rPr lang="en-US" sz="1400" dirty="0" smtClean="0"/>
+                        <a:t>program </a:t>
+                      </a:r>
+                      <a:r>
+                        <a:rPr lang="en-US" sz="1400" dirty="0">
+                          <a:solidFill>
+                            <a:srgbClr val="0000FF"/>
+                          </a:solidFill>
+                        </a:rPr>
+                        <a:t>=</a:t>
+                      </a:r>
+                      <a:r>
+                        <a:rPr lang="en-US" sz="1400" dirty="0"/>
+                        <a:t> </a:t>
+                      </a:r>
+                      <a:r>
+                        <a:rPr lang="en-US" sz="1400" dirty="0" err="1"/>
+                        <a:t>visitor</a:t>
+                      </a:r>
+                      <a:r>
+                        <a:rPr lang="en-US" sz="1400" dirty="0" err="1">
+                          <a:solidFill>
+                            <a:srgbClr val="0000FF"/>
+                          </a:solidFill>
+                        </a:rPr>
+                        <a:t>.</a:t>
+                      </a:r>
+                      <a:r>
+                        <a:rPr lang="en-US" sz="1400" dirty="0" err="1"/>
+                        <a:t>program</a:t>
+                      </a:r>
+                      <a:r>
+                        <a:rPr lang="en-US" sz="1400" dirty="0" smtClean="0">
+                          <a:solidFill>
+                            <a:srgbClr val="0000FF"/>
+                          </a:solidFill>
+                        </a:rPr>
+                        <a:t>;</a:t>
+                      </a:r>
+                      <a:endParaRPr lang="ru-RU" sz="1400" dirty="0" smtClean="0">
+                        <a:solidFill>
+                          <a:srgbClr val="0000FF"/>
+                        </a:solidFill>
+                      </a:endParaRPr>
+                    </a:p>
+                    <a:p>
+                      <a:endParaRPr lang="ru-RU" sz="1400" dirty="0" smtClean="0">
+                        <a:solidFill>
+                          <a:srgbClr val="0000FF"/>
+                        </a:solidFill>
+                      </a:endParaRPr>
+                    </a:p>
+                    <a:p>
+                      <a:r>
+                        <a:rPr lang="en-US" sz="1400" dirty="0" smtClean="0">
+                          <a:solidFill>
+                            <a:srgbClr val="008000"/>
+                          </a:solidFill>
+                        </a:rPr>
+                        <a:t>// </a:t>
+                      </a:r>
+                      <a:r>
+                        <a:rPr lang="ru-RU" sz="1400" dirty="0">
+                          <a:solidFill>
+                            <a:srgbClr val="008000"/>
+                          </a:solidFill>
+                        </a:rPr>
+                        <a:t>Сбор пространств </a:t>
+                      </a:r>
+                      <a:r>
+                        <a:rPr lang="ru-RU" sz="1400" dirty="0" smtClean="0">
+                          <a:solidFill>
+                            <a:srgbClr val="008000"/>
+                          </a:solidFill>
+                        </a:rPr>
+                        <a:t>имён</a:t>
+                      </a:r>
+                    </a:p>
+                    <a:p>
+                      <a:r>
+                        <a:rPr lang="en-US" sz="1400" dirty="0" err="1" smtClean="0"/>
+                        <a:t>SortedSet</a:t>
+                      </a:r>
+                      <a:r>
+                        <a:rPr lang="en-US" sz="1400" dirty="0" smtClean="0">
+                          <a:solidFill>
+                            <a:srgbClr val="0000FF"/>
+                          </a:solidFill>
+                        </a:rPr>
+                        <a:t>&lt;</a:t>
+                      </a:r>
+                      <a:r>
+                        <a:rPr lang="en-US" sz="1400" b="1" dirty="0" smtClean="0">
+                          <a:solidFill>
+                            <a:srgbClr val="0000FF"/>
+                          </a:solidFill>
+                        </a:rPr>
+                        <a:t>string</a:t>
+                      </a:r>
+                      <a:r>
+                        <a:rPr lang="en-US" sz="1400" dirty="0">
+                          <a:solidFill>
+                            <a:srgbClr val="0000FF"/>
+                          </a:solidFill>
+                        </a:rPr>
+                        <a:t>&gt;</a:t>
+                      </a:r>
+                      <a:r>
+                        <a:rPr lang="en-US" sz="1400" dirty="0"/>
+                        <a:t> </a:t>
+                      </a:r>
+                      <a:r>
+                        <a:rPr lang="en-US" sz="1400" dirty="0" err="1"/>
+                        <a:t>nameSpaces</a:t>
+                      </a:r>
+                      <a:r>
+                        <a:rPr lang="en-US" sz="1400" dirty="0"/>
+                        <a:t> </a:t>
+                      </a:r>
+                      <a:r>
+                        <a:rPr lang="en-US" sz="1400" dirty="0">
+                          <a:solidFill>
+                            <a:srgbClr val="0000FF"/>
+                          </a:solidFill>
+                        </a:rPr>
+                        <a:t>=</a:t>
+                      </a:r>
+                      <a:r>
+                        <a:rPr lang="en-US" sz="1400" dirty="0"/>
+                        <a:t> </a:t>
+                      </a:r>
+                      <a:r>
+                        <a:rPr lang="en-US" sz="1400" b="1" dirty="0">
+                          <a:solidFill>
+                            <a:srgbClr val="0000FF"/>
+                          </a:solidFill>
+                        </a:rPr>
+                        <a:t>new</a:t>
+                      </a:r>
+                      <a:r>
+                        <a:rPr lang="en-US" sz="1400" dirty="0"/>
+                        <a:t> </a:t>
+                      </a:r>
+                      <a:r>
+                        <a:rPr lang="en-US" sz="1400" dirty="0" err="1"/>
+                        <a:t>SortedSet</a:t>
+                      </a:r>
+                      <a:r>
+                        <a:rPr lang="en-US" sz="1400" dirty="0">
+                          <a:solidFill>
+                            <a:srgbClr val="0000FF"/>
+                          </a:solidFill>
+                        </a:rPr>
+                        <a:t>&lt;</a:t>
+                      </a:r>
+                      <a:r>
+                        <a:rPr lang="en-US" sz="1400" b="1" dirty="0">
+                          <a:solidFill>
+                            <a:srgbClr val="0000FF"/>
+                          </a:solidFill>
+                        </a:rPr>
+                        <a:t>string</a:t>
+                      </a:r>
+                      <a:r>
+                        <a:rPr lang="en-US" sz="1400" dirty="0" smtClean="0">
+                          <a:solidFill>
+                            <a:srgbClr val="0000FF"/>
+                          </a:solidFill>
+                        </a:rPr>
+                        <a:t>&gt;();</a:t>
+                      </a:r>
+                      <a:endParaRPr lang="ru-RU" sz="1400" dirty="0" smtClean="0">
+                        <a:solidFill>
+                          <a:srgbClr val="0000FF"/>
+                        </a:solidFill>
+                      </a:endParaRPr>
+                    </a:p>
+                    <a:p>
+                      <a:r>
+                        <a:rPr lang="en-US" sz="1400" dirty="0" err="1" smtClean="0"/>
+                        <a:t>nameSpaces</a:t>
+                      </a:r>
+                      <a:r>
+                        <a:rPr lang="en-US" sz="1400" dirty="0" err="1" smtClean="0">
+                          <a:solidFill>
+                            <a:srgbClr val="0000FF"/>
+                          </a:solidFill>
+                        </a:rPr>
+                        <a:t>.</a:t>
+                      </a:r>
+                      <a:r>
+                        <a:rPr lang="en-US" sz="1400" dirty="0" err="1" smtClean="0"/>
+                        <a:t>Add</a:t>
+                      </a:r>
+                      <a:r>
+                        <a:rPr lang="en-US" sz="1400" dirty="0" smtClean="0">
+                          <a:solidFill>
+                            <a:srgbClr val="0000FF"/>
+                          </a:solidFill>
+                        </a:rPr>
+                        <a:t>(</a:t>
+                      </a:r>
+                      <a:r>
+                        <a:rPr lang="en-US" sz="1400" dirty="0" err="1" smtClean="0"/>
+                        <a:t>nameSpace</a:t>
+                      </a:r>
+                      <a:r>
+                        <a:rPr lang="en-US" sz="1400" dirty="0" smtClean="0">
+                          <a:solidFill>
+                            <a:srgbClr val="0000FF"/>
+                          </a:solidFill>
+                        </a:rPr>
+                        <a:t>);</a:t>
+                      </a:r>
+                      <a:endParaRPr lang="ru-RU" sz="1400" dirty="0" smtClean="0">
+                        <a:solidFill>
+                          <a:srgbClr val="0000FF"/>
+                        </a:solidFill>
+                      </a:endParaRPr>
+                    </a:p>
+                    <a:p>
+                      <a:r>
+                        <a:rPr lang="en-US" sz="1400" dirty="0" err="1" smtClean="0"/>
+                        <a:t>SortedSet</a:t>
+                      </a:r>
+                      <a:r>
+                        <a:rPr lang="en-US" sz="1400" dirty="0" smtClean="0">
+                          <a:solidFill>
+                            <a:srgbClr val="0000FF"/>
+                          </a:solidFill>
+                        </a:rPr>
+                        <a:t>&lt;</a:t>
+                      </a:r>
+                      <a:r>
+                        <a:rPr lang="en-US" sz="1400" b="1" dirty="0" smtClean="0">
+                          <a:solidFill>
+                            <a:srgbClr val="0000FF"/>
+                          </a:solidFill>
+                        </a:rPr>
+                        <a:t>string</a:t>
+                      </a:r>
+                      <a:r>
+                        <a:rPr lang="en-US" sz="1400" dirty="0">
+                          <a:solidFill>
+                            <a:srgbClr val="0000FF"/>
+                          </a:solidFill>
+                        </a:rPr>
+                        <a:t>&gt;</a:t>
+                      </a:r>
+                      <a:r>
+                        <a:rPr lang="en-US" sz="1400" dirty="0"/>
+                        <a:t> </a:t>
+                      </a:r>
+                      <a:r>
+                        <a:rPr lang="en-US" sz="1400" dirty="0" err="1"/>
+                        <a:t>nstmp</a:t>
+                      </a:r>
+                      <a:r>
+                        <a:rPr lang="en-US" sz="1400" dirty="0"/>
+                        <a:t> </a:t>
+                      </a:r>
+                      <a:r>
+                        <a:rPr lang="en-US" sz="1400" dirty="0">
+                          <a:solidFill>
+                            <a:srgbClr val="0000FF"/>
+                          </a:solidFill>
+                        </a:rPr>
+                        <a:t>=</a:t>
+                      </a:r>
+                      <a:r>
+                        <a:rPr lang="en-US" sz="1400" dirty="0"/>
+                        <a:t> </a:t>
+                      </a:r>
+                      <a:r>
+                        <a:rPr lang="en-US" sz="1400" b="1" dirty="0">
+                          <a:solidFill>
+                            <a:srgbClr val="0000FF"/>
+                          </a:solidFill>
+                        </a:rPr>
+                        <a:t>new</a:t>
+                      </a:r>
+                      <a:r>
+                        <a:rPr lang="en-US" sz="1400" dirty="0"/>
+                        <a:t> </a:t>
+                      </a:r>
+                      <a:r>
+                        <a:rPr lang="en-US" sz="1400" dirty="0" err="1"/>
+                        <a:t>SortedSet</a:t>
+                      </a:r>
+                      <a:r>
+                        <a:rPr lang="en-US" sz="1400" dirty="0">
+                          <a:solidFill>
+                            <a:srgbClr val="0000FF"/>
+                          </a:solidFill>
+                        </a:rPr>
+                        <a:t>&lt;</a:t>
+                      </a:r>
+                      <a:r>
+                        <a:rPr lang="en-US" sz="1400" b="1" dirty="0">
+                          <a:solidFill>
+                            <a:srgbClr val="0000FF"/>
+                          </a:solidFill>
+                        </a:rPr>
+                        <a:t>string</a:t>
+                      </a:r>
+                      <a:r>
+                        <a:rPr lang="en-US" sz="1400" dirty="0">
+                          <a:solidFill>
+                            <a:srgbClr val="0000FF"/>
+                          </a:solidFill>
+                        </a:rPr>
+                        <a:t>&gt;();</a:t>
+                      </a:r>
+                      <a:r>
+                        <a:rPr lang="en-US" sz="1400" dirty="0"/>
+                        <a:t> </a:t>
+                      </a:r>
+                      <a:r>
+                        <a:rPr lang="en-US" sz="1400" dirty="0" err="1"/>
+                        <a:t>nstmp</a:t>
+                      </a:r>
+                      <a:r>
+                        <a:rPr lang="en-US" sz="1400" dirty="0" err="1">
+                          <a:solidFill>
+                            <a:srgbClr val="0000FF"/>
+                          </a:solidFill>
+                        </a:rPr>
+                        <a:t>.</a:t>
+                      </a:r>
+                      <a:r>
+                        <a:rPr lang="en-US" sz="1400" dirty="0" err="1"/>
+                        <a:t>Add</a:t>
+                      </a:r>
+                      <a:r>
+                        <a:rPr lang="en-US" sz="1400" dirty="0">
+                          <a:solidFill>
+                            <a:srgbClr val="0000FF"/>
+                          </a:solidFill>
+                        </a:rPr>
+                        <a:t>(</a:t>
+                      </a:r>
+                      <a:r>
+                        <a:rPr lang="en-US" sz="1400" dirty="0" err="1"/>
+                        <a:t>nameSpace</a:t>
+                      </a:r>
+                      <a:r>
+                        <a:rPr lang="en-US" sz="1400" dirty="0" smtClean="0">
+                          <a:solidFill>
+                            <a:srgbClr val="0000FF"/>
+                          </a:solidFill>
+                        </a:rPr>
+                        <a:t>);</a:t>
+                      </a:r>
+                      <a:endParaRPr lang="ru-RU" sz="1400" dirty="0" smtClean="0">
+                        <a:solidFill>
+                          <a:srgbClr val="0000FF"/>
+                        </a:solidFill>
+                      </a:endParaRPr>
+                    </a:p>
+                    <a:p>
+                      <a:r>
+                        <a:rPr lang="en-US" sz="1400" b="1" dirty="0" smtClean="0">
+                          <a:solidFill>
+                            <a:srgbClr val="0000FF"/>
+                          </a:solidFill>
+                        </a:rPr>
+                        <a:t>do</a:t>
+                      </a:r>
+                      <a:r>
+                        <a:rPr lang="en-US" sz="1400" dirty="0" smtClean="0"/>
+                        <a:t> </a:t>
+                      </a:r>
+                      <a:r>
+                        <a:rPr lang="en-US" sz="1400" dirty="0" smtClean="0">
+                          <a:solidFill>
+                            <a:srgbClr val="0000FF"/>
+                          </a:solidFill>
+                        </a:rPr>
+                        <a:t>{</a:t>
+                      </a:r>
+                      <a:endParaRPr lang="ru-RU" sz="1400" dirty="0" smtClean="0">
+                        <a:solidFill>
+                          <a:srgbClr val="0000FF"/>
+                        </a:solidFill>
+                      </a:endParaRPr>
+                    </a:p>
+                    <a:p>
+                      <a:r>
+                        <a:rPr lang="ru-RU" sz="1400" dirty="0" smtClean="0">
+                          <a:solidFill>
+                            <a:srgbClr val="0000FF"/>
+                          </a:solidFill>
+                        </a:rPr>
+                        <a:t>  </a:t>
+                      </a:r>
+                      <a:r>
+                        <a:rPr lang="en-US" sz="1400" dirty="0" err="1" smtClean="0"/>
+                        <a:t>nstmp</a:t>
+                      </a:r>
+                      <a:r>
+                        <a:rPr lang="en-US" sz="1400" dirty="0" smtClean="0"/>
+                        <a:t> </a:t>
+                      </a:r>
+                      <a:r>
+                        <a:rPr lang="en-US" sz="1400" dirty="0">
+                          <a:solidFill>
+                            <a:srgbClr val="0000FF"/>
+                          </a:solidFill>
+                        </a:rPr>
+                        <a:t>=</a:t>
+                      </a:r>
+                      <a:r>
+                        <a:rPr lang="en-US" sz="1400" dirty="0"/>
+                        <a:t> </a:t>
+                      </a:r>
+                      <a:r>
+                        <a:rPr lang="en-US" sz="1400" dirty="0" err="1"/>
+                        <a:t>program</a:t>
+                      </a:r>
+                      <a:r>
+                        <a:rPr lang="en-US" sz="1400" dirty="0" err="1">
+                          <a:solidFill>
+                            <a:srgbClr val="0000FF"/>
+                          </a:solidFill>
+                        </a:rPr>
+                        <a:t>.</a:t>
+                      </a:r>
+                      <a:r>
+                        <a:rPr lang="en-US" sz="1400" dirty="0" err="1"/>
+                        <a:t>Contains</a:t>
+                      </a:r>
+                      <a:r>
+                        <a:rPr lang="en-US" sz="1400" dirty="0" err="1">
+                          <a:solidFill>
+                            <a:srgbClr val="0000FF"/>
+                          </a:solidFill>
+                        </a:rPr>
+                        <a:t>.</a:t>
+                      </a:r>
+                      <a:r>
+                        <a:rPr lang="en-US" sz="1400" dirty="0" err="1"/>
+                        <a:t>ProjRan</a:t>
+                      </a:r>
+                      <a:r>
+                        <a:rPr lang="en-US" sz="1400" dirty="0">
+                          <a:solidFill>
+                            <a:srgbClr val="0000FF"/>
+                          </a:solidFill>
+                        </a:rPr>
+                        <a:t>(</a:t>
+                      </a:r>
+                      <a:r>
+                        <a:rPr lang="en-US" sz="1400" dirty="0" err="1"/>
+                        <a:t>nstmp</a:t>
+                      </a:r>
+                      <a:r>
+                        <a:rPr lang="en-US" sz="1400" dirty="0" smtClean="0">
+                          <a:solidFill>
+                            <a:srgbClr val="0000FF"/>
+                          </a:solidFill>
+                        </a:rPr>
+                        <a:t>);</a:t>
+                      </a:r>
+                      <a:endParaRPr lang="ru-RU" sz="1400" dirty="0" smtClean="0">
+                        <a:solidFill>
+                          <a:srgbClr val="0000FF"/>
+                        </a:solidFill>
+                      </a:endParaRPr>
+                    </a:p>
+                    <a:p>
+                      <a:r>
+                        <a:rPr lang="ru-RU" sz="1400" baseline="0" dirty="0" smtClean="0">
+                          <a:solidFill>
+                            <a:srgbClr val="0000FF"/>
+                          </a:solidFill>
+                        </a:rPr>
+                        <a:t>  </a:t>
+                      </a:r>
+                      <a:r>
+                        <a:rPr lang="en-US" sz="1400" dirty="0" err="1" smtClean="0"/>
+                        <a:t>nameSpaces</a:t>
+                      </a:r>
+                      <a:r>
+                        <a:rPr lang="en-US" sz="1400" dirty="0" err="1" smtClean="0">
+                          <a:solidFill>
+                            <a:srgbClr val="0000FF"/>
+                          </a:solidFill>
+                        </a:rPr>
+                        <a:t>.</a:t>
+                      </a:r>
+                      <a:r>
+                        <a:rPr lang="en-US" sz="1400" dirty="0" err="1" smtClean="0"/>
+                        <a:t>AddRange</a:t>
+                      </a:r>
+                      <a:r>
+                        <a:rPr lang="en-US" sz="1400" dirty="0" smtClean="0">
+                          <a:solidFill>
+                            <a:srgbClr val="0000FF"/>
+                          </a:solidFill>
+                        </a:rPr>
+                        <a:t>(</a:t>
+                      </a:r>
+                      <a:r>
+                        <a:rPr lang="en-US" sz="1400" dirty="0" err="1" smtClean="0"/>
+                        <a:t>nstmp</a:t>
+                      </a:r>
+                      <a:r>
+                        <a:rPr lang="en-US" sz="1400" dirty="0" smtClean="0">
+                          <a:solidFill>
+                            <a:srgbClr val="0000FF"/>
+                          </a:solidFill>
+                        </a:rPr>
+                        <a:t>);</a:t>
+                      </a:r>
+                      <a:endParaRPr lang="ru-RU" sz="1400" dirty="0" smtClean="0">
+                        <a:solidFill>
+                          <a:srgbClr val="0000FF"/>
+                        </a:solidFill>
+                      </a:endParaRPr>
+                    </a:p>
+                    <a:p>
+                      <a:r>
+                        <a:rPr lang="en-US" sz="1400" dirty="0" smtClean="0">
+                          <a:solidFill>
+                            <a:srgbClr val="0000FF"/>
+                          </a:solidFill>
+                        </a:rPr>
+                        <a:t>}</a:t>
+                      </a:r>
+                      <a:r>
+                        <a:rPr lang="en-US" sz="1400" dirty="0" smtClean="0"/>
+                        <a:t> </a:t>
+                      </a:r>
+                      <a:r>
+                        <a:rPr lang="en-US" sz="1400" b="1" dirty="0">
+                          <a:solidFill>
+                            <a:srgbClr val="0000FF"/>
+                          </a:solidFill>
+                        </a:rPr>
+                        <a:t>while</a:t>
+                      </a:r>
+                      <a:r>
+                        <a:rPr lang="en-US" sz="1400" dirty="0"/>
+                        <a:t> </a:t>
+                      </a:r>
+                      <a:r>
+                        <a:rPr lang="en-US" sz="1400" dirty="0">
+                          <a:solidFill>
+                            <a:srgbClr val="0000FF"/>
+                          </a:solidFill>
+                        </a:rPr>
+                        <a:t>(</a:t>
+                      </a:r>
+                      <a:r>
+                        <a:rPr lang="en-US" sz="1400" dirty="0" err="1"/>
+                        <a:t>nstmp</a:t>
+                      </a:r>
+                      <a:r>
+                        <a:rPr lang="en-US" sz="1400" dirty="0" err="1">
+                          <a:solidFill>
+                            <a:srgbClr val="0000FF"/>
+                          </a:solidFill>
+                        </a:rPr>
+                        <a:t>.</a:t>
+                      </a:r>
+                      <a:r>
+                        <a:rPr lang="en-US" sz="1400" dirty="0" err="1"/>
+                        <a:t>Count</a:t>
+                      </a:r>
+                      <a:r>
+                        <a:rPr lang="en-US" sz="1400" dirty="0"/>
+                        <a:t> </a:t>
+                      </a:r>
+                      <a:r>
+                        <a:rPr lang="en-US" sz="1400" dirty="0">
+                          <a:solidFill>
+                            <a:srgbClr val="0000FF"/>
+                          </a:solidFill>
+                        </a:rPr>
+                        <a:t>!=</a:t>
+                      </a:r>
+                      <a:r>
+                        <a:rPr lang="en-US" sz="1400" dirty="0"/>
+                        <a:t> </a:t>
+                      </a:r>
+                      <a:r>
+                        <a:rPr lang="en-US" sz="1400" dirty="0">
+                          <a:solidFill>
+                            <a:srgbClr val="800000"/>
+                          </a:solidFill>
+                        </a:rPr>
+                        <a:t>0</a:t>
+                      </a:r>
+                      <a:r>
+                        <a:rPr lang="en-US" sz="1400" dirty="0" smtClean="0">
+                          <a:solidFill>
+                            <a:srgbClr val="0000FF"/>
+                          </a:solidFill>
+                        </a:rPr>
+                        <a:t>);</a:t>
+                      </a:r>
+                      <a:endParaRPr lang="ru-RU" sz="1400" dirty="0" smtClean="0">
+                        <a:solidFill>
+                          <a:srgbClr val="0000FF"/>
+                        </a:solidFill>
+                      </a:endParaRPr>
+                    </a:p>
+                    <a:p>
+                      <a:endParaRPr lang="ru-RU" sz="1400" dirty="0" smtClean="0">
+                        <a:solidFill>
+                          <a:srgbClr val="0000FF"/>
+                        </a:solidFill>
+                      </a:endParaRPr>
+                    </a:p>
+                    <a:p>
+                      <a:r>
+                        <a:rPr lang="en-US" sz="1400" dirty="0" smtClean="0">
+                          <a:solidFill>
+                            <a:srgbClr val="008000"/>
+                          </a:solidFill>
+                        </a:rPr>
+                        <a:t>// </a:t>
+                      </a:r>
+                      <a:r>
+                        <a:rPr lang="ru-RU" sz="1400" dirty="0">
+                          <a:solidFill>
+                            <a:srgbClr val="008000"/>
+                          </a:solidFill>
+                        </a:rPr>
+                        <a:t>Получение </a:t>
+                      </a:r>
+                      <a:r>
+                        <a:rPr lang="ru-RU" sz="1400" dirty="0" smtClean="0">
+                          <a:solidFill>
+                            <a:srgbClr val="008000"/>
+                          </a:solidFill>
+                        </a:rPr>
+                        <a:t>всех имён</a:t>
+                      </a:r>
+                    </a:p>
+                    <a:p>
+                      <a:r>
+                        <a:rPr lang="en-US" sz="1400" b="1" dirty="0" smtClean="0">
+                          <a:solidFill>
+                            <a:srgbClr val="0000FF"/>
+                          </a:solidFill>
+                        </a:rPr>
+                        <a:t>return</a:t>
+                      </a:r>
+                      <a:r>
+                        <a:rPr lang="ru-RU" sz="1400" b="1" dirty="0" smtClean="0">
+                          <a:solidFill>
+                            <a:srgbClr val="0000FF"/>
+                          </a:solidFill>
+                        </a:rPr>
+                        <a:t> </a:t>
+                      </a:r>
+                      <a:r>
+                        <a:rPr lang="en-US" sz="1400" dirty="0" err="1" smtClean="0"/>
+                        <a:t>program</a:t>
+                      </a:r>
+                      <a:r>
+                        <a:rPr lang="en-US" sz="1400" dirty="0" err="1" smtClean="0">
+                          <a:solidFill>
+                            <a:srgbClr val="0000FF"/>
+                          </a:solidFill>
+                        </a:rPr>
+                        <a:t>.</a:t>
+                      </a:r>
+                      <a:r>
+                        <a:rPr lang="en-US" sz="1400" dirty="0" err="1" smtClean="0"/>
+                        <a:t>PartialNames</a:t>
+                      </a:r>
+                      <a:r>
+                        <a:rPr lang="en-US" sz="1400" dirty="0" err="1" smtClean="0">
+                          <a:solidFill>
+                            <a:srgbClr val="0000FF"/>
+                          </a:solidFill>
+                        </a:rPr>
+                        <a:t>.</a:t>
+                      </a:r>
+                      <a:r>
+                        <a:rPr lang="en-US" sz="1400" dirty="0" err="1" smtClean="0"/>
+                        <a:t>ProjRan</a:t>
+                      </a:r>
+                      <a:r>
+                        <a:rPr lang="en-US" sz="1400" dirty="0" smtClean="0">
+                          <a:solidFill>
+                            <a:srgbClr val="0000FF"/>
+                          </a:solidFill>
+                        </a:rPr>
+                        <a:t>(</a:t>
+                      </a:r>
+                      <a:r>
+                        <a:rPr lang="en-US" sz="1400" dirty="0" err="1" smtClean="0"/>
+                        <a:t>program</a:t>
+                      </a:r>
+                      <a:r>
+                        <a:rPr lang="en-US" sz="1400" dirty="0" err="1" smtClean="0">
+                          <a:solidFill>
+                            <a:srgbClr val="0000FF"/>
+                          </a:solidFill>
+                        </a:rPr>
+                        <a:t>.</a:t>
+                      </a:r>
+                      <a:r>
+                        <a:rPr lang="en-US" sz="1400" dirty="0" err="1" smtClean="0"/>
+                        <a:t>Declares</a:t>
+                      </a:r>
+                      <a:r>
+                        <a:rPr lang="en-US" sz="1400" dirty="0" err="1" smtClean="0">
+                          <a:solidFill>
+                            <a:srgbClr val="0000FF"/>
+                          </a:solidFill>
+                        </a:rPr>
+                        <a:t>.</a:t>
+                      </a:r>
+                      <a:r>
+                        <a:rPr lang="en-US" sz="1400" dirty="0" err="1" smtClean="0"/>
+                        <a:t>ProjDom</a:t>
+                      </a:r>
+                      <a:r>
+                        <a:rPr lang="en-US" sz="1400" dirty="0" smtClean="0">
+                          <a:solidFill>
+                            <a:srgbClr val="0000FF"/>
+                          </a:solidFill>
+                        </a:rPr>
+                        <a:t>(</a:t>
+                      </a:r>
+                      <a:r>
+                        <a:rPr lang="en-US" sz="1400" dirty="0" err="1" smtClean="0"/>
+                        <a:t>nameSpaces</a:t>
+                      </a:r>
+                      <a:r>
+                        <a:rPr lang="en-US" sz="1400" dirty="0" smtClean="0">
+                          <a:solidFill>
+                            <a:srgbClr val="0000FF"/>
+                          </a:solidFill>
+                        </a:rPr>
+                        <a:t>).</a:t>
+                      </a:r>
+                      <a:r>
+                        <a:rPr lang="en-US" sz="1400" dirty="0" smtClean="0"/>
+                        <a:t>Ran</a:t>
+                      </a:r>
+                      <a:r>
+                        <a:rPr lang="en-US" sz="1400" dirty="0" smtClean="0">
+                          <a:solidFill>
+                            <a:srgbClr val="0000FF"/>
+                          </a:solidFill>
+                        </a:rPr>
+                        <a:t>()).</a:t>
+                      </a:r>
+                      <a:r>
+                        <a:rPr lang="en-US" sz="1400" dirty="0" smtClean="0"/>
+                        <a:t>Dom</a:t>
+                      </a:r>
+                      <a:r>
+                        <a:rPr lang="en-US" sz="1400" dirty="0" smtClean="0">
+                          <a:solidFill>
+                            <a:srgbClr val="0000FF"/>
+                          </a:solidFill>
+                        </a:rPr>
+                        <a:t>();</a:t>
+                      </a:r>
+                      <a:r>
+                        <a:rPr lang="en-US" sz="1400" dirty="0" smtClean="0"/>
+                        <a:t> </a:t>
+                      </a:r>
+                      <a:endParaRPr lang="en-US" sz="1400" dirty="0"/>
+                    </a:p>
+                  </a:txBody>
+                  <a:tcPr>
+                    <a:lnL>
+                      <a:noFill/>
+                    </a:lnL>
+                    <a:lnR>
+                      <a:noFill/>
+                    </a:lnR>
+                    <a:lnT>
+                      <a:noFill/>
+                    </a:lnT>
+                    <a:lnB>
+                      <a:noFill/>
+                    </a:lnB>
+                  </a:tcPr>
+                </a:tc>
+              </a:tr>
+            </a:tbl>
+          </a:graphicData>
+        </a:graphic>
+      </p:graphicFrame>
+      <p:sp>
+        <p:nvSpPr>
+          <p:cNvPr id="33793" name="Rectangle 1"/>
+          <p:cNvSpPr>
+            <a:spLocks noChangeArrowheads="1"/>
+          </p:cNvSpPr>
+          <p:nvPr/>
+        </p:nvSpPr>
+        <p:spPr bwMode="auto">
+          <a:xfrm>
+            <a:off x="0" y="0"/>
+            <a:ext cx="9144000" cy="0"/>
+          </a:xfrm>
+          <a:prstGeom prst="rect">
+            <a:avLst/>
+          </a:prstGeom>
+          <a:noFill/>
+          <a:ln w="9525">
+            <a:noFill/>
+            <a:miter lim="800000"/>
+            <a:headEnd/>
+            <a:tailEnd/>
+          </a:ln>
+          <a:effectLst/>
+        </p:spPr>
+        <p:txBody>
+          <a:bodyPr vert="horz" wrap="none" lIns="91440" tIns="45720" rIns="91440" bIns="45720" numCol="1" anchor="ctr" anchorCtr="0" compatLnSpc="1">
+            <a:prstTxWarp prst="textNoShape">
+              <a:avLst/>
+            </a:prstTxWarp>
+            <a:spAutoFit/>
+          </a:bodyPr>
+          <a:lstStyle/>
           <a:p>
-            <a:r>
-              <a:rPr lang="ru-RU" sz="2400" dirty="0" smtClean="0"/>
-              <a:t>Найдена оптимальная модель хранения и взаимодействия с легковесной семантической информации</a:t>
-            </a:r>
-          </a:p>
-          <a:p>
-            <a:r>
-              <a:rPr lang="ru-RU" sz="2400" dirty="0" smtClean="0"/>
-              <a:t>Реализовано </a:t>
-            </a:r>
-            <a:r>
-              <a:rPr lang="en-US" sz="2400" dirty="0" smtClean="0"/>
-              <a:t>API </a:t>
-            </a:r>
-            <a:r>
-              <a:rPr lang="ru-RU" sz="2400" dirty="0" smtClean="0"/>
-              <a:t>для манипулирования легковесной семантикой и решения наиболее распространённых задач на этапе преобразования синтаксического дерева в семантическое</a:t>
-            </a:r>
-            <a:endParaRPr lang="ru-RU" sz="2400" dirty="0"/>
+            <a:pPr marL="0" marR="0" lvl="0" indent="0" algn="l" defTabSz="914400" rtl="0" eaLnBrk="1" fontAlgn="base" latinLnBrk="0" hangingPunct="1">
+              <a:lnSpc>
+                <a:spcPct val="100000"/>
+              </a:lnSpc>
+              <a:spcBef>
+                <a:spcPct val="0"/>
+              </a:spcBef>
+              <a:spcAft>
+                <a:spcPct val="0"/>
+              </a:spcAft>
+              <a:buClrTx/>
+              <a:buSzTx/>
+              <a:buFontTx/>
+              <a:buNone/>
+              <a:tabLst/>
+            </a:pPr>
+            <a:r>
+              <a:rPr kumimoji="0" lang="ru-RU" sz="1800" b="0" i="0" u="none" strike="noStrike" cap="none" normalizeH="0" baseline="0" smtClean="0">
+                <a:ln>
+                  <a:noFill/>
+                </a:ln>
+                <a:solidFill>
+                  <a:schemeClr val="tx1"/>
+                </a:solidFill>
+                <a:effectLst/>
+                <a:latin typeface="Arial" pitchFamily="34" charset="0"/>
+                <a:cs typeface="Arial" pitchFamily="34" charset="0"/>
+              </a:rPr>
+              <a:t/>
+            </a:r>
+            <a:br>
+              <a:rPr kumimoji="0" lang="ru-RU" sz="1800" b="0" i="0" u="none" strike="noStrike" cap="none" normalizeH="0" baseline="0" smtClean="0">
+                <a:ln>
+                  <a:noFill/>
+                </a:ln>
+                <a:solidFill>
+                  <a:schemeClr val="tx1"/>
+                </a:solidFill>
+                <a:effectLst/>
+                <a:latin typeface="Arial" pitchFamily="34" charset="0"/>
+                <a:cs typeface="Arial" pitchFamily="34" charset="0"/>
+              </a:rPr>
+            </a:br>
+            <a:endParaRPr kumimoji="0" lang="ru-RU" sz="1800" b="0" i="0" u="none" strike="noStrike" cap="none" normalizeH="0" baseline="0" smtClean="0">
+              <a:ln>
+                <a:noFill/>
+              </a:ln>
+              <a:solidFill>
+                <a:schemeClr val="tx1"/>
+              </a:solidFill>
+              <a:effectLst/>
+              <a:latin typeface="Arial" pitchFamily="34" charset="0"/>
+              <a:cs typeface="Arial" pitchFamily="34" charset="0"/>
+            </a:endParaRPr>
           </a:p>
         </p:txBody>
       </p:sp>
@@ -23869,7 +24968,19 @@
           <a:p>
             <a:r>
               <a:rPr lang="ru-RU" dirty="0" smtClean="0"/>
-              <a:t>Ссылка на материалы работы</a:t>
+              <a:t>Пример: </a:t>
+            </a:r>
+            <a:r>
+              <a:rPr lang="en-US" dirty="0" err="1" smtClean="0"/>
+              <a:t>Intellisence</a:t>
+            </a:r>
+            <a:r>
+              <a:rPr lang="en-US" dirty="0" smtClean="0"/>
+              <a:t> </a:t>
+            </a:r>
+            <a:r>
+              <a:rPr lang="ru-RU" dirty="0" smtClean="0"/>
+              <a:t>по первым символам</a:t>
             </a:r>
             <a:endParaRPr lang="ru-RU" dirty="0"/>
           </a:p>
@@ -23887,8 +24998,8 @@
         </p:nvSpPr>
         <p:spPr>
           <a:xfrm>
-            <a:off x="1500188" y="2714621"/>
-            <a:ext cx="7491412" cy="1714512"/>
+            <a:off x="1500188" y="1524001"/>
+            <a:ext cx="7491412" cy="1047744"/>
           </a:xfrm>
         </p:spPr>
         <p:txBody>
@@ -23896,12 +25007,1763 @@
           <a:lstStyle/>
           <a:p>
             <a:r>
-              <a:rPr lang="en-US" dirty="0" smtClean="0">
-                <a:hlinkClick r:id="rId2"/>
-              </a:rPr>
-              <a:t>https://github.com/voloshinbogdan/LightSemantic</a:t>
+              <a:rPr lang="ru-RU" dirty="0" smtClean="0"/>
+              <a:t>Накапливание </a:t>
+            </a:r>
+            <a:r>
+              <a:rPr lang="ru-RU" dirty="0" smtClean="0"/>
+              <a:t>информации </a:t>
+            </a:r>
+            <a:r>
+              <a:rPr lang="ru-RU" dirty="0" smtClean="0"/>
+              <a:t>в </a:t>
+            </a:r>
+            <a:r>
+              <a:rPr lang="ru-RU" dirty="0" err="1" smtClean="0"/>
+              <a:t>визиторе</a:t>
             </a:r>
             <a:endParaRPr lang="ru-RU" dirty="0"/>
+          </a:p>
+        </p:txBody>
+      </p:sp>
+      <p:sp>
+        <p:nvSpPr>
+          <p:cNvPr id="5122" name="Rectangle 2"/>
+          <p:cNvSpPr>
+            <a:spLocks noChangeArrowheads="1"/>
+          </p:cNvSpPr>
+          <p:nvPr/>
+        </p:nvSpPr>
+        <p:spPr bwMode="auto">
+          <a:xfrm>
+            <a:off x="0" y="0"/>
+            <a:ext cx="9144000" cy="0"/>
+          </a:xfrm>
+          <a:prstGeom prst="rect">
+            <a:avLst/>
+          </a:prstGeom>
+          <a:noFill/>
+          <a:ln w="9525">
+            <a:noFill/>
+            <a:miter lim="800000"/>
+            <a:headEnd/>
+            <a:tailEnd/>
+          </a:ln>
+          <a:effectLst/>
+        </p:spPr>
+        <p:txBody>
+          <a:bodyPr vert="horz" wrap="none" lIns="91440" tIns="45720" rIns="91440" bIns="45720" numCol="1" anchor="ctr" anchorCtr="0" compatLnSpc="1">
+            <a:prstTxWarp prst="textNoShape">
+              <a:avLst/>
+            </a:prstTxWarp>
+            <a:spAutoFit/>
+          </a:bodyPr>
+          <a:lstStyle/>
+          <a:p>
+            <a:pPr marL="0" marR="0" lvl="0" indent="0" algn="l" defTabSz="914400" rtl="0" eaLnBrk="1" fontAlgn="base" latinLnBrk="0" hangingPunct="1">
+              <a:lnSpc>
+                <a:spcPct val="100000"/>
+              </a:lnSpc>
+              <a:spcBef>
+                <a:spcPct val="0"/>
+              </a:spcBef>
+              <a:spcAft>
+                <a:spcPct val="0"/>
+              </a:spcAft>
+              <a:buClrTx/>
+              <a:buSzTx/>
+              <a:buFontTx/>
+              <a:buNone/>
+              <a:tabLst/>
+            </a:pPr>
+            <a:r>
+              <a:rPr kumimoji="0" lang="ru-RU" sz="1800" b="0" i="0" u="none" strike="noStrike" cap="none" normalizeH="0" baseline="0" smtClean="0">
+                <a:ln>
+                  <a:noFill/>
+                </a:ln>
+                <a:solidFill>
+                  <a:schemeClr val="tx1"/>
+                </a:solidFill>
+                <a:effectLst/>
+                <a:latin typeface="Arial" pitchFamily="34" charset="0"/>
+                <a:cs typeface="Arial" pitchFamily="34" charset="0"/>
+              </a:rPr>
+              <a:t/>
+            </a:r>
+            <a:br>
+              <a:rPr kumimoji="0" lang="ru-RU" sz="1800" b="0" i="0" u="none" strike="noStrike" cap="none" normalizeH="0" baseline="0" smtClean="0">
+                <a:ln>
+                  <a:noFill/>
+                </a:ln>
+                <a:solidFill>
+                  <a:schemeClr val="tx1"/>
+                </a:solidFill>
+                <a:effectLst/>
+                <a:latin typeface="Arial" pitchFamily="34" charset="0"/>
+                <a:cs typeface="Arial" pitchFamily="34" charset="0"/>
+              </a:rPr>
+            </a:br>
+            <a:endParaRPr kumimoji="0" lang="ru-RU" sz="1800" b="0" i="0" u="none" strike="noStrike" cap="none" normalizeH="0" baseline="0" smtClean="0">
+              <a:ln>
+                <a:noFill/>
+              </a:ln>
+              <a:solidFill>
+                <a:schemeClr val="tx1"/>
+              </a:solidFill>
+              <a:effectLst/>
+              <a:latin typeface="Arial" pitchFamily="34" charset="0"/>
+              <a:cs typeface="Arial" pitchFamily="34" charset="0"/>
+            </a:endParaRPr>
+          </a:p>
+        </p:txBody>
+      </p:sp>
+      <p:graphicFrame>
+        <p:nvGraphicFramePr>
+          <p:cNvPr id="6" name="Таблица 5"/>
+          <p:cNvGraphicFramePr>
+            <a:graphicFrameLocks noGrp="1"/>
+          </p:cNvGraphicFramePr>
+          <p:nvPr/>
+        </p:nvGraphicFramePr>
+        <p:xfrm>
+          <a:off x="1285852" y="2643182"/>
+          <a:ext cx="6715172" cy="4084016"/>
+        </p:xfrm>
+        <a:graphic>
+          <a:graphicData uri="http://schemas.openxmlformats.org/drawingml/2006/table">
+            <a:tbl>
+              <a:tblPr/>
+              <a:tblGrid>
+                <a:gridCol w="6715172"/>
+              </a:tblGrid>
+              <a:tr h="4064000">
+                <a:tc>
+                  <a:txBody>
+                    <a:bodyPr/>
+                    <a:lstStyle/>
+                    <a:p>
+                      <a:r>
+                        <a:rPr lang="en-US" sz="1200" b="1" dirty="0">
+                          <a:solidFill>
+                            <a:srgbClr val="0000FF"/>
+                          </a:solidFill>
+                        </a:rPr>
+                        <a:t>public</a:t>
+                      </a:r>
+                      <a:r>
+                        <a:rPr lang="en-US" sz="1200" dirty="0"/>
+                        <a:t> </a:t>
+                      </a:r>
+                      <a:r>
+                        <a:rPr lang="en-US" sz="1200" b="1" dirty="0">
+                          <a:solidFill>
+                            <a:srgbClr val="0000FF"/>
+                          </a:solidFill>
+                        </a:rPr>
+                        <a:t>override</a:t>
+                      </a:r>
+                      <a:r>
+                        <a:rPr lang="en-US" sz="1200" dirty="0"/>
+                        <a:t> </a:t>
+                      </a:r>
+                      <a:r>
+                        <a:rPr lang="en-US" sz="1200" b="1" dirty="0">
+                          <a:solidFill>
+                            <a:srgbClr val="0000FF"/>
+                          </a:solidFill>
+                        </a:rPr>
+                        <a:t>void</a:t>
+                      </a:r>
+                      <a:r>
+                        <a:rPr lang="en-US" sz="1200" dirty="0"/>
+                        <a:t> visit</a:t>
+                      </a:r>
+                      <a:r>
+                        <a:rPr lang="en-US" sz="1200" dirty="0">
+                          <a:solidFill>
+                            <a:srgbClr val="0000FF"/>
+                          </a:solidFill>
+                        </a:rPr>
+                        <a:t>(</a:t>
+                      </a:r>
+                      <a:r>
+                        <a:rPr lang="en-US" sz="1200" dirty="0" err="1"/>
+                        <a:t>var_def_statement</a:t>
+                      </a:r>
+                      <a:r>
+                        <a:rPr lang="en-US" sz="1200" dirty="0"/>
+                        <a:t> _</a:t>
+                      </a:r>
+                      <a:r>
+                        <a:rPr lang="en-US" sz="1200" dirty="0" err="1"/>
+                        <a:t>var_def_statement</a:t>
+                      </a:r>
+                      <a:r>
+                        <a:rPr lang="en-US" sz="1200" dirty="0">
+                          <a:solidFill>
+                            <a:srgbClr val="0000FF"/>
+                          </a:solidFill>
+                        </a:rPr>
+                        <a:t>)</a:t>
+                      </a:r>
+                      <a:r>
+                        <a:rPr lang="en-US" sz="1200" dirty="0"/>
+                        <a:t> </a:t>
+                      </a:r>
+                      <a:r>
+                        <a:rPr lang="en-US" sz="1200" dirty="0" smtClean="0">
+                          <a:solidFill>
+                            <a:srgbClr val="0000FF"/>
+                          </a:solidFill>
+                        </a:rPr>
+                        <a:t>{</a:t>
+                      </a:r>
+                      <a:endParaRPr lang="ru-RU" sz="1200" dirty="0" smtClean="0">
+                        <a:solidFill>
+                          <a:srgbClr val="0000FF"/>
+                        </a:solidFill>
+                      </a:endParaRPr>
+                    </a:p>
+                    <a:p>
+                      <a:r>
+                        <a:rPr lang="ru-RU" sz="1200" b="1" baseline="0" dirty="0" smtClean="0">
+                          <a:solidFill>
+                            <a:srgbClr val="0000FF"/>
+                          </a:solidFill>
+                        </a:rPr>
+                        <a:t>    </a:t>
+                      </a:r>
+                      <a:r>
+                        <a:rPr lang="en-US" sz="1200" b="1" dirty="0" err="1" smtClean="0">
+                          <a:solidFill>
+                            <a:srgbClr val="0000FF"/>
+                          </a:solidFill>
+                        </a:rPr>
+                        <a:t>base</a:t>
+                      </a:r>
+                      <a:r>
+                        <a:rPr lang="en-US" sz="1200" dirty="0" err="1" smtClean="0">
+                          <a:solidFill>
+                            <a:srgbClr val="0000FF"/>
+                          </a:solidFill>
+                        </a:rPr>
+                        <a:t>.</a:t>
+                      </a:r>
+                      <a:r>
+                        <a:rPr lang="en-US" sz="1200" dirty="0" err="1" smtClean="0"/>
+                        <a:t>visit</a:t>
+                      </a:r>
+                      <a:r>
+                        <a:rPr lang="en-US" sz="1200" dirty="0">
+                          <a:solidFill>
+                            <a:srgbClr val="0000FF"/>
+                          </a:solidFill>
+                        </a:rPr>
+                        <a:t>(</a:t>
+                      </a:r>
+                      <a:r>
+                        <a:rPr lang="en-US" sz="1200" dirty="0"/>
+                        <a:t>_</a:t>
+                      </a:r>
+                      <a:r>
+                        <a:rPr lang="en-US" sz="1200" dirty="0" err="1"/>
+                        <a:t>var_def_statement</a:t>
+                      </a:r>
+                      <a:r>
+                        <a:rPr lang="en-US" sz="1200" dirty="0" smtClean="0">
+                          <a:solidFill>
+                            <a:srgbClr val="0000FF"/>
+                          </a:solidFill>
+                        </a:rPr>
+                        <a:t>);</a:t>
+                      </a:r>
+                      <a:endParaRPr lang="ru-RU" sz="1200" dirty="0" smtClean="0">
+                        <a:solidFill>
+                          <a:srgbClr val="0000FF"/>
+                        </a:solidFill>
+                      </a:endParaRPr>
+                    </a:p>
+                    <a:p>
+                      <a:r>
+                        <a:rPr lang="ru-RU" sz="1200" b="1" dirty="0" smtClean="0">
+                          <a:solidFill>
+                            <a:srgbClr val="0000FF"/>
+                          </a:solidFill>
+                        </a:rPr>
+                        <a:t>    </a:t>
+                      </a:r>
+                      <a:r>
+                        <a:rPr lang="en-US" sz="1200" b="1" dirty="0" err="1" smtClean="0">
+                          <a:solidFill>
+                            <a:srgbClr val="0000FF"/>
+                          </a:solidFill>
+                        </a:rPr>
+                        <a:t>foreach</a:t>
+                      </a:r>
+                      <a:r>
+                        <a:rPr lang="en-US" sz="1200" dirty="0" smtClean="0"/>
+                        <a:t> </a:t>
+                      </a:r>
+                      <a:r>
+                        <a:rPr lang="en-US" sz="1200" dirty="0">
+                          <a:solidFill>
+                            <a:srgbClr val="0000FF"/>
+                          </a:solidFill>
+                        </a:rPr>
+                        <a:t>(</a:t>
+                      </a:r>
+                      <a:r>
+                        <a:rPr lang="en-US" sz="1200" b="1" dirty="0" err="1">
+                          <a:solidFill>
+                            <a:srgbClr val="0000FF"/>
+                          </a:solidFill>
+                        </a:rPr>
+                        <a:t>var</a:t>
+                      </a:r>
+                      <a:r>
+                        <a:rPr lang="en-US" sz="1200" dirty="0"/>
+                        <a:t> variable </a:t>
+                      </a:r>
+                      <a:r>
+                        <a:rPr lang="en-US" sz="1200" b="1" dirty="0">
+                          <a:solidFill>
+                            <a:srgbClr val="0000FF"/>
+                          </a:solidFill>
+                        </a:rPr>
+                        <a:t>in</a:t>
+                      </a:r>
+                      <a:r>
+                        <a:rPr lang="en-US" sz="1200" dirty="0"/>
+                        <a:t> _</a:t>
+                      </a:r>
+                      <a:r>
+                        <a:rPr lang="en-US" sz="1200" dirty="0" err="1"/>
+                        <a:t>var_def_statement</a:t>
+                      </a:r>
+                      <a:r>
+                        <a:rPr lang="en-US" sz="1200" dirty="0" err="1">
+                          <a:solidFill>
+                            <a:srgbClr val="0000FF"/>
+                          </a:solidFill>
+                        </a:rPr>
+                        <a:t>.</a:t>
+                      </a:r>
+                      <a:r>
+                        <a:rPr lang="en-US" sz="1200" dirty="0" err="1"/>
+                        <a:t>vars</a:t>
+                      </a:r>
+                      <a:r>
+                        <a:rPr lang="en-US" sz="1200" dirty="0" err="1">
+                          <a:solidFill>
+                            <a:srgbClr val="0000FF"/>
+                          </a:solidFill>
+                        </a:rPr>
+                        <a:t>.</a:t>
+                      </a:r>
+                      <a:r>
+                        <a:rPr lang="en-US" sz="1200" dirty="0" err="1"/>
+                        <a:t>idents</a:t>
+                      </a:r>
+                      <a:r>
+                        <a:rPr lang="en-US" sz="1200" dirty="0" smtClean="0">
+                          <a:solidFill>
+                            <a:srgbClr val="0000FF"/>
+                          </a:solidFill>
+                        </a:rPr>
+                        <a:t>)</a:t>
+                      </a:r>
+                      <a:endParaRPr lang="ru-RU" sz="1200" dirty="0" smtClean="0">
+                        <a:solidFill>
+                          <a:srgbClr val="0000FF"/>
+                        </a:solidFill>
+                      </a:endParaRPr>
+                    </a:p>
+                    <a:p>
+                      <a:r>
+                        <a:rPr lang="ru-RU" sz="1200" dirty="0" smtClean="0">
+                          <a:solidFill>
+                            <a:srgbClr val="0000FF"/>
+                          </a:solidFill>
+                        </a:rPr>
+                        <a:t>        </a:t>
+                      </a:r>
+                      <a:r>
+                        <a:rPr lang="en-US" sz="1200" dirty="0" err="1" smtClean="0"/>
+                        <a:t>information</a:t>
+                      </a:r>
+                      <a:r>
+                        <a:rPr lang="en-US" sz="1200" dirty="0" err="1" smtClean="0">
+                          <a:solidFill>
+                            <a:srgbClr val="0000FF"/>
+                          </a:solidFill>
+                        </a:rPr>
+                        <a:t>.</a:t>
+                      </a:r>
+                      <a:r>
+                        <a:rPr lang="en-US" sz="1200" dirty="0" err="1" smtClean="0"/>
+                        <a:t>nameController</a:t>
+                      </a:r>
+                      <a:r>
+                        <a:rPr lang="en-US" sz="1200" dirty="0" err="1" smtClean="0">
+                          <a:solidFill>
+                            <a:srgbClr val="0000FF"/>
+                          </a:solidFill>
+                        </a:rPr>
+                        <a:t>.</a:t>
+                      </a:r>
+                      <a:r>
+                        <a:rPr lang="en-US" sz="1200" dirty="0" err="1" smtClean="0"/>
+                        <a:t>AddVariable</a:t>
+                      </a:r>
+                      <a:r>
+                        <a:rPr lang="en-US" sz="1200" dirty="0" smtClean="0">
+                          <a:solidFill>
+                            <a:srgbClr val="0000FF"/>
+                          </a:solidFill>
+                        </a:rPr>
+                        <a:t>(</a:t>
+                      </a:r>
+                      <a:r>
+                        <a:rPr lang="en-US" sz="1200" dirty="0" smtClean="0"/>
+                        <a:t>variable</a:t>
+                      </a:r>
+                      <a:r>
+                        <a:rPr lang="en-US" sz="1200" dirty="0" smtClean="0">
+                          <a:solidFill>
+                            <a:srgbClr val="0000FF"/>
+                          </a:solidFill>
+                        </a:rPr>
+                        <a:t>.</a:t>
+                      </a:r>
+                      <a:r>
+                        <a:rPr lang="en-US" sz="1200" dirty="0" smtClean="0"/>
+                        <a:t>name</a:t>
+                      </a:r>
+                      <a:r>
+                        <a:rPr lang="en-US" sz="1200" dirty="0" smtClean="0">
+                          <a:solidFill>
+                            <a:srgbClr val="0000FF"/>
+                          </a:solidFill>
+                        </a:rPr>
+                        <a:t>);</a:t>
+                      </a:r>
+                      <a:endParaRPr lang="ru-RU" sz="1200" dirty="0" smtClean="0">
+                        <a:solidFill>
+                          <a:srgbClr val="0000FF"/>
+                        </a:solidFill>
+                      </a:endParaRPr>
+                    </a:p>
+                    <a:p>
+                      <a:r>
+                        <a:rPr lang="en-US" sz="1200" dirty="0" smtClean="0">
+                          <a:solidFill>
+                            <a:srgbClr val="0000FF"/>
+                          </a:solidFill>
+                        </a:rPr>
+                        <a:t>}</a:t>
+                      </a:r>
+                      <a:endParaRPr lang="ru-RU" sz="1200" dirty="0" smtClean="0">
+                        <a:solidFill>
+                          <a:srgbClr val="0000FF"/>
+                        </a:solidFill>
+                      </a:endParaRPr>
+                    </a:p>
+                    <a:p>
+                      <a:r>
+                        <a:rPr lang="en-US" sz="1200" b="1" dirty="0" smtClean="0">
+                          <a:solidFill>
+                            <a:srgbClr val="0000FF"/>
+                          </a:solidFill>
+                        </a:rPr>
+                        <a:t>public</a:t>
+                      </a:r>
+                      <a:r>
+                        <a:rPr lang="en-US" sz="1200" dirty="0" smtClean="0"/>
+                        <a:t> </a:t>
+                      </a:r>
+                      <a:r>
+                        <a:rPr lang="en-US" sz="1200" b="1" dirty="0">
+                          <a:solidFill>
+                            <a:srgbClr val="0000FF"/>
+                          </a:solidFill>
+                        </a:rPr>
+                        <a:t>override</a:t>
+                      </a:r>
+                      <a:r>
+                        <a:rPr lang="en-US" sz="1200" dirty="0"/>
+                        <a:t> </a:t>
+                      </a:r>
+                      <a:r>
+                        <a:rPr lang="en-US" sz="1200" b="1" dirty="0">
+                          <a:solidFill>
+                            <a:srgbClr val="0000FF"/>
+                          </a:solidFill>
+                        </a:rPr>
+                        <a:t>void</a:t>
+                      </a:r>
+                      <a:r>
+                        <a:rPr lang="en-US" sz="1200" dirty="0"/>
+                        <a:t> visit</a:t>
+                      </a:r>
+                      <a:r>
+                        <a:rPr lang="en-US" sz="1200" dirty="0">
+                          <a:solidFill>
+                            <a:srgbClr val="0000FF"/>
+                          </a:solidFill>
+                        </a:rPr>
+                        <a:t>(</a:t>
+                      </a:r>
+                      <a:r>
+                        <a:rPr lang="en-US" sz="1200" dirty="0" err="1"/>
+                        <a:t>procedure_definition</a:t>
+                      </a:r>
+                      <a:r>
+                        <a:rPr lang="en-US" sz="1200" dirty="0"/>
+                        <a:t> _</a:t>
+                      </a:r>
+                      <a:r>
+                        <a:rPr lang="en-US" sz="1200" dirty="0" err="1"/>
+                        <a:t>procedure_definition</a:t>
+                      </a:r>
+                      <a:r>
+                        <a:rPr lang="en-US" sz="1200" dirty="0">
+                          <a:solidFill>
+                            <a:srgbClr val="0000FF"/>
+                          </a:solidFill>
+                        </a:rPr>
+                        <a:t>)</a:t>
+                      </a:r>
+                      <a:r>
+                        <a:rPr lang="en-US" sz="1200" dirty="0"/>
+                        <a:t> </a:t>
+                      </a:r>
+                      <a:r>
+                        <a:rPr lang="en-US" sz="1200" dirty="0" smtClean="0">
+                          <a:solidFill>
+                            <a:srgbClr val="0000FF"/>
+                          </a:solidFill>
+                        </a:rPr>
+                        <a:t>{</a:t>
+                      </a:r>
+                      <a:endParaRPr lang="ru-RU" sz="1200" dirty="0" smtClean="0">
+                        <a:solidFill>
+                          <a:srgbClr val="0000FF"/>
+                        </a:solidFill>
+                      </a:endParaRPr>
+                    </a:p>
+                    <a:p>
+                      <a:r>
+                        <a:rPr lang="ru-RU" sz="1200" dirty="0" smtClean="0">
+                          <a:solidFill>
+                            <a:srgbClr val="0000FF"/>
+                          </a:solidFill>
+                        </a:rPr>
+                        <a:t>    </a:t>
+                      </a:r>
+                      <a:r>
+                        <a:rPr lang="en-US" sz="1200" dirty="0" err="1" smtClean="0"/>
+                        <a:t>procedure_header</a:t>
+                      </a:r>
+                      <a:r>
+                        <a:rPr lang="en-US" sz="1200" dirty="0" smtClean="0"/>
+                        <a:t> </a:t>
+                      </a:r>
+                      <a:r>
+                        <a:rPr lang="en-US" sz="1200" dirty="0"/>
+                        <a:t>_</a:t>
+                      </a:r>
+                      <a:r>
+                        <a:rPr lang="en-US" sz="1200" dirty="0" err="1"/>
+                        <a:t>procedure_header</a:t>
+                      </a:r>
+                      <a:r>
+                        <a:rPr lang="en-US" sz="1200" dirty="0"/>
+                        <a:t> </a:t>
+                      </a:r>
+                      <a:r>
+                        <a:rPr lang="en-US" sz="1200" dirty="0">
+                          <a:solidFill>
+                            <a:srgbClr val="0000FF"/>
+                          </a:solidFill>
+                        </a:rPr>
+                        <a:t>=</a:t>
+                      </a:r>
+                      <a:r>
+                        <a:rPr lang="en-US" sz="1200" dirty="0"/>
+                        <a:t> _</a:t>
+                      </a:r>
+                      <a:r>
+                        <a:rPr lang="en-US" sz="1200" dirty="0" err="1" smtClean="0"/>
+                        <a:t>procedure_definition</a:t>
+                      </a:r>
+                      <a:r>
+                        <a:rPr lang="en-US" sz="1200" dirty="0" err="1" smtClean="0">
+                          <a:solidFill>
+                            <a:srgbClr val="0000FF"/>
+                          </a:solidFill>
+                        </a:rPr>
+                        <a:t>.</a:t>
+                      </a:r>
+                      <a:r>
+                        <a:rPr lang="en-US" sz="1200" dirty="0" err="1" smtClean="0"/>
+                        <a:t>proc_header</a:t>
+                      </a:r>
+                      <a:r>
+                        <a:rPr lang="en-US" sz="1200" dirty="0" smtClean="0">
+                          <a:solidFill>
+                            <a:srgbClr val="0000FF"/>
+                          </a:solidFill>
+                        </a:rPr>
+                        <a:t>;</a:t>
+                      </a:r>
+                      <a:endParaRPr lang="ru-RU" sz="1200" dirty="0" smtClean="0">
+                        <a:solidFill>
+                          <a:srgbClr val="0000FF"/>
+                        </a:solidFill>
+                      </a:endParaRPr>
+                    </a:p>
+                    <a:p>
+                      <a:r>
+                        <a:rPr lang="ru-RU" sz="1200" dirty="0" smtClean="0">
+                          <a:solidFill>
+                            <a:srgbClr val="0000FF"/>
+                          </a:solidFill>
+                        </a:rPr>
+                        <a:t>    </a:t>
+                      </a:r>
+                      <a:r>
+                        <a:rPr lang="en-US" sz="1200" dirty="0" err="1" smtClean="0"/>
+                        <a:t>function_header</a:t>
+                      </a:r>
+                      <a:r>
+                        <a:rPr lang="en-US" sz="1200" dirty="0" smtClean="0"/>
+                        <a:t> </a:t>
+                      </a:r>
+                      <a:r>
+                        <a:rPr lang="en-US" sz="1200" dirty="0"/>
+                        <a:t>_</a:t>
+                      </a:r>
+                      <a:r>
+                        <a:rPr lang="en-US" sz="1200" dirty="0" err="1"/>
+                        <a:t>function_header</a:t>
+                      </a:r>
+                      <a:r>
+                        <a:rPr lang="en-US" sz="1200" dirty="0"/>
+                        <a:t> </a:t>
+                      </a:r>
+                      <a:r>
+                        <a:rPr lang="en-US" sz="1200" dirty="0">
+                          <a:solidFill>
+                            <a:srgbClr val="0000FF"/>
+                          </a:solidFill>
+                        </a:rPr>
+                        <a:t>=</a:t>
+                      </a:r>
+                      <a:r>
+                        <a:rPr lang="en-US" sz="1200" dirty="0"/>
+                        <a:t> _</a:t>
+                      </a:r>
+                      <a:r>
+                        <a:rPr lang="en-US" sz="1200" dirty="0" err="1"/>
+                        <a:t>procedure_header</a:t>
+                      </a:r>
+                      <a:r>
+                        <a:rPr lang="en-US" sz="1200" dirty="0"/>
+                        <a:t> </a:t>
+                      </a:r>
+                      <a:r>
+                        <a:rPr lang="en-US" sz="1200" b="1" dirty="0">
+                          <a:solidFill>
+                            <a:srgbClr val="0000FF"/>
+                          </a:solidFill>
+                        </a:rPr>
+                        <a:t>as</a:t>
+                      </a:r>
+                      <a:r>
+                        <a:rPr lang="en-US" sz="1200" dirty="0"/>
+                        <a:t> </a:t>
+                      </a:r>
+                      <a:r>
+                        <a:rPr lang="en-US" sz="1200" dirty="0" err="1" smtClean="0"/>
+                        <a:t>function_header</a:t>
+                      </a:r>
+                      <a:r>
+                        <a:rPr lang="en-US" sz="1200" dirty="0" smtClean="0">
+                          <a:solidFill>
+                            <a:srgbClr val="0000FF"/>
+                          </a:solidFill>
+                        </a:rPr>
+                        <a:t>;</a:t>
+                      </a:r>
+                      <a:endParaRPr lang="ru-RU" sz="1200" dirty="0" smtClean="0">
+                        <a:solidFill>
+                          <a:srgbClr val="0000FF"/>
+                        </a:solidFill>
+                      </a:endParaRPr>
+                    </a:p>
+                    <a:p>
+                      <a:r>
+                        <a:rPr lang="ru-RU" sz="1200" b="1" dirty="0" smtClean="0">
+                          <a:solidFill>
+                            <a:srgbClr val="0000FF"/>
+                          </a:solidFill>
+                        </a:rPr>
+                        <a:t>    </a:t>
+                      </a:r>
+                      <a:r>
+                        <a:rPr lang="en-US" sz="1200" b="1" dirty="0" smtClean="0">
+                          <a:solidFill>
+                            <a:srgbClr val="0000FF"/>
+                          </a:solidFill>
+                        </a:rPr>
+                        <a:t>if</a:t>
+                      </a:r>
+                      <a:r>
+                        <a:rPr lang="en-US" sz="1200" dirty="0" smtClean="0"/>
+                        <a:t> </a:t>
+                      </a:r>
+                      <a:r>
+                        <a:rPr lang="en-US" sz="1200" dirty="0">
+                          <a:solidFill>
+                            <a:srgbClr val="0000FF"/>
+                          </a:solidFill>
+                        </a:rPr>
+                        <a:t>(</a:t>
+                      </a:r>
+                      <a:r>
+                        <a:rPr lang="en-US" sz="1200" dirty="0"/>
+                        <a:t>_</a:t>
+                      </a:r>
+                      <a:r>
+                        <a:rPr lang="en-US" sz="1200" dirty="0" err="1"/>
+                        <a:t>function_header</a:t>
+                      </a:r>
+                      <a:r>
+                        <a:rPr lang="en-US" sz="1200" dirty="0"/>
+                        <a:t> </a:t>
+                      </a:r>
+                      <a:r>
+                        <a:rPr lang="en-US" sz="1200" dirty="0">
+                          <a:solidFill>
+                            <a:srgbClr val="0000FF"/>
+                          </a:solidFill>
+                        </a:rPr>
+                        <a:t>!=</a:t>
+                      </a:r>
+                      <a:r>
+                        <a:rPr lang="en-US" sz="1200" dirty="0"/>
+                        <a:t> </a:t>
+                      </a:r>
+                      <a:r>
+                        <a:rPr lang="en-US" sz="1200" b="1" dirty="0" smtClean="0">
+                          <a:solidFill>
+                            <a:srgbClr val="0000FF"/>
+                          </a:solidFill>
+                        </a:rPr>
+                        <a:t>null</a:t>
+                      </a:r>
+                      <a:r>
+                        <a:rPr lang="en-US" sz="1200" dirty="0" smtClean="0">
+                          <a:solidFill>
+                            <a:srgbClr val="0000FF"/>
+                          </a:solidFill>
+                        </a:rPr>
+                        <a:t>)</a:t>
+                      </a:r>
+                      <a:endParaRPr lang="ru-RU" sz="1200" dirty="0" smtClean="0">
+                        <a:solidFill>
+                          <a:srgbClr val="0000FF"/>
+                        </a:solidFill>
+                      </a:endParaRPr>
+                    </a:p>
+                    <a:p>
+                      <a:r>
+                        <a:rPr lang="ru-RU" sz="1200" dirty="0" smtClean="0">
+                          <a:solidFill>
+                            <a:srgbClr val="0000FF"/>
+                          </a:solidFill>
+                        </a:rPr>
+                        <a:t>        </a:t>
+                      </a:r>
+                      <a:r>
+                        <a:rPr lang="en-US" sz="1200" dirty="0" err="1" smtClean="0"/>
+                        <a:t>information</a:t>
+                      </a:r>
+                      <a:r>
+                        <a:rPr lang="en-US" sz="1200" dirty="0" err="1" smtClean="0">
+                          <a:solidFill>
+                            <a:srgbClr val="0000FF"/>
+                          </a:solidFill>
+                        </a:rPr>
+                        <a:t>.</a:t>
+                      </a:r>
+                      <a:r>
+                        <a:rPr lang="en-US" sz="1200" dirty="0" err="1" smtClean="0"/>
+                        <a:t>nameController</a:t>
+                      </a:r>
+                      <a:r>
+                        <a:rPr lang="en-US" sz="1200" dirty="0" err="1" smtClean="0">
+                          <a:solidFill>
+                            <a:srgbClr val="0000FF"/>
+                          </a:solidFill>
+                        </a:rPr>
+                        <a:t>.</a:t>
+                      </a:r>
+                      <a:r>
+                        <a:rPr lang="en-US" sz="1200" dirty="0" err="1" smtClean="0"/>
+                        <a:t>AddFunction</a:t>
+                      </a:r>
+                      <a:r>
+                        <a:rPr lang="en-US" sz="1200" dirty="0">
+                          <a:solidFill>
+                            <a:srgbClr val="0000FF"/>
+                          </a:solidFill>
+                        </a:rPr>
+                        <a:t>(</a:t>
+                      </a:r>
+                      <a:r>
+                        <a:rPr lang="en-US" sz="1200" dirty="0"/>
+                        <a:t>_</a:t>
+                      </a:r>
+                      <a:r>
+                        <a:rPr lang="en-US" sz="1200" dirty="0" err="1"/>
+                        <a:t>procedure_header</a:t>
+                      </a:r>
+                      <a:r>
+                        <a:rPr lang="en-US" sz="1200" dirty="0" err="1">
+                          <a:solidFill>
+                            <a:srgbClr val="0000FF"/>
+                          </a:solidFill>
+                        </a:rPr>
+                        <a:t>.</a:t>
+                      </a:r>
+                      <a:r>
+                        <a:rPr lang="en-US" sz="1200" dirty="0" err="1"/>
+                        <a:t>name</a:t>
+                      </a:r>
+                      <a:r>
+                        <a:rPr lang="en-US" sz="1200" dirty="0" err="1">
+                          <a:solidFill>
+                            <a:srgbClr val="0000FF"/>
+                          </a:solidFill>
+                        </a:rPr>
+                        <a:t>.</a:t>
+                      </a:r>
+                      <a:r>
+                        <a:rPr lang="en-US" sz="1200" dirty="0" err="1"/>
+                        <a:t>meth_name</a:t>
+                      </a:r>
+                      <a:r>
+                        <a:rPr lang="en-US" sz="1200" dirty="0" err="1">
+                          <a:solidFill>
+                            <a:srgbClr val="0000FF"/>
+                          </a:solidFill>
+                        </a:rPr>
+                        <a:t>.</a:t>
+                      </a:r>
+                      <a:r>
+                        <a:rPr lang="en-US" sz="1200" dirty="0" err="1"/>
+                        <a:t>name</a:t>
+                      </a:r>
+                      <a:r>
+                        <a:rPr lang="en-US" sz="1200" dirty="0" smtClean="0">
+                          <a:solidFill>
+                            <a:srgbClr val="0000FF"/>
+                          </a:solidFill>
+                        </a:rPr>
+                        <a:t>);</a:t>
+                      </a:r>
+                      <a:endParaRPr lang="ru-RU" sz="1200" dirty="0" smtClean="0">
+                        <a:solidFill>
+                          <a:srgbClr val="0000FF"/>
+                        </a:solidFill>
+                      </a:endParaRPr>
+                    </a:p>
+                    <a:p>
+                      <a:r>
+                        <a:rPr lang="ru-RU" sz="1200" b="1" dirty="0" smtClean="0">
+                          <a:solidFill>
+                            <a:srgbClr val="0000FF"/>
+                          </a:solidFill>
+                        </a:rPr>
+                        <a:t>    </a:t>
+                      </a:r>
+                      <a:r>
+                        <a:rPr lang="en-US" sz="1200" b="1" dirty="0" smtClean="0">
+                          <a:solidFill>
+                            <a:srgbClr val="0000FF"/>
+                          </a:solidFill>
+                        </a:rPr>
+                        <a:t>else</a:t>
+                      </a:r>
+                      <a:endParaRPr lang="ru-RU" sz="1200" b="1" dirty="0" smtClean="0">
+                        <a:solidFill>
+                          <a:srgbClr val="0000FF"/>
+                        </a:solidFill>
+                      </a:endParaRPr>
+                    </a:p>
+                    <a:p>
+                      <a:r>
+                        <a:rPr lang="ru-RU" sz="1200" b="1" dirty="0" smtClean="0">
+                          <a:solidFill>
+                            <a:srgbClr val="0000FF"/>
+                          </a:solidFill>
+                        </a:rPr>
+                        <a:t>       </a:t>
+                      </a:r>
+                      <a:r>
+                        <a:rPr lang="en-US" sz="1200" dirty="0" err="1" smtClean="0"/>
+                        <a:t>information</a:t>
+                      </a:r>
+                      <a:r>
+                        <a:rPr lang="en-US" sz="1200" dirty="0" err="1" smtClean="0">
+                          <a:solidFill>
+                            <a:srgbClr val="0000FF"/>
+                          </a:solidFill>
+                        </a:rPr>
+                        <a:t>.</a:t>
+                      </a:r>
+                      <a:r>
+                        <a:rPr lang="en-US" sz="1200" dirty="0" err="1" smtClean="0"/>
+                        <a:t>nameController</a:t>
+                      </a:r>
+                      <a:r>
+                        <a:rPr lang="en-US" sz="1200" dirty="0" err="1" smtClean="0">
+                          <a:solidFill>
+                            <a:srgbClr val="0000FF"/>
+                          </a:solidFill>
+                        </a:rPr>
+                        <a:t>.</a:t>
+                      </a:r>
+                      <a:r>
+                        <a:rPr lang="en-US" sz="1200" dirty="0" err="1" smtClean="0"/>
+                        <a:t>AddProcedure</a:t>
+                      </a:r>
+                      <a:r>
+                        <a:rPr lang="en-US" sz="1200" dirty="0">
+                          <a:solidFill>
+                            <a:srgbClr val="0000FF"/>
+                          </a:solidFill>
+                        </a:rPr>
+                        <a:t>(</a:t>
+                      </a:r>
+                      <a:r>
+                        <a:rPr lang="en-US" sz="1200" dirty="0"/>
+                        <a:t>_</a:t>
+                      </a:r>
+                      <a:r>
+                        <a:rPr lang="en-US" sz="1200" dirty="0" err="1"/>
+                        <a:t>procedure_header</a:t>
+                      </a:r>
+                      <a:r>
+                        <a:rPr lang="en-US" sz="1200" dirty="0" err="1">
+                          <a:solidFill>
+                            <a:srgbClr val="0000FF"/>
+                          </a:solidFill>
+                        </a:rPr>
+                        <a:t>.</a:t>
+                      </a:r>
+                      <a:r>
+                        <a:rPr lang="en-US" sz="1200" dirty="0" err="1"/>
+                        <a:t>name</a:t>
+                      </a:r>
+                      <a:r>
+                        <a:rPr lang="en-US" sz="1200" dirty="0" err="1">
+                          <a:solidFill>
+                            <a:srgbClr val="0000FF"/>
+                          </a:solidFill>
+                        </a:rPr>
+                        <a:t>.</a:t>
+                      </a:r>
+                      <a:r>
+                        <a:rPr lang="en-US" sz="1200" dirty="0" err="1"/>
+                        <a:t>meth_name</a:t>
+                      </a:r>
+                      <a:r>
+                        <a:rPr lang="en-US" sz="1200" dirty="0" err="1">
+                          <a:solidFill>
+                            <a:srgbClr val="0000FF"/>
+                          </a:solidFill>
+                        </a:rPr>
+                        <a:t>.</a:t>
+                      </a:r>
+                      <a:r>
+                        <a:rPr lang="en-US" sz="1200" dirty="0" err="1"/>
+                        <a:t>name</a:t>
+                      </a:r>
+                      <a:r>
+                        <a:rPr lang="en-US" sz="1200" dirty="0" smtClean="0">
+                          <a:solidFill>
+                            <a:srgbClr val="0000FF"/>
+                          </a:solidFill>
+                        </a:rPr>
+                        <a:t>);</a:t>
+                      </a:r>
+                      <a:endParaRPr lang="ru-RU" sz="1200" dirty="0" smtClean="0">
+                        <a:solidFill>
+                          <a:srgbClr val="0000FF"/>
+                        </a:solidFill>
+                      </a:endParaRPr>
+                    </a:p>
+                    <a:p>
+                      <a:endParaRPr lang="ru-RU" sz="1200" dirty="0" smtClean="0"/>
+                    </a:p>
+                    <a:p>
+                      <a:r>
+                        <a:rPr lang="ru-RU" sz="1200" dirty="0" smtClean="0"/>
+                        <a:t>    </a:t>
+                      </a:r>
+                      <a:r>
+                        <a:rPr lang="en-US" sz="1200" dirty="0" err="1" smtClean="0"/>
+                        <a:t>information</a:t>
+                      </a:r>
+                      <a:r>
+                        <a:rPr lang="en-US" sz="1200" dirty="0" err="1" smtClean="0">
+                          <a:solidFill>
+                            <a:srgbClr val="0000FF"/>
+                          </a:solidFill>
+                        </a:rPr>
+                        <a:t>.</a:t>
+                      </a:r>
+                      <a:r>
+                        <a:rPr lang="en-US" sz="1200" dirty="0" err="1" smtClean="0"/>
+                        <a:t>nameController</a:t>
+                      </a:r>
+                      <a:r>
+                        <a:rPr lang="en-US" sz="1200" dirty="0" err="1" smtClean="0">
+                          <a:solidFill>
+                            <a:srgbClr val="0000FF"/>
+                          </a:solidFill>
+                        </a:rPr>
+                        <a:t>.</a:t>
+                      </a:r>
+                      <a:r>
+                        <a:rPr lang="en-US" sz="1200" dirty="0" err="1" smtClean="0"/>
+                        <a:t>PushNameSpace</a:t>
+                      </a:r>
+                      <a:r>
+                        <a:rPr lang="en-US" sz="1200" dirty="0">
+                          <a:solidFill>
+                            <a:srgbClr val="0000FF"/>
+                          </a:solidFill>
+                        </a:rPr>
+                        <a:t>(</a:t>
+                      </a:r>
+                      <a:r>
+                        <a:rPr lang="en-US" sz="1200" dirty="0"/>
+                        <a:t>_</a:t>
+                      </a:r>
+                      <a:r>
+                        <a:rPr lang="en-US" sz="1200" dirty="0" err="1"/>
+                        <a:t>procedure_header</a:t>
+                      </a:r>
+                      <a:r>
+                        <a:rPr lang="en-US" sz="1200" dirty="0" err="1">
+                          <a:solidFill>
+                            <a:srgbClr val="0000FF"/>
+                          </a:solidFill>
+                        </a:rPr>
+                        <a:t>.</a:t>
+                      </a:r>
+                      <a:r>
+                        <a:rPr lang="en-US" sz="1200" dirty="0" err="1"/>
+                        <a:t>name</a:t>
+                      </a:r>
+                      <a:r>
+                        <a:rPr lang="en-US" sz="1200" dirty="0" err="1">
+                          <a:solidFill>
+                            <a:srgbClr val="0000FF"/>
+                          </a:solidFill>
+                        </a:rPr>
+                        <a:t>.</a:t>
+                      </a:r>
+                      <a:r>
+                        <a:rPr lang="en-US" sz="1200" dirty="0" err="1"/>
+                        <a:t>meth_name</a:t>
+                      </a:r>
+                      <a:r>
+                        <a:rPr lang="en-US" sz="1200" dirty="0" err="1">
+                          <a:solidFill>
+                            <a:srgbClr val="0000FF"/>
+                          </a:solidFill>
+                        </a:rPr>
+                        <a:t>.</a:t>
+                      </a:r>
+                      <a:r>
+                        <a:rPr lang="en-US" sz="1200" dirty="0" err="1"/>
+                        <a:t>name</a:t>
+                      </a:r>
+                      <a:r>
+                        <a:rPr lang="en-US" sz="1200" dirty="0" smtClean="0">
+                          <a:solidFill>
+                            <a:srgbClr val="0000FF"/>
+                          </a:solidFill>
+                        </a:rPr>
+                        <a:t>);</a:t>
+                      </a:r>
+                      <a:endParaRPr lang="ru-RU" sz="1200" dirty="0" smtClean="0">
+                        <a:solidFill>
+                          <a:srgbClr val="0000FF"/>
+                        </a:solidFill>
+                      </a:endParaRPr>
+                    </a:p>
+                    <a:p>
+                      <a:r>
+                        <a:rPr lang="ru-RU" sz="1200" b="1" dirty="0" smtClean="0">
+                          <a:solidFill>
+                            <a:srgbClr val="0000FF"/>
+                          </a:solidFill>
+                        </a:rPr>
+                        <a:t>    </a:t>
+                      </a:r>
+                      <a:r>
+                        <a:rPr lang="en-US" sz="1200" b="1" dirty="0" smtClean="0">
+                          <a:solidFill>
+                            <a:srgbClr val="0000FF"/>
+                          </a:solidFill>
+                        </a:rPr>
+                        <a:t>if</a:t>
+                      </a:r>
+                      <a:r>
+                        <a:rPr lang="en-US" sz="1200" dirty="0" smtClean="0"/>
+                        <a:t> </a:t>
+                      </a:r>
+                      <a:r>
+                        <a:rPr lang="en-US" sz="1200" dirty="0">
+                          <a:solidFill>
+                            <a:srgbClr val="0000FF"/>
+                          </a:solidFill>
+                        </a:rPr>
+                        <a:t>(</a:t>
+                      </a:r>
+                      <a:r>
+                        <a:rPr lang="en-US" sz="1200" dirty="0"/>
+                        <a:t>_</a:t>
+                      </a:r>
+                      <a:r>
+                        <a:rPr lang="en-US" sz="1200" dirty="0" err="1"/>
+                        <a:t>function_header</a:t>
+                      </a:r>
+                      <a:r>
+                        <a:rPr lang="en-US" sz="1200" dirty="0"/>
+                        <a:t> </a:t>
+                      </a:r>
+                      <a:r>
+                        <a:rPr lang="en-US" sz="1200" dirty="0">
+                          <a:solidFill>
+                            <a:srgbClr val="0000FF"/>
+                          </a:solidFill>
+                        </a:rPr>
+                        <a:t>!=</a:t>
+                      </a:r>
+                      <a:r>
+                        <a:rPr lang="en-US" sz="1200" dirty="0"/>
+                        <a:t> </a:t>
+                      </a:r>
+                      <a:r>
+                        <a:rPr lang="en-US" sz="1200" b="1" dirty="0" smtClean="0">
+                          <a:solidFill>
+                            <a:srgbClr val="0000FF"/>
+                          </a:solidFill>
+                        </a:rPr>
+                        <a:t>null</a:t>
+                      </a:r>
+                      <a:r>
+                        <a:rPr lang="en-US" sz="1200" dirty="0" smtClean="0">
+                          <a:solidFill>
+                            <a:srgbClr val="0000FF"/>
+                          </a:solidFill>
+                        </a:rPr>
+                        <a:t>)</a:t>
+                      </a:r>
+                      <a:endParaRPr lang="ru-RU" sz="1200" dirty="0" smtClean="0">
+                        <a:solidFill>
+                          <a:srgbClr val="0000FF"/>
+                        </a:solidFill>
+                      </a:endParaRPr>
+                    </a:p>
+                    <a:p>
+                      <a:r>
+                        <a:rPr lang="ru-RU" sz="1200" dirty="0" smtClean="0">
+                          <a:solidFill>
+                            <a:srgbClr val="0000FF"/>
+                          </a:solidFill>
+                        </a:rPr>
+                        <a:t>        </a:t>
+                      </a:r>
+                      <a:r>
+                        <a:rPr lang="en-US" sz="1200" dirty="0" err="1" smtClean="0"/>
+                        <a:t>information</a:t>
+                      </a:r>
+                      <a:r>
+                        <a:rPr lang="en-US" sz="1200" dirty="0" err="1" smtClean="0">
+                          <a:solidFill>
+                            <a:srgbClr val="0000FF"/>
+                          </a:solidFill>
+                        </a:rPr>
+                        <a:t>.</a:t>
+                      </a:r>
+                      <a:r>
+                        <a:rPr lang="en-US" sz="1200" dirty="0" err="1" smtClean="0"/>
+                        <a:t>nameController</a:t>
+                      </a:r>
+                      <a:r>
+                        <a:rPr lang="en-US" sz="1200" dirty="0" err="1" smtClean="0">
+                          <a:solidFill>
+                            <a:srgbClr val="0000FF"/>
+                          </a:solidFill>
+                        </a:rPr>
+                        <a:t>.</a:t>
+                      </a:r>
+                      <a:r>
+                        <a:rPr lang="en-US" sz="1200" dirty="0" err="1" smtClean="0"/>
+                        <a:t>AddVariable</a:t>
+                      </a:r>
+                      <a:r>
+                        <a:rPr lang="en-US" sz="1200" dirty="0">
+                          <a:solidFill>
+                            <a:srgbClr val="0000FF"/>
+                          </a:solidFill>
+                        </a:rPr>
+                        <a:t>(</a:t>
+                      </a:r>
+                      <a:r>
+                        <a:rPr lang="en-US" sz="1200" dirty="0">
+                          <a:solidFill>
+                            <a:srgbClr val="0000E6"/>
+                          </a:solidFill>
+                        </a:rPr>
+                        <a:t>"Result</a:t>
+                      </a:r>
+                      <a:r>
+                        <a:rPr lang="en-US" sz="1200" dirty="0" smtClean="0">
+                          <a:solidFill>
+                            <a:srgbClr val="0000E6"/>
+                          </a:solidFill>
+                        </a:rPr>
+                        <a:t>"</a:t>
+                      </a:r>
+                      <a:r>
+                        <a:rPr lang="en-US" sz="1200" dirty="0" smtClean="0">
+                          <a:solidFill>
+                            <a:srgbClr val="0000FF"/>
+                          </a:solidFill>
+                        </a:rPr>
+                        <a:t>);</a:t>
+                      </a:r>
+                      <a:endParaRPr lang="ru-RU" sz="1200" dirty="0" smtClean="0">
+                        <a:solidFill>
+                          <a:srgbClr val="0000FF"/>
+                        </a:solidFill>
+                      </a:endParaRPr>
+                    </a:p>
+                    <a:p>
+                      <a:r>
+                        <a:rPr lang="ru-RU" sz="1200" b="1" dirty="0" smtClean="0">
+                          <a:solidFill>
+                            <a:srgbClr val="0000FF"/>
+                          </a:solidFill>
+                        </a:rPr>
+                        <a:t>    </a:t>
+                      </a:r>
+                      <a:r>
+                        <a:rPr lang="en-US" sz="1200" b="1" dirty="0" err="1" smtClean="0">
+                          <a:solidFill>
+                            <a:srgbClr val="0000FF"/>
+                          </a:solidFill>
+                        </a:rPr>
+                        <a:t>foreach</a:t>
+                      </a:r>
+                      <a:r>
+                        <a:rPr lang="en-US" sz="1200" dirty="0" smtClean="0"/>
+                        <a:t> </a:t>
+                      </a:r>
+                      <a:r>
+                        <a:rPr lang="en-US" sz="1200" dirty="0">
+                          <a:solidFill>
+                            <a:srgbClr val="0000FF"/>
+                          </a:solidFill>
+                        </a:rPr>
+                        <a:t>(</a:t>
+                      </a:r>
+                      <a:r>
+                        <a:rPr lang="en-US" sz="1200" b="1" dirty="0" err="1">
+                          <a:solidFill>
+                            <a:srgbClr val="0000FF"/>
+                          </a:solidFill>
+                        </a:rPr>
+                        <a:t>var</a:t>
+                      </a:r>
+                      <a:r>
+                        <a:rPr lang="en-US" sz="1200" dirty="0"/>
+                        <a:t> </a:t>
+                      </a:r>
+                      <a:r>
+                        <a:rPr lang="en-US" sz="1200" dirty="0" err="1"/>
+                        <a:t>param</a:t>
+                      </a:r>
+                      <a:r>
+                        <a:rPr lang="en-US" sz="1200" dirty="0"/>
+                        <a:t> </a:t>
+                      </a:r>
+                      <a:r>
+                        <a:rPr lang="en-US" sz="1200" b="1" dirty="0">
+                          <a:solidFill>
+                            <a:srgbClr val="0000FF"/>
+                          </a:solidFill>
+                        </a:rPr>
+                        <a:t>in</a:t>
+                      </a:r>
+                      <a:r>
+                        <a:rPr lang="en-US" sz="1200" dirty="0"/>
+                        <a:t> _</a:t>
+                      </a:r>
+                      <a:r>
+                        <a:rPr lang="en-US" sz="1200" dirty="0" err="1" smtClean="0"/>
+                        <a:t>procedure_header</a:t>
+                      </a:r>
+                      <a:r>
+                        <a:rPr lang="en-US" sz="1200" dirty="0" err="1" smtClean="0">
+                          <a:solidFill>
+                            <a:srgbClr val="0000FF"/>
+                          </a:solidFill>
+                        </a:rPr>
+                        <a:t>.</a:t>
+                      </a:r>
+                      <a:r>
+                        <a:rPr lang="en-US" sz="1200" dirty="0" err="1" smtClean="0"/>
+                        <a:t>parameters</a:t>
+                      </a:r>
+                      <a:r>
+                        <a:rPr lang="en-US" sz="1200" dirty="0" err="1" smtClean="0">
+                          <a:solidFill>
+                            <a:srgbClr val="0000FF"/>
+                          </a:solidFill>
+                        </a:rPr>
+                        <a:t>.</a:t>
+                      </a:r>
+                      <a:r>
+                        <a:rPr lang="en-US" sz="1200" dirty="0" err="1" smtClean="0"/>
+                        <a:t>params_list</a:t>
+                      </a:r>
+                      <a:r>
+                        <a:rPr lang="en-US" sz="1200" dirty="0" smtClean="0">
+                          <a:solidFill>
+                            <a:srgbClr val="0000FF"/>
+                          </a:solidFill>
+                        </a:rPr>
+                        <a:t>)</a:t>
+                      </a:r>
+                      <a:endParaRPr lang="ru-RU" sz="1200" dirty="0" smtClean="0">
+                        <a:solidFill>
+                          <a:srgbClr val="0000FF"/>
+                        </a:solidFill>
+                      </a:endParaRPr>
+                    </a:p>
+                    <a:p>
+                      <a:r>
+                        <a:rPr lang="ru-RU" sz="1200" b="1" dirty="0" smtClean="0">
+                          <a:solidFill>
+                            <a:srgbClr val="0000FF"/>
+                          </a:solidFill>
+                        </a:rPr>
+                        <a:t>        </a:t>
+                      </a:r>
+                      <a:r>
+                        <a:rPr lang="en-US" sz="1200" b="1" dirty="0" err="1" smtClean="0">
+                          <a:solidFill>
+                            <a:srgbClr val="0000FF"/>
+                          </a:solidFill>
+                        </a:rPr>
+                        <a:t>foreach</a:t>
+                      </a:r>
+                      <a:r>
+                        <a:rPr lang="en-US" sz="1200" dirty="0" smtClean="0"/>
+                        <a:t> </a:t>
+                      </a:r>
+                      <a:r>
+                        <a:rPr lang="en-US" sz="1200" dirty="0">
+                          <a:solidFill>
+                            <a:srgbClr val="0000FF"/>
+                          </a:solidFill>
+                        </a:rPr>
+                        <a:t>(</a:t>
+                      </a:r>
+                      <a:r>
+                        <a:rPr lang="en-US" sz="1200" b="1" dirty="0" err="1">
+                          <a:solidFill>
+                            <a:srgbClr val="0000FF"/>
+                          </a:solidFill>
+                        </a:rPr>
+                        <a:t>var</a:t>
+                      </a:r>
+                      <a:r>
+                        <a:rPr lang="en-US" sz="1200" dirty="0"/>
+                        <a:t> variable </a:t>
+                      </a:r>
+                      <a:r>
+                        <a:rPr lang="en-US" sz="1200" b="1" dirty="0">
+                          <a:solidFill>
+                            <a:srgbClr val="0000FF"/>
+                          </a:solidFill>
+                        </a:rPr>
+                        <a:t>in</a:t>
+                      </a:r>
+                      <a:r>
+                        <a:rPr lang="en-US" sz="1200" dirty="0"/>
+                        <a:t> </a:t>
+                      </a:r>
+                      <a:r>
+                        <a:rPr lang="en-US" sz="1200" dirty="0" err="1" smtClean="0"/>
+                        <a:t>param</a:t>
+                      </a:r>
+                      <a:r>
+                        <a:rPr lang="en-US" sz="1200" dirty="0" err="1" smtClean="0">
+                          <a:solidFill>
+                            <a:srgbClr val="0000FF"/>
+                          </a:solidFill>
+                        </a:rPr>
+                        <a:t>.</a:t>
+                      </a:r>
+                      <a:r>
+                        <a:rPr lang="en-US" sz="1200" dirty="0" err="1" smtClean="0"/>
+                        <a:t>idents</a:t>
+                      </a:r>
+                      <a:r>
+                        <a:rPr lang="en-US" sz="1200" dirty="0" err="1" smtClean="0">
+                          <a:solidFill>
+                            <a:srgbClr val="0000FF"/>
+                          </a:solidFill>
+                        </a:rPr>
+                        <a:t>.</a:t>
+                      </a:r>
+                      <a:r>
+                        <a:rPr lang="en-US" sz="1200" dirty="0" err="1" smtClean="0"/>
+                        <a:t>idents</a:t>
+                      </a:r>
+                      <a:r>
+                        <a:rPr lang="en-US" sz="1200" dirty="0" smtClean="0">
+                          <a:solidFill>
+                            <a:srgbClr val="0000FF"/>
+                          </a:solidFill>
+                        </a:rPr>
+                        <a:t>)</a:t>
+                      </a:r>
+                      <a:endParaRPr lang="ru-RU" sz="1200" dirty="0" smtClean="0">
+                        <a:solidFill>
+                          <a:srgbClr val="0000FF"/>
+                        </a:solidFill>
+                      </a:endParaRPr>
+                    </a:p>
+                    <a:p>
+                      <a:r>
+                        <a:rPr lang="ru-RU" sz="1200" dirty="0" smtClean="0">
+                          <a:solidFill>
+                            <a:srgbClr val="0000FF"/>
+                          </a:solidFill>
+                        </a:rPr>
+                        <a:t>            </a:t>
+                      </a:r>
+                      <a:r>
+                        <a:rPr lang="en-US" sz="1200" dirty="0" err="1" smtClean="0"/>
+                        <a:t>information</a:t>
+                      </a:r>
+                      <a:r>
+                        <a:rPr lang="en-US" sz="1200" dirty="0" err="1" smtClean="0">
+                          <a:solidFill>
+                            <a:srgbClr val="0000FF"/>
+                          </a:solidFill>
+                        </a:rPr>
+                        <a:t>.</a:t>
+                      </a:r>
+                      <a:r>
+                        <a:rPr lang="en-US" sz="1200" dirty="0" err="1" smtClean="0"/>
+                        <a:t>nameController</a:t>
+                      </a:r>
+                      <a:r>
+                        <a:rPr lang="en-US" sz="1200" dirty="0" err="1" smtClean="0">
+                          <a:solidFill>
+                            <a:srgbClr val="0000FF"/>
+                          </a:solidFill>
+                        </a:rPr>
+                        <a:t>.</a:t>
+                      </a:r>
+                      <a:r>
+                        <a:rPr lang="en-US" sz="1200" dirty="0" err="1" smtClean="0"/>
+                        <a:t>AddVariable</a:t>
+                      </a:r>
+                      <a:r>
+                        <a:rPr lang="en-US" sz="1200" dirty="0" smtClean="0">
+                          <a:solidFill>
+                            <a:srgbClr val="0000FF"/>
+                          </a:solidFill>
+                        </a:rPr>
+                        <a:t>(</a:t>
+                      </a:r>
+                      <a:r>
+                        <a:rPr lang="en-US" sz="1200" dirty="0" smtClean="0"/>
+                        <a:t>variable</a:t>
+                      </a:r>
+                      <a:r>
+                        <a:rPr lang="en-US" sz="1200" dirty="0" smtClean="0">
+                          <a:solidFill>
+                            <a:srgbClr val="0000FF"/>
+                          </a:solidFill>
+                        </a:rPr>
+                        <a:t>.</a:t>
+                      </a:r>
+                      <a:r>
+                        <a:rPr lang="en-US" sz="1200" dirty="0" smtClean="0"/>
+                        <a:t>name</a:t>
+                      </a:r>
+                      <a:r>
+                        <a:rPr lang="en-US" sz="1200" dirty="0" smtClean="0">
+                          <a:solidFill>
+                            <a:srgbClr val="0000FF"/>
+                          </a:solidFill>
+                        </a:rPr>
+                        <a:t>);</a:t>
+                      </a:r>
+                      <a:endParaRPr lang="ru-RU" sz="1200" dirty="0" smtClean="0">
+                        <a:solidFill>
+                          <a:srgbClr val="0000FF"/>
+                        </a:solidFill>
+                      </a:endParaRPr>
+                    </a:p>
+                    <a:p>
+                      <a:r>
+                        <a:rPr lang="ru-RU" sz="1200" b="1" dirty="0" smtClean="0">
+                          <a:solidFill>
+                            <a:srgbClr val="0000FF"/>
+                          </a:solidFill>
+                        </a:rPr>
+                        <a:t>    </a:t>
+                      </a:r>
+                      <a:r>
+                        <a:rPr lang="en-US" sz="1200" b="1" dirty="0" err="1" smtClean="0">
+                          <a:solidFill>
+                            <a:srgbClr val="0000FF"/>
+                          </a:solidFill>
+                        </a:rPr>
+                        <a:t>base</a:t>
+                      </a:r>
+                      <a:r>
+                        <a:rPr lang="en-US" sz="1200" dirty="0" err="1" smtClean="0">
+                          <a:solidFill>
+                            <a:srgbClr val="0000FF"/>
+                          </a:solidFill>
+                        </a:rPr>
+                        <a:t>.</a:t>
+                      </a:r>
+                      <a:r>
+                        <a:rPr lang="en-US" sz="1200" dirty="0" err="1" smtClean="0"/>
+                        <a:t>visit</a:t>
+                      </a:r>
+                      <a:r>
+                        <a:rPr lang="en-US" sz="1200" dirty="0">
+                          <a:solidFill>
+                            <a:srgbClr val="0000FF"/>
+                          </a:solidFill>
+                        </a:rPr>
+                        <a:t>(</a:t>
+                      </a:r>
+                      <a:r>
+                        <a:rPr lang="en-US" sz="1200" dirty="0"/>
+                        <a:t>_</a:t>
+                      </a:r>
+                      <a:r>
+                        <a:rPr lang="en-US" sz="1200" dirty="0" err="1"/>
+                        <a:t>procedure_definition</a:t>
+                      </a:r>
+                      <a:r>
+                        <a:rPr lang="en-US" sz="1200" dirty="0" smtClean="0">
+                          <a:solidFill>
+                            <a:srgbClr val="0000FF"/>
+                          </a:solidFill>
+                        </a:rPr>
+                        <a:t>);</a:t>
+                      </a:r>
+                      <a:endParaRPr lang="ru-RU" sz="1200" dirty="0" smtClean="0">
+                        <a:solidFill>
+                          <a:srgbClr val="0000FF"/>
+                        </a:solidFill>
+                      </a:endParaRPr>
+                    </a:p>
+                    <a:p>
+                      <a:r>
+                        <a:rPr lang="ru-RU" sz="1200" dirty="0" smtClean="0">
+                          <a:solidFill>
+                            <a:srgbClr val="0000FF"/>
+                          </a:solidFill>
+                        </a:rPr>
+                        <a:t>    </a:t>
+                      </a:r>
+                      <a:r>
+                        <a:rPr lang="en-US" sz="1200" dirty="0" err="1" smtClean="0"/>
+                        <a:t>information</a:t>
+                      </a:r>
+                      <a:r>
+                        <a:rPr lang="en-US" sz="1200" dirty="0" err="1" smtClean="0">
+                          <a:solidFill>
+                            <a:srgbClr val="0000FF"/>
+                          </a:solidFill>
+                        </a:rPr>
+                        <a:t>.</a:t>
+                      </a:r>
+                      <a:r>
+                        <a:rPr lang="en-US" sz="1200" dirty="0" err="1" smtClean="0"/>
+                        <a:t>nameController</a:t>
+                      </a:r>
+                      <a:r>
+                        <a:rPr lang="en-US" sz="1200" dirty="0" err="1" smtClean="0">
+                          <a:solidFill>
+                            <a:srgbClr val="0000FF"/>
+                          </a:solidFill>
+                        </a:rPr>
+                        <a:t>.</a:t>
+                      </a:r>
+                      <a:r>
+                        <a:rPr lang="en-US" sz="1200" dirty="0" err="1" smtClean="0"/>
+                        <a:t>PopNameSpace</a:t>
+                      </a:r>
+                      <a:r>
+                        <a:rPr lang="en-US" sz="1200" dirty="0" smtClean="0">
+                          <a:solidFill>
+                            <a:srgbClr val="0000FF"/>
+                          </a:solidFill>
+                        </a:rPr>
+                        <a:t>();</a:t>
+                      </a:r>
+                      <a:endParaRPr lang="ru-RU" sz="1200" dirty="0" smtClean="0">
+                        <a:solidFill>
+                          <a:srgbClr val="0000FF"/>
+                        </a:solidFill>
+                      </a:endParaRPr>
+                    </a:p>
+                    <a:p>
+                      <a:r>
+                        <a:rPr lang="en-US" sz="1200" dirty="0" smtClean="0">
+                          <a:solidFill>
+                            <a:srgbClr val="0000FF"/>
+                          </a:solidFill>
+                        </a:rPr>
+                        <a:t>}</a:t>
+                      </a:r>
+                      <a:r>
+                        <a:rPr lang="en-US" sz="1200" dirty="0" smtClean="0"/>
+                        <a:t> </a:t>
+                      </a:r>
+                      <a:endParaRPr lang="en-US" sz="1200" dirty="0"/>
+                    </a:p>
+                  </a:txBody>
+                  <a:tcPr marL="60657" marR="60657" marT="30328" marB="30328">
+                    <a:lnL>
+                      <a:noFill/>
+                    </a:lnL>
+                    <a:lnR>
+                      <a:noFill/>
+                    </a:lnR>
+                    <a:lnT>
+                      <a:noFill/>
+                    </a:lnT>
+                    <a:lnB>
+                      <a:noFill/>
+                    </a:lnB>
+                  </a:tcPr>
+                </a:tc>
+              </a:tr>
+            </a:tbl>
+          </a:graphicData>
+        </a:graphic>
+      </p:graphicFrame>
+      <p:sp>
+        <p:nvSpPr>
+          <p:cNvPr id="34817" name="Rectangle 1"/>
+          <p:cNvSpPr>
+            <a:spLocks noChangeArrowheads="1"/>
+          </p:cNvSpPr>
+          <p:nvPr/>
+        </p:nvSpPr>
+        <p:spPr bwMode="auto">
+          <a:xfrm>
+            <a:off x="0" y="0"/>
+            <a:ext cx="9144000" cy="0"/>
+          </a:xfrm>
+          <a:prstGeom prst="rect">
+            <a:avLst/>
+          </a:prstGeom>
+          <a:noFill/>
+          <a:ln w="9525">
+            <a:noFill/>
+            <a:miter lim="800000"/>
+            <a:headEnd/>
+            <a:tailEnd/>
+          </a:ln>
+          <a:effectLst/>
+        </p:spPr>
+        <p:txBody>
+          <a:bodyPr vert="horz" wrap="none" lIns="91440" tIns="45720" rIns="91440" bIns="45720" numCol="1" anchor="ctr" anchorCtr="0" compatLnSpc="1">
+            <a:prstTxWarp prst="textNoShape">
+              <a:avLst/>
+            </a:prstTxWarp>
+            <a:spAutoFit/>
+          </a:bodyPr>
+          <a:lstStyle/>
+          <a:p>
+            <a:pPr marL="0" marR="0" lvl="0" indent="0" algn="l" defTabSz="914400" rtl="0" eaLnBrk="1" fontAlgn="base" latinLnBrk="0" hangingPunct="1">
+              <a:lnSpc>
+                <a:spcPct val="100000"/>
+              </a:lnSpc>
+              <a:spcBef>
+                <a:spcPct val="0"/>
+              </a:spcBef>
+              <a:spcAft>
+                <a:spcPct val="0"/>
+              </a:spcAft>
+              <a:buClrTx/>
+              <a:buSzTx/>
+              <a:buFontTx/>
+              <a:buNone/>
+              <a:tabLst/>
+            </a:pPr>
+            <a:r>
+              <a:rPr kumimoji="0" lang="ru-RU" sz="1800" b="0" i="0" u="none" strike="noStrike" cap="none" normalizeH="0" baseline="0" smtClean="0">
+                <a:ln>
+                  <a:noFill/>
+                </a:ln>
+                <a:solidFill>
+                  <a:schemeClr val="tx1"/>
+                </a:solidFill>
+                <a:effectLst/>
+                <a:latin typeface="Arial" pitchFamily="34" charset="0"/>
+                <a:cs typeface="Arial" pitchFamily="34" charset="0"/>
+              </a:rPr>
+              <a:t/>
+            </a:r>
+            <a:br>
+              <a:rPr kumimoji="0" lang="ru-RU" sz="1800" b="0" i="0" u="none" strike="noStrike" cap="none" normalizeH="0" baseline="0" smtClean="0">
+                <a:ln>
+                  <a:noFill/>
+                </a:ln>
+                <a:solidFill>
+                  <a:schemeClr val="tx1"/>
+                </a:solidFill>
+                <a:effectLst/>
+                <a:latin typeface="Arial" pitchFamily="34" charset="0"/>
+                <a:cs typeface="Arial" pitchFamily="34" charset="0"/>
+              </a:rPr>
+            </a:br>
+            <a:endParaRPr kumimoji="0" lang="ru-RU" sz="1800" b="0" i="0" u="none" strike="noStrike" cap="none" normalizeH="0" baseline="0" smtClean="0">
+              <a:ln>
+                <a:noFill/>
+              </a:ln>
+              <a:solidFill>
+                <a:schemeClr val="tx1"/>
+              </a:solidFill>
+              <a:effectLst/>
+              <a:latin typeface="Arial" pitchFamily="34" charset="0"/>
+              <a:cs typeface="Arial" pitchFamily="34" charset="0"/>
+            </a:endParaRPr>
           </a:p>
         </p:txBody>
       </p:sp>
@@ -23954,7 +26816,1408 @@
           <a:p>
             <a:r>
               <a:rPr lang="ru-RU" dirty="0" smtClean="0"/>
-              <a:t>Список литературы</a:t>
+              <a:t>Пример: </a:t>
+            </a:r>
+            <a:r>
+              <a:rPr lang="en-US" dirty="0" err="1" smtClean="0"/>
+              <a:t>Intellisence</a:t>
+            </a:r>
+            <a:r>
+              <a:rPr lang="en-US" dirty="0" smtClean="0"/>
+              <a:t> </a:t>
+            </a:r>
+            <a:r>
+              <a:rPr lang="ru-RU" dirty="0" smtClean="0"/>
+              <a:t>по первым символам</a:t>
+            </a:r>
+            <a:endParaRPr lang="ru-RU" dirty="0"/>
+          </a:p>
+        </p:txBody>
+      </p:sp>
+      <p:sp>
+        <p:nvSpPr>
+          <p:cNvPr id="3" name="Содержимое 2"/>
+          <p:cNvSpPr>
+            <a:spLocks noGrp="1"/>
+          </p:cNvSpPr>
+          <p:nvPr>
+            <p:ph idx="1"/>
+          </p:nvPr>
+        </p:nvSpPr>
+        <p:spPr>
+          <a:xfrm>
+            <a:off x="1500188" y="1524000"/>
+            <a:ext cx="7491412" cy="1190619"/>
+          </a:xfrm>
+        </p:spPr>
+        <p:txBody>
+          <a:bodyPr/>
+          <a:lstStyle/>
+          <a:p>
+            <a:r>
+              <a:rPr lang="ru-RU" dirty="0" smtClean="0"/>
+              <a:t>Непосредственная работа с моделью</a:t>
+            </a:r>
+            <a:endParaRPr lang="ru-RU" dirty="0"/>
+          </a:p>
+        </p:txBody>
+      </p:sp>
+      <p:graphicFrame>
+        <p:nvGraphicFramePr>
+          <p:cNvPr id="7" name="Таблица 6"/>
+          <p:cNvGraphicFramePr>
+            <a:graphicFrameLocks noGrp="1"/>
+          </p:cNvGraphicFramePr>
+          <p:nvPr/>
+        </p:nvGraphicFramePr>
+        <p:xfrm>
+          <a:off x="1214414" y="2571744"/>
+          <a:ext cx="7072362" cy="3929090"/>
+        </p:xfrm>
+        <a:graphic>
+          <a:graphicData uri="http://schemas.openxmlformats.org/drawingml/2006/table">
+            <a:tbl>
+              <a:tblPr/>
+              <a:tblGrid>
+                <a:gridCol w="7072362"/>
+              </a:tblGrid>
+              <a:tr h="3929090">
+                <a:tc>
+                  <a:txBody>
+                    <a:bodyPr/>
+                    <a:lstStyle/>
+                    <a:p>
+                      <a:r>
+                        <a:rPr lang="en-US" sz="1400" b="1" dirty="0">
+                          <a:solidFill>
+                            <a:srgbClr val="0000FF"/>
+                          </a:solidFill>
+                        </a:rPr>
+                        <a:t>public</a:t>
+                      </a:r>
+                      <a:r>
+                        <a:rPr lang="en-US" sz="1400" dirty="0"/>
+                        <a:t> </a:t>
+                      </a:r>
+                      <a:r>
+                        <a:rPr lang="en-US" sz="1400" b="1" dirty="0">
+                          <a:solidFill>
+                            <a:srgbClr val="0000FF"/>
+                          </a:solidFill>
+                        </a:rPr>
+                        <a:t>void</a:t>
+                      </a:r>
+                      <a:r>
+                        <a:rPr lang="en-US" sz="1400" dirty="0"/>
+                        <a:t> </a:t>
+                      </a:r>
+                      <a:r>
+                        <a:rPr lang="en-US" sz="1400" dirty="0" err="1"/>
+                        <a:t>PushNameSpace</a:t>
+                      </a:r>
+                      <a:r>
+                        <a:rPr lang="en-US" sz="1400" dirty="0">
+                          <a:solidFill>
+                            <a:srgbClr val="0000FF"/>
+                          </a:solidFill>
+                        </a:rPr>
+                        <a:t>(</a:t>
+                      </a:r>
+                      <a:r>
+                        <a:rPr lang="en-US" sz="1400" b="1" dirty="0">
+                          <a:solidFill>
+                            <a:srgbClr val="0000FF"/>
+                          </a:solidFill>
+                        </a:rPr>
+                        <a:t>string</a:t>
+                      </a:r>
+                      <a:r>
+                        <a:rPr lang="en-US" sz="1400" dirty="0"/>
+                        <a:t> </a:t>
+                      </a:r>
+                      <a:r>
+                        <a:rPr lang="en-US" sz="1400" dirty="0" err="1"/>
+                        <a:t>nameSpace</a:t>
+                      </a:r>
+                      <a:r>
+                        <a:rPr lang="en-US" sz="1400" dirty="0">
+                          <a:solidFill>
+                            <a:srgbClr val="0000FF"/>
+                          </a:solidFill>
+                        </a:rPr>
+                        <a:t>)</a:t>
+                      </a:r>
+                      <a:r>
+                        <a:rPr lang="en-US" sz="1400" dirty="0"/>
+                        <a:t> </a:t>
+                      </a:r>
+                      <a:r>
+                        <a:rPr lang="en-US" sz="1400" dirty="0" smtClean="0">
+                          <a:solidFill>
+                            <a:srgbClr val="0000FF"/>
+                          </a:solidFill>
+                        </a:rPr>
+                        <a:t>{</a:t>
+                      </a:r>
+                      <a:endParaRPr lang="ru-RU" sz="1400" dirty="0" smtClean="0">
+                        <a:solidFill>
+                          <a:srgbClr val="0000FF"/>
+                        </a:solidFill>
+                      </a:endParaRPr>
+                    </a:p>
+                    <a:p>
+                      <a:r>
+                        <a:rPr lang="ru-RU" sz="1400" b="1" baseline="0" dirty="0" smtClean="0">
+                          <a:solidFill>
+                            <a:srgbClr val="0000FF"/>
+                          </a:solidFill>
+                        </a:rPr>
+                        <a:t>    </a:t>
+                      </a:r>
+                      <a:r>
+                        <a:rPr lang="en-US" sz="1400" b="1" dirty="0" smtClean="0">
+                          <a:solidFill>
+                            <a:srgbClr val="0000FF"/>
+                          </a:solidFill>
+                        </a:rPr>
+                        <a:t>string</a:t>
+                      </a:r>
+                      <a:r>
+                        <a:rPr lang="en-US" sz="1400" dirty="0" smtClean="0"/>
+                        <a:t> </a:t>
+                      </a:r>
+                      <a:r>
+                        <a:rPr lang="en-US" sz="1400" dirty="0" err="1"/>
+                        <a:t>fullName</a:t>
+                      </a:r>
+                      <a:r>
+                        <a:rPr lang="en-US" sz="1400" dirty="0"/>
+                        <a:t> </a:t>
+                      </a:r>
+                      <a:r>
+                        <a:rPr lang="en-US" sz="1400" dirty="0">
+                          <a:solidFill>
+                            <a:srgbClr val="0000FF"/>
+                          </a:solidFill>
+                        </a:rPr>
+                        <a:t>=</a:t>
+                      </a:r>
+                      <a:r>
+                        <a:rPr lang="en-US" sz="1400" dirty="0"/>
+                        <a:t> </a:t>
+                      </a:r>
+                      <a:r>
+                        <a:rPr lang="en-US" sz="1400" dirty="0" err="1"/>
+                        <a:t>curNS</a:t>
+                      </a:r>
+                      <a:r>
+                        <a:rPr lang="en-US" sz="1400" dirty="0"/>
+                        <a:t> </a:t>
+                      </a:r>
+                      <a:r>
+                        <a:rPr lang="en-US" sz="1400" dirty="0">
+                          <a:solidFill>
+                            <a:srgbClr val="0000FF"/>
+                          </a:solidFill>
+                        </a:rPr>
+                        <a:t>+</a:t>
+                      </a:r>
+                      <a:r>
+                        <a:rPr lang="en-US" sz="1400" dirty="0"/>
+                        <a:t> </a:t>
+                      </a:r>
+                      <a:r>
+                        <a:rPr lang="en-US" sz="1400" dirty="0">
+                          <a:solidFill>
+                            <a:srgbClr val="0000E6"/>
+                          </a:solidFill>
+                        </a:rPr>
+                        <a:t>"."</a:t>
+                      </a:r>
+                      <a:r>
+                        <a:rPr lang="en-US" sz="1400" dirty="0"/>
+                        <a:t> </a:t>
+                      </a:r>
+                      <a:r>
+                        <a:rPr lang="en-US" sz="1400" dirty="0">
+                          <a:solidFill>
+                            <a:srgbClr val="0000FF"/>
+                          </a:solidFill>
+                        </a:rPr>
+                        <a:t>+</a:t>
+                      </a:r>
+                      <a:r>
+                        <a:rPr lang="en-US" sz="1400" dirty="0"/>
+                        <a:t> </a:t>
+                      </a:r>
+                      <a:r>
+                        <a:rPr lang="en-US" sz="1400" dirty="0" err="1" smtClean="0"/>
+                        <a:t>nameSpace</a:t>
+                      </a:r>
+                      <a:r>
+                        <a:rPr lang="en-US" sz="1400" dirty="0" smtClean="0">
+                          <a:solidFill>
+                            <a:srgbClr val="0000FF"/>
+                          </a:solidFill>
+                        </a:rPr>
+                        <a:t>;</a:t>
+                      </a:r>
+                      <a:endParaRPr lang="ru-RU" sz="1400" dirty="0" smtClean="0">
+                        <a:solidFill>
+                          <a:srgbClr val="0000FF"/>
+                        </a:solidFill>
+                      </a:endParaRPr>
+                    </a:p>
+                    <a:p>
+                      <a:r>
+                        <a:rPr lang="ru-RU" sz="1400" baseline="0" dirty="0" smtClean="0">
+                          <a:solidFill>
+                            <a:srgbClr val="0000FF"/>
+                          </a:solidFill>
+                        </a:rPr>
+                        <a:t>    </a:t>
+                      </a:r>
+                      <a:r>
+                        <a:rPr lang="en-US" sz="1400" dirty="0" err="1" smtClean="0"/>
+                        <a:t>program</a:t>
+                      </a:r>
+                      <a:r>
+                        <a:rPr lang="en-US" sz="1400" dirty="0" err="1" smtClean="0">
+                          <a:solidFill>
+                            <a:srgbClr val="0000FF"/>
+                          </a:solidFill>
+                        </a:rPr>
+                        <a:t>.</a:t>
+                      </a:r>
+                      <a:r>
+                        <a:rPr lang="en-US" sz="1400" dirty="0" err="1" smtClean="0"/>
+                        <a:t>NameSpacesElems</a:t>
+                      </a:r>
+                      <a:r>
+                        <a:rPr lang="en-US" sz="1400" dirty="0" err="1" smtClean="0">
+                          <a:solidFill>
+                            <a:srgbClr val="0000FF"/>
+                          </a:solidFill>
+                        </a:rPr>
+                        <a:t>.</a:t>
+                      </a:r>
+                      <a:r>
+                        <a:rPr lang="en-US" sz="1400" dirty="0" err="1" smtClean="0"/>
+                        <a:t>Add</a:t>
+                      </a:r>
+                      <a:r>
+                        <a:rPr lang="en-US" sz="1400" dirty="0" smtClean="0">
+                          <a:solidFill>
+                            <a:srgbClr val="0000FF"/>
+                          </a:solidFill>
+                        </a:rPr>
+                        <a:t>(</a:t>
+                      </a:r>
+                      <a:r>
+                        <a:rPr lang="en-US" sz="1400" dirty="0" err="1" smtClean="0"/>
+                        <a:t>fullName</a:t>
+                      </a:r>
+                      <a:r>
+                        <a:rPr lang="en-US" sz="1400" dirty="0">
+                          <a:solidFill>
+                            <a:srgbClr val="0000FF"/>
+                          </a:solidFill>
+                        </a:rPr>
+                        <a:t>);</a:t>
+                      </a:r>
+                      <a:r>
+                        <a:rPr lang="en-US" sz="1400" dirty="0"/>
+                        <a:t> </a:t>
+                      </a:r>
+                      <a:endParaRPr lang="ru-RU" sz="1400" dirty="0" smtClean="0"/>
+                    </a:p>
+                    <a:p>
+                      <a:r>
+                        <a:rPr lang="ru-RU" sz="1400" dirty="0" smtClean="0"/>
+                        <a:t>    </a:t>
+                      </a:r>
+                      <a:r>
+                        <a:rPr lang="en-US" sz="1400" dirty="0" err="1" smtClean="0"/>
+                        <a:t>program</a:t>
+                      </a:r>
+                      <a:r>
+                        <a:rPr lang="en-US" sz="1400" dirty="0" err="1" smtClean="0">
+                          <a:solidFill>
+                            <a:srgbClr val="0000FF"/>
+                          </a:solidFill>
+                        </a:rPr>
+                        <a:t>.</a:t>
+                      </a:r>
+                      <a:r>
+                        <a:rPr lang="en-US" sz="1400" dirty="0" err="1" smtClean="0"/>
+                        <a:t>NameSpacesElems</a:t>
+                      </a:r>
+                      <a:r>
+                        <a:rPr lang="en-US" sz="1400" dirty="0" err="1" smtClean="0">
+                          <a:solidFill>
+                            <a:srgbClr val="0000FF"/>
+                          </a:solidFill>
+                        </a:rPr>
+                        <a:t>.</a:t>
+                      </a:r>
+                      <a:r>
+                        <a:rPr lang="en-US" sz="1400" dirty="0" err="1" smtClean="0"/>
+                        <a:t>Add</a:t>
+                      </a:r>
+                      <a:r>
+                        <a:rPr lang="en-US" sz="1400" dirty="0" smtClean="0">
+                          <a:solidFill>
+                            <a:srgbClr val="0000FF"/>
+                          </a:solidFill>
+                        </a:rPr>
+                        <a:t>(</a:t>
+                      </a:r>
+                      <a:r>
+                        <a:rPr lang="en-US" sz="1400" dirty="0" err="1" smtClean="0"/>
+                        <a:t>nameSpace</a:t>
+                      </a:r>
+                      <a:r>
+                        <a:rPr lang="en-US" sz="1400" dirty="0" smtClean="0">
+                          <a:solidFill>
+                            <a:srgbClr val="0000FF"/>
+                          </a:solidFill>
+                        </a:rPr>
+                        <a:t>);</a:t>
+                      </a:r>
+                      <a:endParaRPr lang="ru-RU" sz="1400" dirty="0" smtClean="0">
+                        <a:solidFill>
+                          <a:srgbClr val="0000FF"/>
+                        </a:solidFill>
+                      </a:endParaRPr>
+                    </a:p>
+                    <a:p>
+                      <a:r>
+                        <a:rPr lang="ru-RU" sz="1400" dirty="0" smtClean="0"/>
+                        <a:t>    </a:t>
+                      </a:r>
+                      <a:r>
+                        <a:rPr lang="en-US" sz="1400" dirty="0" err="1" smtClean="0"/>
+                        <a:t>program</a:t>
+                      </a:r>
+                      <a:r>
+                        <a:rPr lang="en-US" sz="1400" dirty="0" err="1" smtClean="0">
+                          <a:solidFill>
+                            <a:srgbClr val="0000FF"/>
+                          </a:solidFill>
+                        </a:rPr>
+                        <a:t>.</a:t>
+                      </a:r>
+                      <a:r>
+                        <a:rPr lang="en-US" sz="1400" dirty="0" err="1" smtClean="0"/>
+                        <a:t>PartialNamesRel</a:t>
+                      </a:r>
+                      <a:r>
+                        <a:rPr lang="en-US" sz="1400" dirty="0" err="1" smtClean="0">
+                          <a:solidFill>
+                            <a:srgbClr val="0000FF"/>
+                          </a:solidFill>
+                        </a:rPr>
+                        <a:t>.</a:t>
+                      </a:r>
+                      <a:r>
+                        <a:rPr lang="en-US" sz="1400" dirty="0" err="1" smtClean="0"/>
+                        <a:t>AddRelation</a:t>
+                      </a:r>
+                      <a:r>
+                        <a:rPr lang="en-US" sz="1400" dirty="0" smtClean="0">
+                          <a:solidFill>
+                            <a:srgbClr val="0000FF"/>
+                          </a:solidFill>
+                        </a:rPr>
+                        <a:t>(</a:t>
+                      </a:r>
+                      <a:r>
+                        <a:rPr lang="en-US" sz="1400" dirty="0" err="1" smtClean="0"/>
+                        <a:t>nameSpace</a:t>
+                      </a:r>
+                      <a:r>
+                        <a:rPr lang="en-US" sz="1400" dirty="0">
+                          <a:solidFill>
+                            <a:srgbClr val="0000FF"/>
+                          </a:solidFill>
+                        </a:rPr>
+                        <a:t>,</a:t>
+                      </a:r>
+                      <a:r>
+                        <a:rPr lang="en-US" sz="1400" dirty="0"/>
+                        <a:t> </a:t>
+                      </a:r>
+                      <a:r>
+                        <a:rPr lang="en-US" sz="1400" dirty="0" err="1"/>
+                        <a:t>fullName</a:t>
+                      </a:r>
+                      <a:r>
+                        <a:rPr lang="en-US" sz="1400" dirty="0" smtClean="0">
+                          <a:solidFill>
+                            <a:srgbClr val="0000FF"/>
+                          </a:solidFill>
+                        </a:rPr>
+                        <a:t>);</a:t>
+                      </a:r>
+                      <a:endParaRPr lang="ru-RU" sz="1400" dirty="0" smtClean="0">
+                        <a:solidFill>
+                          <a:srgbClr val="0000FF"/>
+                        </a:solidFill>
+                      </a:endParaRPr>
+                    </a:p>
+                    <a:p>
+                      <a:r>
+                        <a:rPr lang="ru-RU" sz="1400" baseline="0" dirty="0" smtClean="0">
+                          <a:solidFill>
+                            <a:srgbClr val="0000FF"/>
+                          </a:solidFill>
+                        </a:rPr>
+                        <a:t>    </a:t>
+                      </a:r>
+                      <a:r>
+                        <a:rPr lang="en-US" sz="1400" dirty="0" err="1" smtClean="0"/>
+                        <a:t>program</a:t>
+                      </a:r>
+                      <a:r>
+                        <a:rPr lang="en-US" sz="1400" dirty="0" err="1" smtClean="0">
+                          <a:solidFill>
+                            <a:srgbClr val="0000FF"/>
+                          </a:solidFill>
+                        </a:rPr>
+                        <a:t>.</a:t>
+                      </a:r>
+                      <a:r>
+                        <a:rPr lang="en-US" sz="1400" dirty="0" err="1" smtClean="0"/>
+                        <a:t>ContainsRel</a:t>
+                      </a:r>
+                      <a:r>
+                        <a:rPr lang="en-US" sz="1400" dirty="0" err="1" smtClean="0">
+                          <a:solidFill>
+                            <a:srgbClr val="0000FF"/>
+                          </a:solidFill>
+                        </a:rPr>
+                        <a:t>.</a:t>
+                      </a:r>
+                      <a:r>
+                        <a:rPr lang="en-US" sz="1400" dirty="0" err="1" smtClean="0"/>
+                        <a:t>AddRelation</a:t>
+                      </a:r>
+                      <a:r>
+                        <a:rPr lang="en-US" sz="1400" dirty="0" smtClean="0">
+                          <a:solidFill>
+                            <a:srgbClr val="0000FF"/>
+                          </a:solidFill>
+                        </a:rPr>
+                        <a:t>(</a:t>
+                      </a:r>
+                      <a:r>
+                        <a:rPr lang="en-US" sz="1400" dirty="0" err="1" smtClean="0"/>
+                        <a:t>curNS</a:t>
+                      </a:r>
+                      <a:r>
+                        <a:rPr lang="en-US" sz="1400" dirty="0">
+                          <a:solidFill>
+                            <a:srgbClr val="0000FF"/>
+                          </a:solidFill>
+                        </a:rPr>
+                        <a:t>,</a:t>
+                      </a:r>
+                      <a:r>
+                        <a:rPr lang="en-US" sz="1400" dirty="0"/>
+                        <a:t> </a:t>
+                      </a:r>
+                      <a:r>
+                        <a:rPr lang="en-US" sz="1400" dirty="0" err="1"/>
+                        <a:t>fullName</a:t>
+                      </a:r>
+                      <a:r>
+                        <a:rPr lang="en-US" sz="1400" dirty="0" smtClean="0">
+                          <a:solidFill>
+                            <a:srgbClr val="0000FF"/>
+                          </a:solidFill>
+                        </a:rPr>
+                        <a:t>);</a:t>
+                      </a:r>
+                      <a:endParaRPr lang="ru-RU" sz="1400" dirty="0" smtClean="0">
+                        <a:solidFill>
+                          <a:srgbClr val="0000FF"/>
+                        </a:solidFill>
+                      </a:endParaRPr>
+                    </a:p>
+                    <a:p>
+                      <a:r>
+                        <a:rPr lang="ru-RU" sz="1400" dirty="0" smtClean="0">
+                          <a:solidFill>
+                            <a:srgbClr val="0000FF"/>
+                          </a:solidFill>
+                        </a:rPr>
+                        <a:t>    </a:t>
+                      </a:r>
+                      <a:r>
+                        <a:rPr lang="en-US" sz="1400" dirty="0" err="1" smtClean="0"/>
+                        <a:t>curNS</a:t>
+                      </a:r>
+                      <a:r>
+                        <a:rPr lang="en-US" sz="1400" dirty="0" smtClean="0"/>
+                        <a:t> </a:t>
+                      </a:r>
+                      <a:r>
+                        <a:rPr lang="en-US" sz="1400" dirty="0">
+                          <a:solidFill>
+                            <a:srgbClr val="0000FF"/>
+                          </a:solidFill>
+                        </a:rPr>
+                        <a:t>=</a:t>
+                      </a:r>
+                      <a:r>
+                        <a:rPr lang="en-US" sz="1400" dirty="0"/>
+                        <a:t> </a:t>
+                      </a:r>
+                      <a:r>
+                        <a:rPr lang="en-US" sz="1400" dirty="0" err="1"/>
+                        <a:t>fullName</a:t>
+                      </a:r>
+                      <a:r>
+                        <a:rPr lang="en-US" sz="1400" dirty="0" smtClean="0">
+                          <a:solidFill>
+                            <a:srgbClr val="0000FF"/>
+                          </a:solidFill>
+                        </a:rPr>
+                        <a:t>;</a:t>
+                      </a:r>
+                      <a:endParaRPr lang="ru-RU" sz="1400" dirty="0" smtClean="0">
+                        <a:solidFill>
+                          <a:srgbClr val="0000FF"/>
+                        </a:solidFill>
+                      </a:endParaRPr>
+                    </a:p>
+                    <a:p>
+                      <a:r>
+                        <a:rPr lang="en-US" sz="1400" dirty="0" smtClean="0">
+                          <a:solidFill>
+                            <a:srgbClr val="0000FF"/>
+                          </a:solidFill>
+                        </a:rPr>
+                        <a:t>}</a:t>
+                      </a:r>
+                      <a:endParaRPr lang="ru-RU" sz="1400" dirty="0" smtClean="0">
+                        <a:solidFill>
+                          <a:srgbClr val="0000FF"/>
+                        </a:solidFill>
+                      </a:endParaRPr>
+                    </a:p>
+                    <a:p>
+                      <a:r>
+                        <a:rPr lang="en-US" sz="1400" b="1" dirty="0" smtClean="0">
+                          <a:solidFill>
+                            <a:srgbClr val="0000FF"/>
+                          </a:solidFill>
+                        </a:rPr>
+                        <a:t>public</a:t>
+                      </a:r>
+                      <a:r>
+                        <a:rPr lang="en-US" sz="1400" dirty="0" smtClean="0"/>
+                        <a:t> </a:t>
+                      </a:r>
+                      <a:r>
+                        <a:rPr lang="en-US" sz="1400" b="1" dirty="0">
+                          <a:solidFill>
+                            <a:srgbClr val="0000FF"/>
+                          </a:solidFill>
+                        </a:rPr>
+                        <a:t>void</a:t>
+                      </a:r>
+                      <a:r>
+                        <a:rPr lang="en-US" sz="1400" dirty="0"/>
+                        <a:t> </a:t>
+                      </a:r>
+                      <a:r>
+                        <a:rPr lang="en-US" sz="1400" dirty="0" err="1"/>
+                        <a:t>PopNameSpace</a:t>
+                      </a:r>
+                      <a:r>
+                        <a:rPr lang="en-US" sz="1400" dirty="0">
+                          <a:solidFill>
+                            <a:srgbClr val="0000FF"/>
+                          </a:solidFill>
+                        </a:rPr>
+                        <a:t>()</a:t>
+                      </a:r>
+                      <a:r>
+                        <a:rPr lang="en-US" sz="1400" dirty="0"/>
+                        <a:t> </a:t>
+                      </a:r>
+                      <a:r>
+                        <a:rPr lang="en-US" sz="1400" dirty="0" smtClean="0">
+                          <a:solidFill>
+                            <a:srgbClr val="0000FF"/>
+                          </a:solidFill>
+                        </a:rPr>
+                        <a:t>{</a:t>
+                      </a:r>
+                      <a:endParaRPr lang="ru-RU" sz="1400" dirty="0" smtClean="0">
+                        <a:solidFill>
+                          <a:srgbClr val="0000FF"/>
+                        </a:solidFill>
+                      </a:endParaRPr>
+                    </a:p>
+                    <a:p>
+                      <a:r>
+                        <a:rPr lang="ru-RU" sz="1400" dirty="0" smtClean="0">
+                          <a:solidFill>
+                            <a:srgbClr val="0000FF"/>
+                          </a:solidFill>
+                        </a:rPr>
+                        <a:t>    </a:t>
+                      </a:r>
+                      <a:r>
+                        <a:rPr lang="en-US" sz="1400" dirty="0" err="1" smtClean="0"/>
+                        <a:t>curNS</a:t>
+                      </a:r>
+                      <a:r>
+                        <a:rPr lang="en-US" sz="1400" dirty="0" smtClean="0"/>
+                        <a:t> </a:t>
+                      </a:r>
+                      <a:r>
+                        <a:rPr lang="en-US" sz="1400" dirty="0">
+                          <a:solidFill>
+                            <a:srgbClr val="0000FF"/>
+                          </a:solidFill>
+                        </a:rPr>
+                        <a:t>=</a:t>
+                      </a:r>
+                      <a:r>
+                        <a:rPr lang="en-US" sz="1400" dirty="0"/>
+                        <a:t> </a:t>
+                      </a:r>
+                      <a:r>
+                        <a:rPr lang="en-US" sz="1400" dirty="0" err="1"/>
+                        <a:t>program</a:t>
+                      </a:r>
+                      <a:r>
+                        <a:rPr lang="en-US" sz="1400" dirty="0" err="1">
+                          <a:solidFill>
+                            <a:srgbClr val="0000FF"/>
+                          </a:solidFill>
+                        </a:rPr>
+                        <a:t>.</a:t>
+                      </a:r>
+                      <a:r>
+                        <a:rPr lang="en-US" sz="1400" dirty="0" err="1"/>
+                        <a:t>ContainsRel</a:t>
+                      </a:r>
+                      <a:r>
+                        <a:rPr lang="en-US" sz="1400" dirty="0" err="1">
+                          <a:solidFill>
+                            <a:srgbClr val="0000FF"/>
+                          </a:solidFill>
+                        </a:rPr>
+                        <a:t>.</a:t>
+                      </a:r>
+                      <a:r>
+                        <a:rPr lang="en-US" sz="1400" dirty="0" err="1"/>
+                        <a:t>ProjRange</a:t>
+                      </a:r>
+                      <a:r>
+                        <a:rPr lang="en-US" sz="1400" dirty="0">
+                          <a:solidFill>
+                            <a:srgbClr val="0000FF"/>
+                          </a:solidFill>
+                        </a:rPr>
+                        <a:t>(</a:t>
+                      </a:r>
+                      <a:r>
+                        <a:rPr lang="en-US" sz="1400" dirty="0" err="1"/>
+                        <a:t>curNS</a:t>
+                      </a:r>
+                      <a:r>
+                        <a:rPr lang="en-US" sz="1400" dirty="0">
+                          <a:solidFill>
+                            <a:srgbClr val="0000FF"/>
+                          </a:solidFill>
+                        </a:rPr>
+                        <a:t>).</a:t>
+                      </a:r>
+                      <a:r>
+                        <a:rPr lang="en-US" sz="1400" dirty="0"/>
+                        <a:t>Dom</a:t>
+                      </a:r>
+                      <a:r>
+                        <a:rPr lang="en-US" sz="1400" dirty="0">
+                          <a:solidFill>
+                            <a:srgbClr val="0000FF"/>
+                          </a:solidFill>
+                        </a:rPr>
+                        <a:t>().</a:t>
+                      </a:r>
+                      <a:r>
+                        <a:rPr lang="en-US" sz="1400" dirty="0"/>
+                        <a:t>First</a:t>
+                      </a:r>
+                      <a:r>
+                        <a:rPr lang="en-US" sz="1400" dirty="0" smtClean="0">
+                          <a:solidFill>
+                            <a:srgbClr val="0000FF"/>
+                          </a:solidFill>
+                        </a:rPr>
+                        <a:t>();</a:t>
+                      </a:r>
+                      <a:endParaRPr lang="ru-RU" sz="1400" dirty="0" smtClean="0">
+                        <a:solidFill>
+                          <a:srgbClr val="0000FF"/>
+                        </a:solidFill>
+                      </a:endParaRPr>
+                    </a:p>
+                    <a:p>
+                      <a:r>
+                        <a:rPr lang="en-US" sz="1400" dirty="0" smtClean="0">
+                          <a:solidFill>
+                            <a:srgbClr val="0000FF"/>
+                          </a:solidFill>
+                        </a:rPr>
+                        <a:t>}</a:t>
+                      </a:r>
+                      <a:endParaRPr lang="ru-RU" sz="1400" dirty="0" smtClean="0">
+                        <a:solidFill>
+                          <a:srgbClr val="0000FF"/>
+                        </a:solidFill>
+                      </a:endParaRPr>
+                    </a:p>
+                    <a:p>
+                      <a:r>
+                        <a:rPr lang="en-US" sz="1400" b="1" dirty="0" smtClean="0">
+                          <a:solidFill>
+                            <a:srgbClr val="0000FF"/>
+                          </a:solidFill>
+                        </a:rPr>
+                        <a:t>public</a:t>
+                      </a:r>
+                      <a:r>
+                        <a:rPr lang="en-US" sz="1400" dirty="0" smtClean="0"/>
+                        <a:t> </a:t>
+                      </a:r>
+                      <a:r>
+                        <a:rPr lang="en-US" sz="1400" b="1" dirty="0">
+                          <a:solidFill>
+                            <a:srgbClr val="0000FF"/>
+                          </a:solidFill>
+                        </a:rPr>
+                        <a:t>void</a:t>
+                      </a:r>
+                      <a:r>
+                        <a:rPr lang="en-US" sz="1400" dirty="0"/>
+                        <a:t> </a:t>
+                      </a:r>
+                      <a:r>
+                        <a:rPr lang="en-US" sz="1400" dirty="0" err="1"/>
+                        <a:t>AddVariable</a:t>
+                      </a:r>
+                      <a:r>
+                        <a:rPr lang="en-US" sz="1400" dirty="0">
+                          <a:solidFill>
+                            <a:srgbClr val="0000FF"/>
+                          </a:solidFill>
+                        </a:rPr>
+                        <a:t>(</a:t>
+                      </a:r>
+                      <a:r>
+                        <a:rPr lang="en-US" sz="1400" b="1" dirty="0">
+                          <a:solidFill>
+                            <a:srgbClr val="0000FF"/>
+                          </a:solidFill>
+                        </a:rPr>
+                        <a:t>string</a:t>
+                      </a:r>
+                      <a:r>
+                        <a:rPr lang="en-US" sz="1400" dirty="0"/>
+                        <a:t> name</a:t>
+                      </a:r>
+                      <a:r>
+                        <a:rPr lang="en-US" sz="1400" dirty="0" smtClean="0">
+                          <a:solidFill>
+                            <a:srgbClr val="0000FF"/>
+                          </a:solidFill>
+                        </a:rPr>
+                        <a:t>)</a:t>
+                      </a:r>
+                      <a:r>
+                        <a:rPr lang="ru-RU" sz="1400" dirty="0" smtClean="0">
+                          <a:solidFill>
+                            <a:srgbClr val="0000FF"/>
+                          </a:solidFill>
+                        </a:rPr>
+                        <a:t> </a:t>
+                      </a:r>
+                      <a:r>
+                        <a:rPr lang="en-US" sz="1400" dirty="0" smtClean="0">
+                          <a:solidFill>
+                            <a:srgbClr val="0000FF"/>
+                          </a:solidFill>
+                        </a:rPr>
+                        <a:t>{</a:t>
+                      </a:r>
+                      <a:endParaRPr lang="ru-RU" sz="1400" dirty="0" smtClean="0">
+                        <a:solidFill>
+                          <a:srgbClr val="0000FF"/>
+                        </a:solidFill>
+                      </a:endParaRPr>
+                    </a:p>
+                    <a:p>
+                      <a:r>
+                        <a:rPr lang="ru-RU" sz="1400" b="1" dirty="0" smtClean="0">
+                          <a:solidFill>
+                            <a:srgbClr val="0000FF"/>
+                          </a:solidFill>
+                        </a:rPr>
+                        <a:t>    </a:t>
+                      </a:r>
+                      <a:r>
+                        <a:rPr lang="en-US" sz="1400" b="1" dirty="0" smtClean="0">
+                          <a:solidFill>
+                            <a:srgbClr val="0000FF"/>
+                          </a:solidFill>
+                        </a:rPr>
+                        <a:t>string</a:t>
+                      </a:r>
+                      <a:r>
+                        <a:rPr lang="en-US" sz="1400" dirty="0" smtClean="0"/>
+                        <a:t> </a:t>
+                      </a:r>
+                      <a:r>
+                        <a:rPr lang="en-US" sz="1400" dirty="0" err="1"/>
+                        <a:t>fullName</a:t>
+                      </a:r>
+                      <a:r>
+                        <a:rPr lang="en-US" sz="1400" dirty="0"/>
+                        <a:t> </a:t>
+                      </a:r>
+                      <a:r>
+                        <a:rPr lang="en-US" sz="1400" dirty="0">
+                          <a:solidFill>
+                            <a:srgbClr val="0000FF"/>
+                          </a:solidFill>
+                        </a:rPr>
+                        <a:t>=</a:t>
+                      </a:r>
+                      <a:r>
+                        <a:rPr lang="en-US" sz="1400" dirty="0"/>
+                        <a:t> </a:t>
+                      </a:r>
+                      <a:r>
+                        <a:rPr lang="en-US" sz="1400" dirty="0" err="1"/>
+                        <a:t>curNS</a:t>
+                      </a:r>
+                      <a:r>
+                        <a:rPr lang="en-US" sz="1400" dirty="0"/>
+                        <a:t> </a:t>
+                      </a:r>
+                      <a:r>
+                        <a:rPr lang="en-US" sz="1400" dirty="0">
+                          <a:solidFill>
+                            <a:srgbClr val="0000FF"/>
+                          </a:solidFill>
+                        </a:rPr>
+                        <a:t>+</a:t>
+                      </a:r>
+                      <a:r>
+                        <a:rPr lang="en-US" sz="1400" dirty="0"/>
+                        <a:t> </a:t>
+                      </a:r>
+                      <a:r>
+                        <a:rPr lang="en-US" sz="1400" dirty="0">
+                          <a:solidFill>
+                            <a:srgbClr val="0000E6"/>
+                          </a:solidFill>
+                        </a:rPr>
+                        <a:t>"."</a:t>
+                      </a:r>
+                      <a:r>
+                        <a:rPr lang="en-US" sz="1400" dirty="0"/>
+                        <a:t> </a:t>
+                      </a:r>
+                      <a:r>
+                        <a:rPr lang="en-US" sz="1400" dirty="0">
+                          <a:solidFill>
+                            <a:srgbClr val="0000FF"/>
+                          </a:solidFill>
+                        </a:rPr>
+                        <a:t>+</a:t>
+                      </a:r>
+                      <a:r>
+                        <a:rPr lang="en-US" sz="1400" dirty="0"/>
+                        <a:t> </a:t>
+                      </a:r>
+                      <a:r>
+                        <a:rPr lang="en-US" sz="1400" dirty="0" smtClean="0"/>
+                        <a:t>name</a:t>
+                      </a:r>
+                      <a:r>
+                        <a:rPr lang="en-US" sz="1400" dirty="0" smtClean="0">
+                          <a:solidFill>
+                            <a:srgbClr val="0000FF"/>
+                          </a:solidFill>
+                        </a:rPr>
+                        <a:t>;</a:t>
+                      </a:r>
+                      <a:endParaRPr lang="ru-RU" sz="1400" dirty="0" smtClean="0">
+                        <a:solidFill>
+                          <a:srgbClr val="0000FF"/>
+                        </a:solidFill>
+                      </a:endParaRPr>
+                    </a:p>
+                    <a:p>
+                      <a:r>
+                        <a:rPr lang="ru-RU" sz="1400" dirty="0" smtClean="0">
+                          <a:solidFill>
+                            <a:srgbClr val="0000FF"/>
+                          </a:solidFill>
+                        </a:rPr>
+                        <a:t>    </a:t>
+                      </a:r>
+                      <a:r>
+                        <a:rPr lang="en-US" sz="1400" dirty="0" err="1" smtClean="0"/>
+                        <a:t>program</a:t>
+                      </a:r>
+                      <a:r>
+                        <a:rPr lang="en-US" sz="1400" dirty="0" err="1" smtClean="0">
+                          <a:solidFill>
+                            <a:srgbClr val="0000FF"/>
+                          </a:solidFill>
+                        </a:rPr>
+                        <a:t>.</a:t>
+                      </a:r>
+                      <a:r>
+                        <a:rPr lang="en-US" sz="1400" dirty="0" err="1" smtClean="0"/>
+                        <a:t>VariablesElems</a:t>
+                      </a:r>
+                      <a:r>
+                        <a:rPr lang="en-US" sz="1400" dirty="0" err="1" smtClean="0">
+                          <a:solidFill>
+                            <a:srgbClr val="0000FF"/>
+                          </a:solidFill>
+                        </a:rPr>
+                        <a:t>.</a:t>
+                      </a:r>
+                      <a:r>
+                        <a:rPr lang="en-US" sz="1400" dirty="0" err="1" smtClean="0"/>
+                        <a:t>Add</a:t>
+                      </a:r>
+                      <a:r>
+                        <a:rPr lang="en-US" sz="1400" dirty="0" smtClean="0">
+                          <a:solidFill>
+                            <a:srgbClr val="0000FF"/>
+                          </a:solidFill>
+                        </a:rPr>
+                        <a:t>(</a:t>
+                      </a:r>
+                      <a:r>
+                        <a:rPr lang="en-US" sz="1400" dirty="0" err="1" smtClean="0"/>
+                        <a:t>fullName</a:t>
+                      </a:r>
+                      <a:r>
+                        <a:rPr lang="en-US" sz="1400" dirty="0" smtClean="0">
+                          <a:solidFill>
+                            <a:srgbClr val="0000FF"/>
+                          </a:solidFill>
+                        </a:rPr>
+                        <a:t>);</a:t>
+                      </a:r>
+                      <a:endParaRPr lang="ru-RU" sz="1400" dirty="0" smtClean="0">
+                        <a:solidFill>
+                          <a:srgbClr val="0000FF"/>
+                        </a:solidFill>
+                      </a:endParaRPr>
+                    </a:p>
+                    <a:p>
+                      <a:r>
+                        <a:rPr lang="ru-RU" sz="1400" dirty="0" smtClean="0">
+                          <a:solidFill>
+                            <a:srgbClr val="0000FF"/>
+                          </a:solidFill>
+                        </a:rPr>
+                        <a:t>    </a:t>
+                      </a:r>
+                      <a:r>
+                        <a:rPr lang="en-US" sz="1400" dirty="0" err="1" smtClean="0"/>
+                        <a:t>program</a:t>
+                      </a:r>
+                      <a:r>
+                        <a:rPr lang="en-US" sz="1400" dirty="0" err="1" smtClean="0">
+                          <a:solidFill>
+                            <a:srgbClr val="0000FF"/>
+                          </a:solidFill>
+                        </a:rPr>
+                        <a:t>.</a:t>
+                      </a:r>
+                      <a:r>
+                        <a:rPr lang="en-US" sz="1400" dirty="0" err="1" smtClean="0"/>
+                        <a:t>VariablesElems</a:t>
+                      </a:r>
+                      <a:r>
+                        <a:rPr lang="en-US" sz="1400" dirty="0" err="1" smtClean="0">
+                          <a:solidFill>
+                            <a:srgbClr val="0000FF"/>
+                          </a:solidFill>
+                        </a:rPr>
+                        <a:t>.</a:t>
+                      </a:r>
+                      <a:r>
+                        <a:rPr lang="en-US" sz="1400" dirty="0" err="1" smtClean="0"/>
+                        <a:t>Add</a:t>
+                      </a:r>
+                      <a:r>
+                        <a:rPr lang="en-US" sz="1400" dirty="0" smtClean="0">
+                          <a:solidFill>
+                            <a:srgbClr val="0000FF"/>
+                          </a:solidFill>
+                        </a:rPr>
+                        <a:t>(</a:t>
+                      </a:r>
+                      <a:r>
+                        <a:rPr lang="en-US" sz="1400" dirty="0" smtClean="0"/>
+                        <a:t>name</a:t>
+                      </a:r>
+                      <a:r>
+                        <a:rPr lang="en-US" sz="1400" dirty="0" smtClean="0">
+                          <a:solidFill>
+                            <a:srgbClr val="0000FF"/>
+                          </a:solidFill>
+                        </a:rPr>
+                        <a:t>);</a:t>
+                      </a:r>
+                      <a:endParaRPr lang="ru-RU" sz="1400" dirty="0" smtClean="0">
+                        <a:solidFill>
+                          <a:srgbClr val="0000FF"/>
+                        </a:solidFill>
+                      </a:endParaRPr>
+                    </a:p>
+                    <a:p>
+                      <a:r>
+                        <a:rPr lang="ru-RU" sz="1400" baseline="0" dirty="0" smtClean="0">
+                          <a:solidFill>
+                            <a:srgbClr val="0000FF"/>
+                          </a:solidFill>
+                        </a:rPr>
+                        <a:t>    </a:t>
+                      </a:r>
+                      <a:r>
+                        <a:rPr lang="en-US" sz="1400" dirty="0" err="1" smtClean="0"/>
+                        <a:t>program</a:t>
+                      </a:r>
+                      <a:r>
+                        <a:rPr lang="en-US" sz="1400" dirty="0" err="1" smtClean="0">
+                          <a:solidFill>
+                            <a:srgbClr val="0000FF"/>
+                          </a:solidFill>
+                        </a:rPr>
+                        <a:t>.</a:t>
+                      </a:r>
+                      <a:r>
+                        <a:rPr lang="en-US" sz="1400" dirty="0" err="1" smtClean="0"/>
+                        <a:t>PartialNamesRel</a:t>
+                      </a:r>
+                      <a:r>
+                        <a:rPr lang="en-US" sz="1400" dirty="0" err="1" smtClean="0">
+                          <a:solidFill>
+                            <a:srgbClr val="0000FF"/>
+                          </a:solidFill>
+                        </a:rPr>
+                        <a:t>.</a:t>
+                      </a:r>
+                      <a:r>
+                        <a:rPr lang="en-US" sz="1400" dirty="0" err="1" smtClean="0"/>
+                        <a:t>AddRelation</a:t>
+                      </a:r>
+                      <a:r>
+                        <a:rPr lang="en-US" sz="1400" dirty="0" smtClean="0">
+                          <a:solidFill>
+                            <a:srgbClr val="0000FF"/>
+                          </a:solidFill>
+                        </a:rPr>
+                        <a:t>(</a:t>
+                      </a:r>
+                      <a:r>
+                        <a:rPr lang="en-US" sz="1400" dirty="0" smtClean="0"/>
+                        <a:t>name</a:t>
+                      </a:r>
+                      <a:r>
+                        <a:rPr lang="en-US" sz="1400" dirty="0">
+                          <a:solidFill>
+                            <a:srgbClr val="0000FF"/>
+                          </a:solidFill>
+                        </a:rPr>
+                        <a:t>,</a:t>
+                      </a:r>
+                      <a:r>
+                        <a:rPr lang="en-US" sz="1400" dirty="0"/>
+                        <a:t> </a:t>
+                      </a:r>
+                      <a:r>
+                        <a:rPr lang="en-US" sz="1400" dirty="0" err="1"/>
+                        <a:t>fullName</a:t>
+                      </a:r>
+                      <a:r>
+                        <a:rPr lang="en-US" sz="1400" dirty="0" smtClean="0">
+                          <a:solidFill>
+                            <a:srgbClr val="0000FF"/>
+                          </a:solidFill>
+                        </a:rPr>
+                        <a:t>);</a:t>
+                      </a:r>
+                      <a:endParaRPr lang="ru-RU" sz="1400" dirty="0" smtClean="0"/>
+                    </a:p>
+                    <a:p>
+                      <a:r>
+                        <a:rPr lang="ru-RU" sz="1400" dirty="0" smtClean="0"/>
+                        <a:t>    </a:t>
+                      </a:r>
+                      <a:r>
+                        <a:rPr lang="en-US" sz="1400" dirty="0" err="1" smtClean="0"/>
+                        <a:t>program</a:t>
+                      </a:r>
+                      <a:r>
+                        <a:rPr lang="en-US" sz="1400" dirty="0" err="1" smtClean="0">
+                          <a:solidFill>
+                            <a:srgbClr val="0000FF"/>
+                          </a:solidFill>
+                        </a:rPr>
+                        <a:t>.</a:t>
+                      </a:r>
+                      <a:r>
+                        <a:rPr lang="en-US" sz="1400" dirty="0" err="1" smtClean="0"/>
+                        <a:t>DeclaresRel</a:t>
+                      </a:r>
+                      <a:r>
+                        <a:rPr lang="en-US" sz="1400" dirty="0" err="1" smtClean="0">
+                          <a:solidFill>
+                            <a:srgbClr val="0000FF"/>
+                          </a:solidFill>
+                        </a:rPr>
+                        <a:t>.</a:t>
+                      </a:r>
+                      <a:r>
+                        <a:rPr lang="en-US" sz="1400" dirty="0" err="1" smtClean="0"/>
+                        <a:t>AddRelation</a:t>
+                      </a:r>
+                      <a:r>
+                        <a:rPr lang="en-US" sz="1400" dirty="0" smtClean="0">
+                          <a:solidFill>
+                            <a:srgbClr val="0000FF"/>
+                          </a:solidFill>
+                        </a:rPr>
+                        <a:t>(</a:t>
+                      </a:r>
+                      <a:r>
+                        <a:rPr lang="en-US" sz="1400" dirty="0" err="1" smtClean="0"/>
+                        <a:t>curNS</a:t>
+                      </a:r>
+                      <a:r>
+                        <a:rPr lang="en-US" sz="1400" dirty="0">
+                          <a:solidFill>
+                            <a:srgbClr val="0000FF"/>
+                          </a:solidFill>
+                        </a:rPr>
+                        <a:t>,</a:t>
+                      </a:r>
+                      <a:r>
+                        <a:rPr lang="en-US" sz="1400" dirty="0"/>
+                        <a:t> </a:t>
+                      </a:r>
+                      <a:r>
+                        <a:rPr lang="en-US" sz="1400" dirty="0" err="1"/>
+                        <a:t>fullName</a:t>
+                      </a:r>
+                      <a:r>
+                        <a:rPr lang="en-US" sz="1400" dirty="0" smtClean="0">
+                          <a:solidFill>
+                            <a:srgbClr val="0000FF"/>
+                          </a:solidFill>
+                        </a:rPr>
+                        <a:t>);</a:t>
+                      </a:r>
+                      <a:endParaRPr lang="ru-RU" sz="1400" dirty="0" smtClean="0">
+                        <a:solidFill>
+                          <a:srgbClr val="0000FF"/>
+                        </a:solidFill>
+                      </a:endParaRPr>
+                    </a:p>
+                    <a:p>
+                      <a:r>
+                        <a:rPr lang="en-US" sz="1400" dirty="0" smtClean="0">
+                          <a:solidFill>
+                            <a:srgbClr val="0000FF"/>
+                          </a:solidFill>
+                        </a:rPr>
+                        <a:t>}</a:t>
+                      </a:r>
+                      <a:r>
+                        <a:rPr lang="en-US" sz="1400" dirty="0" smtClean="0"/>
+                        <a:t> </a:t>
+                      </a:r>
+                      <a:endParaRPr lang="en-US" sz="1400" dirty="0"/>
+                    </a:p>
+                  </a:txBody>
+                  <a:tcPr marL="88348" marR="88348" marT="44174" marB="44174">
+                    <a:lnL>
+                      <a:noFill/>
+                    </a:lnL>
+                    <a:lnR>
+                      <a:noFill/>
+                    </a:lnR>
+                    <a:lnT>
+                      <a:noFill/>
+                    </a:lnT>
+                    <a:lnB>
+                      <a:noFill/>
+                    </a:lnB>
+                  </a:tcPr>
+                </a:tc>
+              </a:tr>
+            </a:tbl>
+          </a:graphicData>
+        </a:graphic>
+      </p:graphicFrame>
+      <p:sp>
+        <p:nvSpPr>
+          <p:cNvPr id="5122" name="Rectangle 2"/>
+          <p:cNvSpPr>
+            <a:spLocks noChangeArrowheads="1"/>
+          </p:cNvSpPr>
+          <p:nvPr/>
+        </p:nvSpPr>
+        <p:spPr bwMode="auto">
+          <a:xfrm>
+            <a:off x="0" y="0"/>
+            <a:ext cx="9144000" cy="0"/>
+          </a:xfrm>
+          <a:prstGeom prst="rect">
+            <a:avLst/>
+          </a:prstGeom>
+          <a:noFill/>
+          <a:ln w="9525">
+            <a:noFill/>
+            <a:miter lim="800000"/>
+            <a:headEnd/>
+            <a:tailEnd/>
+          </a:ln>
+          <a:effectLst/>
+        </p:spPr>
+        <p:txBody>
+          <a:bodyPr vert="horz" wrap="none" lIns="91440" tIns="45720" rIns="91440" bIns="45720" numCol="1" anchor="ctr" anchorCtr="0" compatLnSpc="1">
+            <a:prstTxWarp prst="textNoShape">
+              <a:avLst/>
+            </a:prstTxWarp>
+            <a:spAutoFit/>
+          </a:bodyPr>
+          <a:lstStyle/>
+          <a:p>
+            <a:pPr marL="0" marR="0" lvl="0" indent="0" algn="l" defTabSz="914400" rtl="0" eaLnBrk="1" fontAlgn="base" latinLnBrk="0" hangingPunct="1">
+              <a:lnSpc>
+                <a:spcPct val="100000"/>
+              </a:lnSpc>
+              <a:spcBef>
+                <a:spcPct val="0"/>
+              </a:spcBef>
+              <a:spcAft>
+                <a:spcPct val="0"/>
+              </a:spcAft>
+              <a:buClrTx/>
+              <a:buSzTx/>
+              <a:buFontTx/>
+              <a:buNone/>
+              <a:tabLst/>
+            </a:pPr>
+            <a:r>
+              <a:rPr kumimoji="0" lang="ru-RU" sz="1800" b="0" i="0" u="none" strike="noStrike" cap="none" normalizeH="0" baseline="0" smtClean="0">
+                <a:ln>
+                  <a:noFill/>
+                </a:ln>
+                <a:solidFill>
+                  <a:schemeClr val="tx1"/>
+                </a:solidFill>
+                <a:effectLst/>
+                <a:latin typeface="Arial" pitchFamily="34" charset="0"/>
+                <a:cs typeface="Arial" pitchFamily="34" charset="0"/>
+              </a:rPr>
+              <a:t/>
+            </a:r>
+            <a:br>
+              <a:rPr kumimoji="0" lang="ru-RU" sz="1800" b="0" i="0" u="none" strike="noStrike" cap="none" normalizeH="0" baseline="0" smtClean="0">
+                <a:ln>
+                  <a:noFill/>
+                </a:ln>
+                <a:solidFill>
+                  <a:schemeClr val="tx1"/>
+                </a:solidFill>
+                <a:effectLst/>
+                <a:latin typeface="Arial" pitchFamily="34" charset="0"/>
+                <a:cs typeface="Arial" pitchFamily="34" charset="0"/>
+              </a:rPr>
+            </a:br>
+            <a:endParaRPr kumimoji="0" lang="ru-RU" sz="1800" b="0" i="0" u="none" strike="noStrike" cap="none" normalizeH="0" baseline="0" smtClean="0">
+              <a:ln>
+                <a:noFill/>
+              </a:ln>
+              <a:solidFill>
+                <a:schemeClr val="tx1"/>
+              </a:solidFill>
+              <a:effectLst/>
+              <a:latin typeface="Arial" pitchFamily="34" charset="0"/>
+              <a:cs typeface="Arial" pitchFamily="34" charset="0"/>
+            </a:endParaRPr>
+          </a:p>
+        </p:txBody>
+      </p:sp>
+    </p:spTree>
+  </p:cSld>
+  <p:clrMapOvr>
+    <a:masterClrMapping/>
+  </p:clrMapOvr>
+  <p:timing>
+    <p:tnLst>
+      <p:par>
+        <p:cTn id="1" dur="indefinite" restart="never" nodeType="tmRoot"/>
+      </p:par>
+    </p:tnLst>
+  </p:timing>
+</p:sld>
+</file>
+
+<file path=ppt/slides/slide19.xml><?xml version="1.0" encoding="utf-8"?>
+<p:sld xmlns:a="http://schemas.openxmlformats.org/drawingml/2006/main" xmlns:r="http://schemas.openxmlformats.org/officeDocument/2006/relationships" xmlns:p="http://schemas.openxmlformats.org/presentationml/2006/main">
+  <p:cSld>
+    <p:spTree>
+      <p:nvGrpSpPr>
+        <p:cNvPr id="1" name=""/>
+        <p:cNvGrpSpPr/>
+        <p:nvPr/>
+      </p:nvGrpSpPr>
+      <p:grpSpPr>
+        <a:xfrm>
+          <a:off x="0" y="0"/>
+          <a:ext cx="0" cy="0"/>
+          <a:chOff x="0" y="0"/>
+          <a:chExt cx="0" cy="0"/>
+        </a:xfrm>
+      </p:grpSpPr>
+      <p:sp>
+        <p:nvSpPr>
+          <p:cNvPr id="2" name="Заголовок 1"/>
+          <p:cNvSpPr>
+            <a:spLocks noGrp="1"/>
+          </p:cNvSpPr>
+          <p:nvPr>
+            <p:ph type="title"/>
+          </p:nvPr>
+        </p:nvSpPr>
+        <p:spPr/>
+        <p:txBody>
+          <a:bodyPr/>
+          <a:lstStyle/>
+          <a:p>
+            <a:r>
+              <a:rPr lang="ru-RU" dirty="0" smtClean="0"/>
+              <a:t>Результаты работы</a:t>
             </a:r>
             <a:endParaRPr lang="ru-RU" dirty="0"/>
           </a:p>
@@ -23975,142 +28238,31 @@
           <a:bodyPr/>
           <a:lstStyle/>
           <a:p>
-            <a:pPr lvl="0"/>
-            <a:r>
-              <a:rPr lang="en-US" dirty="0" smtClean="0"/>
-              <a:t>Alfred V. </a:t>
-            </a:r>
-            <a:r>
-              <a:rPr lang="en-US" dirty="0" err="1" smtClean="0"/>
-              <a:t>Aho</a:t>
-            </a:r>
-            <a:r>
-              <a:rPr lang="en-US" dirty="0" smtClean="0"/>
-              <a:t>, Monica S. Lam, Ravi </a:t>
-            </a:r>
-            <a:r>
-              <a:rPr lang="en-US" dirty="0" err="1" smtClean="0"/>
-              <a:t>Sethi</a:t>
-            </a:r>
-            <a:r>
-              <a:rPr lang="en-US" dirty="0" smtClean="0"/>
-              <a:t>, and Jeffrey D. </a:t>
-            </a:r>
-            <a:r>
-              <a:rPr lang="en-US" dirty="0" err="1" smtClean="0"/>
-              <a:t>Ullman</a:t>
-            </a:r>
-            <a:r>
-              <a:rPr lang="en-US" dirty="0" smtClean="0"/>
-              <a:t>. </a:t>
-            </a:r>
-            <a:r>
-              <a:rPr lang="ru-RU" dirty="0" err="1" smtClean="0"/>
-              <a:t>Compilers</a:t>
-            </a:r>
-            <a:r>
-              <a:rPr lang="ru-RU" dirty="0" smtClean="0"/>
-              <a:t>: </a:t>
-            </a:r>
-            <a:r>
-              <a:rPr lang="ru-RU" dirty="0" err="1" smtClean="0"/>
-              <a:t>Principles</a:t>
-            </a:r>
-            <a:r>
-              <a:rPr lang="ru-RU" dirty="0" smtClean="0"/>
-              <a:t>, </a:t>
-            </a:r>
-            <a:r>
-              <a:rPr lang="ru-RU" dirty="0" err="1" smtClean="0"/>
-              <a:t>Techniques</a:t>
-            </a:r>
-            <a:r>
-              <a:rPr lang="ru-RU" dirty="0" smtClean="0"/>
-              <a:t>, </a:t>
-            </a:r>
-            <a:r>
-              <a:rPr lang="ru-RU" dirty="0" err="1" smtClean="0"/>
-              <a:t>and</a:t>
-            </a:r>
-            <a:r>
-              <a:rPr lang="ru-RU" dirty="0" smtClean="0"/>
-              <a:t> </a:t>
-            </a:r>
-            <a:r>
-              <a:rPr lang="ru-RU" dirty="0" err="1" smtClean="0"/>
-              <a:t>Tools</a:t>
-            </a:r>
-            <a:r>
-              <a:rPr lang="ru-RU" dirty="0" smtClean="0"/>
-              <a:t>, </a:t>
-            </a:r>
-            <a:r>
-              <a:rPr lang="ru-RU" dirty="0" err="1" smtClean="0"/>
-              <a:t>Second</a:t>
-            </a:r>
-            <a:r>
-              <a:rPr lang="ru-RU" dirty="0" smtClean="0"/>
-              <a:t> </a:t>
-            </a:r>
-            <a:r>
-              <a:rPr lang="ru-RU" dirty="0" err="1" smtClean="0"/>
-              <a:t>Edition</a:t>
-            </a:r>
-            <a:r>
-              <a:rPr lang="ru-RU" dirty="0" smtClean="0"/>
-              <a:t>. </a:t>
-            </a:r>
-            <a:r>
-              <a:rPr lang="en-US" dirty="0" smtClean="0"/>
-              <a:t>2006.</a:t>
-            </a:r>
-            <a:endParaRPr lang="ru-RU" dirty="0" smtClean="0"/>
+            <a:r>
+              <a:rPr lang="ru-RU" sz="2400" dirty="0" smtClean="0"/>
+              <a:t>Выделены основные семантические элементы и отношения</a:t>
+            </a:r>
           </a:p>
           <a:p>
-            <a:pPr lvl="0"/>
-            <a:r>
-              <a:rPr lang="en-US" dirty="0" smtClean="0">
-                <a:hlinkClick r:id="rId2"/>
-              </a:rPr>
-              <a:t>Martin P. </a:t>
-            </a:r>
-            <a:r>
-              <a:rPr lang="en-US" dirty="0" err="1" smtClean="0">
-                <a:hlinkClick r:id="rId2"/>
-              </a:rPr>
-              <a:t>Robillard</a:t>
-            </a:r>
-            <a:r>
-              <a:rPr lang="en-US" dirty="0" smtClean="0">
-                <a:hlinkClick r:id="rId2"/>
-              </a:rPr>
-              <a:t>. </a:t>
-            </a:r>
-            <a:r>
-              <a:rPr lang="en-US" dirty="0" smtClean="0">
-                <a:hlinkClick r:id="rId2"/>
-              </a:rPr>
-              <a:t>Representing Concerns in Source Code</a:t>
-            </a:r>
-            <a:r>
-              <a:rPr lang="en-US" dirty="0" smtClean="0">
-                <a:hlinkClick r:id="rId2"/>
-              </a:rPr>
-              <a:t>. </a:t>
-            </a:r>
-            <a:r>
-              <a:rPr lang="en-US" dirty="0" smtClean="0">
-                <a:hlinkClick r:id="rId2"/>
-              </a:rPr>
-              <a:t>2003.</a:t>
-            </a:r>
-            <a:endParaRPr lang="ru-RU" dirty="0" smtClean="0"/>
+            <a:r>
+              <a:rPr lang="ru-RU" sz="2400" dirty="0" smtClean="0"/>
+              <a:t>Найдена оптимальная модель хранения и взаимодействия с легковесной семантической информации</a:t>
+            </a:r>
           </a:p>
           <a:p>
-            <a:pPr>
-              <a:buNone/>
-            </a:pPr>
-            <a:endParaRPr lang="ru-RU" dirty="0"/>
+            <a:r>
+              <a:rPr lang="ru-RU" sz="2400" dirty="0" smtClean="0"/>
+              <a:t>Реализовано </a:t>
+            </a:r>
+            <a:r>
+              <a:rPr lang="en-US" sz="2400" dirty="0" smtClean="0"/>
+              <a:t>API </a:t>
+            </a:r>
+            <a:r>
+              <a:rPr lang="ru-RU" sz="2400" dirty="0" smtClean="0"/>
+              <a:t>для манипулирования легковесной семантикой и решения наиболее распространённых задач на этапе преобразования синтаксического дерева в семантическое</a:t>
+            </a:r>
+            <a:endParaRPr lang="ru-RU" sz="2400" dirty="0"/>
           </a:p>
         </p:txBody>
       </p:sp>
@@ -24214,12 +28366,292 @@
             </a:r>
             <a:r>
               <a:rPr lang="en-US" sz="2400" dirty="0"/>
-              <a:t> API </a:t>
+              <a:t> </a:t>
+            </a:r>
+            <a:r>
+              <a:rPr lang="en-US" sz="2400" dirty="0" smtClean="0"/>
+              <a:t> </a:t>
             </a:r>
             <a:r>
               <a:rPr lang="ru-RU" sz="2400" dirty="0"/>
               <a:t>для манипулирования легковесной семантикой и решения наиболее распространённых задач на этапе преобразования синтаксического дерева в семантическое</a:t>
             </a:r>
+          </a:p>
+        </p:txBody>
+      </p:sp>
+    </p:spTree>
+  </p:cSld>
+  <p:clrMapOvr>
+    <a:masterClrMapping/>
+  </p:clrMapOvr>
+  <p:timing>
+    <p:tnLst>
+      <p:par>
+        <p:cTn id="1" dur="indefinite" restart="never" nodeType="tmRoot"/>
+      </p:par>
+    </p:tnLst>
+  </p:timing>
+</p:sld>
+</file>
+
+<file path=ppt/slides/slide20.xml><?xml version="1.0" encoding="utf-8"?>
+<p:sld xmlns:a="http://schemas.openxmlformats.org/drawingml/2006/main" xmlns:r="http://schemas.openxmlformats.org/officeDocument/2006/relationships" xmlns:p="http://schemas.openxmlformats.org/presentationml/2006/main">
+  <p:cSld>
+    <p:spTree>
+      <p:nvGrpSpPr>
+        <p:cNvPr id="1" name=""/>
+        <p:cNvGrpSpPr/>
+        <p:nvPr/>
+      </p:nvGrpSpPr>
+      <p:grpSpPr>
+        <a:xfrm>
+          <a:off x="0" y="0"/>
+          <a:ext cx="0" cy="0"/>
+          <a:chOff x="0" y="0"/>
+          <a:chExt cx="0" cy="0"/>
+        </a:xfrm>
+      </p:grpSpPr>
+      <p:sp>
+        <p:nvSpPr>
+          <p:cNvPr id="2" name="Заголовок 1"/>
+          <p:cNvSpPr>
+            <a:spLocks noGrp="1"/>
+          </p:cNvSpPr>
+          <p:nvPr>
+            <p:ph type="title"/>
+          </p:nvPr>
+        </p:nvSpPr>
+        <p:spPr/>
+        <p:txBody>
+          <a:bodyPr/>
+          <a:lstStyle/>
+          <a:p>
+            <a:r>
+              <a:rPr lang="ru-RU" dirty="0" smtClean="0"/>
+              <a:t>Ссылка на материалы работы</a:t>
+            </a:r>
+            <a:endParaRPr lang="ru-RU" dirty="0"/>
+          </a:p>
+        </p:txBody>
+      </p:sp>
+      <p:sp>
+        <p:nvSpPr>
+          <p:cNvPr id="3" name="Содержимое 2"/>
+          <p:cNvSpPr>
+            <a:spLocks noGrp="1"/>
+          </p:cNvSpPr>
+          <p:nvPr>
+            <p:ph idx="1"/>
+          </p:nvPr>
+        </p:nvSpPr>
+        <p:spPr>
+          <a:xfrm>
+            <a:off x="1500188" y="2714621"/>
+            <a:ext cx="7491412" cy="1714512"/>
+          </a:xfrm>
+        </p:spPr>
+        <p:txBody>
+          <a:bodyPr/>
+          <a:lstStyle/>
+          <a:p>
+            <a:r>
+              <a:rPr lang="en-US" dirty="0" smtClean="0">
+                <a:hlinkClick r:id="rId2"/>
+              </a:rPr>
+              <a:t>https://github.com/voloshinbogdan/LightSemantic</a:t>
+            </a:r>
+            <a:endParaRPr lang="ru-RU" dirty="0"/>
+          </a:p>
+        </p:txBody>
+      </p:sp>
+    </p:spTree>
+  </p:cSld>
+  <p:clrMapOvr>
+    <a:masterClrMapping/>
+  </p:clrMapOvr>
+  <p:timing>
+    <p:tnLst>
+      <p:par>
+        <p:cTn id="1" dur="indefinite" restart="never" nodeType="tmRoot"/>
+      </p:par>
+    </p:tnLst>
+  </p:timing>
+</p:sld>
+</file>
+
+<file path=ppt/slides/slide21.xml><?xml version="1.0" encoding="utf-8"?>
+<p:sld xmlns:a="http://schemas.openxmlformats.org/drawingml/2006/main" xmlns:r="http://schemas.openxmlformats.org/officeDocument/2006/relationships" xmlns:p="http://schemas.openxmlformats.org/presentationml/2006/main">
+  <p:cSld>
+    <p:spTree>
+      <p:nvGrpSpPr>
+        <p:cNvPr id="1" name=""/>
+        <p:cNvGrpSpPr/>
+        <p:nvPr/>
+      </p:nvGrpSpPr>
+      <p:grpSpPr>
+        <a:xfrm>
+          <a:off x="0" y="0"/>
+          <a:ext cx="0" cy="0"/>
+          <a:chOff x="0" y="0"/>
+          <a:chExt cx="0" cy="0"/>
+        </a:xfrm>
+      </p:grpSpPr>
+      <p:sp>
+        <p:nvSpPr>
+          <p:cNvPr id="2" name="Заголовок 1"/>
+          <p:cNvSpPr>
+            <a:spLocks noGrp="1"/>
+          </p:cNvSpPr>
+          <p:nvPr>
+            <p:ph type="title"/>
+          </p:nvPr>
+        </p:nvSpPr>
+        <p:spPr/>
+        <p:txBody>
+          <a:bodyPr/>
+          <a:lstStyle/>
+          <a:p>
+            <a:r>
+              <a:rPr lang="ru-RU" dirty="0" smtClean="0"/>
+              <a:t>Список литературы</a:t>
+            </a:r>
+            <a:endParaRPr lang="ru-RU" dirty="0"/>
+          </a:p>
+        </p:txBody>
+      </p:sp>
+      <p:sp>
+        <p:nvSpPr>
+          <p:cNvPr id="3" name="Содержимое 2"/>
+          <p:cNvSpPr>
+            <a:spLocks noGrp="1"/>
+          </p:cNvSpPr>
+          <p:nvPr>
+            <p:ph idx="1"/>
+          </p:nvPr>
+        </p:nvSpPr>
+        <p:spPr/>
+        <p:txBody>
+          <a:bodyPr/>
+          <a:lstStyle/>
+          <a:p>
+            <a:pPr lvl="0"/>
+            <a:r>
+              <a:rPr lang="en-US" dirty="0" smtClean="0"/>
+              <a:t>Alfred V. </a:t>
+            </a:r>
+            <a:r>
+              <a:rPr lang="en-US" dirty="0" err="1" smtClean="0"/>
+              <a:t>Aho</a:t>
+            </a:r>
+            <a:r>
+              <a:rPr lang="en-US" dirty="0" smtClean="0"/>
+              <a:t>, Monica S. Lam, Ravi </a:t>
+            </a:r>
+            <a:r>
+              <a:rPr lang="en-US" dirty="0" err="1" smtClean="0"/>
+              <a:t>Sethi</a:t>
+            </a:r>
+            <a:r>
+              <a:rPr lang="en-US" dirty="0" smtClean="0"/>
+              <a:t>, and Jeffrey D. </a:t>
+            </a:r>
+            <a:r>
+              <a:rPr lang="en-US" dirty="0" err="1" smtClean="0"/>
+              <a:t>Ullman</a:t>
+            </a:r>
+            <a:r>
+              <a:rPr lang="en-US" dirty="0" smtClean="0"/>
+              <a:t>. </a:t>
+            </a:r>
+            <a:r>
+              <a:rPr lang="ru-RU" dirty="0" err="1" smtClean="0"/>
+              <a:t>Compilers</a:t>
+            </a:r>
+            <a:r>
+              <a:rPr lang="ru-RU" dirty="0" smtClean="0"/>
+              <a:t>: </a:t>
+            </a:r>
+            <a:r>
+              <a:rPr lang="ru-RU" dirty="0" err="1" smtClean="0"/>
+              <a:t>Principles</a:t>
+            </a:r>
+            <a:r>
+              <a:rPr lang="ru-RU" dirty="0" smtClean="0"/>
+              <a:t>, </a:t>
+            </a:r>
+            <a:r>
+              <a:rPr lang="ru-RU" dirty="0" err="1" smtClean="0"/>
+              <a:t>Techniques</a:t>
+            </a:r>
+            <a:r>
+              <a:rPr lang="ru-RU" dirty="0" smtClean="0"/>
+              <a:t>, </a:t>
+            </a:r>
+            <a:r>
+              <a:rPr lang="ru-RU" dirty="0" err="1" smtClean="0"/>
+              <a:t>and</a:t>
+            </a:r>
+            <a:r>
+              <a:rPr lang="ru-RU" dirty="0" smtClean="0"/>
+              <a:t> </a:t>
+            </a:r>
+            <a:r>
+              <a:rPr lang="ru-RU" dirty="0" err="1" smtClean="0"/>
+              <a:t>Tools</a:t>
+            </a:r>
+            <a:r>
+              <a:rPr lang="ru-RU" dirty="0" smtClean="0"/>
+              <a:t>, </a:t>
+            </a:r>
+            <a:r>
+              <a:rPr lang="ru-RU" dirty="0" err="1" smtClean="0"/>
+              <a:t>Second</a:t>
+            </a:r>
+            <a:r>
+              <a:rPr lang="ru-RU" dirty="0" smtClean="0"/>
+              <a:t> </a:t>
+            </a:r>
+            <a:r>
+              <a:rPr lang="ru-RU" dirty="0" err="1" smtClean="0"/>
+              <a:t>Edition</a:t>
+            </a:r>
+            <a:r>
+              <a:rPr lang="ru-RU" dirty="0" smtClean="0"/>
+              <a:t>. </a:t>
+            </a:r>
+            <a:r>
+              <a:rPr lang="en-US" dirty="0" smtClean="0"/>
+              <a:t>2006.</a:t>
+            </a:r>
+            <a:endParaRPr lang="ru-RU" dirty="0" smtClean="0"/>
+          </a:p>
+          <a:p>
+            <a:pPr lvl="0"/>
+            <a:r>
+              <a:rPr lang="en-US" dirty="0" smtClean="0">
+                <a:hlinkClick r:id="rId2"/>
+              </a:rPr>
+              <a:t>Martin P. </a:t>
+            </a:r>
+            <a:r>
+              <a:rPr lang="en-US" dirty="0" err="1" smtClean="0">
+                <a:hlinkClick r:id="rId2"/>
+              </a:rPr>
+              <a:t>Robillard</a:t>
+            </a:r>
+            <a:r>
+              <a:rPr lang="en-US" dirty="0" smtClean="0">
+                <a:hlinkClick r:id="rId2"/>
+              </a:rPr>
+              <a:t>. Representing Concerns in Source Code. 2003.</a:t>
+            </a:r>
+            <a:endParaRPr lang="ru-RU" dirty="0" smtClean="0"/>
+          </a:p>
+          <a:p>
+            <a:pPr>
+              <a:buNone/>
+            </a:pPr>
+            <a:endParaRPr lang="ru-RU" dirty="0"/>
           </a:p>
         </p:txBody>
       </p:sp>
@@ -24417,16 +28849,6 @@
               </a:rPr>
               <a:t>Лексический анализ</a:t>
             </a:r>
-            <a:endParaRPr kumimoji="0" lang="ru-RU" sz="1400" b="0" i="0" u="none" strike="noStrike" cap="none" normalizeH="0" baseline="0" dirty="0" smtClean="0">
-              <a:ln>
-                <a:noFill/>
-              </a:ln>
-              <a:solidFill>
-                <a:schemeClr val="tx1"/>
-              </a:solidFill>
-              <a:effectLst/>
-              <a:latin typeface="Times New Roman" charset="0"/>
-            </a:endParaRPr>
           </a:p>
         </p:txBody>
       </p:sp>
@@ -24500,16 +28922,6 @@
               </a:rPr>
               <a:t>Синтаксический анализ</a:t>
             </a:r>
-            <a:endParaRPr kumimoji="0" lang="ru-RU" sz="1400" b="0" i="0" u="none" strike="noStrike" cap="none" normalizeH="0" baseline="0" dirty="0" smtClean="0">
-              <a:ln>
-                <a:noFill/>
-              </a:ln>
-              <a:solidFill>
-                <a:schemeClr val="tx1"/>
-              </a:solidFill>
-              <a:effectLst/>
-              <a:latin typeface="Times New Roman" charset="0"/>
-            </a:endParaRPr>
           </a:p>
         </p:txBody>
       </p:sp>
@@ -24583,16 +28995,6 @@
               </a:rPr>
               <a:t>Семантический анализ</a:t>
             </a:r>
-            <a:endParaRPr kumimoji="0" lang="ru-RU" sz="1400" b="0" i="0" u="none" strike="noStrike" cap="none" normalizeH="0" baseline="0" dirty="0" smtClean="0">
-              <a:ln>
-                <a:noFill/>
-              </a:ln>
-              <a:solidFill>
-                <a:schemeClr val="tx1"/>
-              </a:solidFill>
-              <a:effectLst/>
-              <a:latin typeface="Times New Roman" charset="0"/>
-            </a:endParaRPr>
           </a:p>
         </p:txBody>
       </p:sp>
@@ -24666,16 +29068,6 @@
               </a:rPr>
               <a:t>Промежуточная генерация кода</a:t>
             </a:r>
-            <a:endParaRPr kumimoji="0" lang="ru-RU" sz="1400" b="0" i="0" u="none" strike="noStrike" cap="none" normalizeH="0" baseline="0" dirty="0" smtClean="0">
-              <a:ln>
-                <a:noFill/>
-              </a:ln>
-              <a:solidFill>
-                <a:schemeClr val="tx1"/>
-              </a:solidFill>
-              <a:effectLst/>
-              <a:latin typeface="Times New Roman" charset="0"/>
-            </a:endParaRPr>
           </a:p>
         </p:txBody>
       </p:sp>
@@ -24749,16 +29141,6 @@
               </a:rPr>
               <a:t>Оптимизация кода</a:t>
             </a:r>
-            <a:endParaRPr kumimoji="0" lang="ru-RU" sz="1400" b="0" i="0" u="none" strike="noStrike" cap="none" normalizeH="0" baseline="0" dirty="0" smtClean="0">
-              <a:ln>
-                <a:noFill/>
-              </a:ln>
-              <a:solidFill>
-                <a:schemeClr val="tx1"/>
-              </a:solidFill>
-              <a:effectLst/>
-              <a:latin typeface="Times New Roman" charset="0"/>
-            </a:endParaRPr>
           </a:p>
         </p:txBody>
       </p:sp>
@@ -24832,16 +29214,6 @@
               </a:rPr>
               <a:t>Генерация кода</a:t>
             </a:r>
-            <a:endParaRPr kumimoji="0" lang="ru-RU" sz="1400" b="0" i="0" u="none" strike="noStrike" cap="none" normalizeH="0" baseline="0" dirty="0" smtClean="0">
-              <a:ln>
-                <a:noFill/>
-              </a:ln>
-              <a:solidFill>
-                <a:schemeClr val="tx1"/>
-              </a:solidFill>
-              <a:effectLst/>
-              <a:latin typeface="Times New Roman" charset="0"/>
-            </a:endParaRPr>
           </a:p>
         </p:txBody>
       </p:sp>
@@ -25249,7 +29621,7 @@
           <a:p>
             <a:r>
               <a:rPr lang="ru-RU" dirty="0" smtClean="0"/>
-              <a:t>Вопросы на которые отвечает легковесная семантика</a:t>
+              <a:t>Вопросы, на которые отвечает легковесная семантика</a:t>
             </a:r>
             <a:endParaRPr lang="ru-RU" dirty="0"/>
           </a:p>
@@ -25461,7 +29833,7 @@
         </p:nvSpPr>
         <p:spPr>
           <a:xfrm>
-            <a:off x="1438252" y="1714488"/>
+            <a:off x="1438252" y="1857364"/>
             <a:ext cx="7705748" cy="4222252"/>
           </a:xfrm>
         </p:spPr>
@@ -25471,15 +29843,47 @@
           <a:p>
             <a:r>
               <a:rPr lang="ru-RU" sz="2400" dirty="0" smtClean="0"/>
-              <a:t>Для работы с легковесной семантикой нами использована математическая модель описанная </a:t>
+              <a:t>Для работы с легковесной семантикой нами использована математическая модель, описанная в статье </a:t>
+            </a:r>
+            <a:r>
+              <a:rPr lang="ru-RU" sz="2400" dirty="0" err="1" smtClean="0"/>
+              <a:t>Representing</a:t>
             </a:r>
             <a:r>
               <a:rPr lang="ru-RU" sz="2400" dirty="0" smtClean="0"/>
-              <a:t>в статье 2003 года </a:t>
+              <a:t> </a:t>
+            </a:r>
+            <a:r>
+              <a:rPr lang="ru-RU" sz="2400" dirty="0" err="1" smtClean="0"/>
+              <a:t>Concerns</a:t>
             </a:r>
             <a:r>
               <a:rPr lang="ru-RU" sz="2400" dirty="0" smtClean="0"/>
-              <a:t>Мартином </a:t>
+              <a:t> </a:t>
+            </a:r>
+            <a:r>
+              <a:rPr lang="ru-RU" sz="2400" dirty="0" err="1" smtClean="0"/>
+              <a:t>in</a:t>
+            </a:r>
+            <a:r>
+              <a:rPr lang="ru-RU" sz="2400" dirty="0" smtClean="0"/>
+              <a:t> </a:t>
+            </a:r>
+            <a:r>
+              <a:rPr lang="ru-RU" sz="2400" dirty="0" err="1" smtClean="0"/>
+              <a:t>Source</a:t>
+            </a:r>
+            <a:r>
+              <a:rPr lang="ru-RU" sz="2400" dirty="0" smtClean="0"/>
+              <a:t> </a:t>
+            </a:r>
+            <a:r>
+              <a:rPr lang="ru-RU" sz="2400" dirty="0" err="1" smtClean="0"/>
+              <a:t>Code</a:t>
+            </a:r>
+            <a:r>
+              <a:rPr lang="ru-RU" sz="2400" dirty="0" smtClean="0"/>
+              <a:t> Мартином </a:t>
             </a:r>
             <a:r>
               <a:rPr lang="ru-RU" sz="2400" dirty="0" err="1" smtClean="0"/>
@@ -25487,7 +29891,11 @@
             </a:r>
             <a:r>
               <a:rPr lang="ru-RU" sz="2400" dirty="0" smtClean="0"/>
-              <a:t> </a:t>
+              <a:t> и опубликованная в журнале </a:t>
+            </a:r>
+            <a:r>
+              <a:rPr lang="en-US" sz="2400" dirty="0" smtClean="0"/>
+              <a:t>ACM Transactions on Software Engineering and Methodology (TOSEM)</a:t>
             </a:r>
             <a:endParaRPr lang="ru-RU" sz="2400" dirty="0" smtClean="0"/>
           </a:p>
@@ -25500,57 +29908,7 @@
           <a:p>
             <a:r>
               <a:rPr lang="ru-RU" sz="2400" dirty="0" smtClean="0"/>
-              <a:t>Мы ознакомились с ней и решили использовать её в своей задаче</a:t>
-            </a:r>
-          </a:p>
-          <a:p>
-            <a:r>
-              <a:rPr lang="ru-RU" sz="2400" dirty="0" smtClean="0"/>
-              <a:t>Модель основана </a:t>
-            </a:r>
-            <a:r>
-              <a:rPr lang="ru-RU" sz="2400" dirty="0" smtClean="0"/>
-              <a:t>на </a:t>
-            </a:r>
-            <a:r>
-              <a:rPr lang="ru-RU" sz="2400" dirty="0" smtClean="0"/>
-              <a:t>реляционной алгебре и описана в статье </a:t>
-            </a:r>
-            <a:r>
-              <a:rPr lang="ru-RU" sz="2400" dirty="0" err="1" smtClean="0"/>
-              <a:t>Representing</a:t>
-            </a:r>
-            <a:r>
-              <a:rPr lang="ru-RU" sz="2400" dirty="0" smtClean="0"/>
-              <a:t> </a:t>
-            </a:r>
-            <a:r>
-              <a:rPr lang="ru-RU" sz="2400" dirty="0" err="1" smtClean="0"/>
-              <a:t>Concerns</a:t>
-            </a:r>
-            <a:r>
-              <a:rPr lang="ru-RU" sz="2400" dirty="0" smtClean="0"/>
-              <a:t> </a:t>
-            </a:r>
-            <a:r>
-              <a:rPr lang="ru-RU" sz="2400" dirty="0" err="1" smtClean="0"/>
-              <a:t>in</a:t>
-            </a:r>
-            <a:r>
-              <a:rPr lang="ru-RU" sz="2400" dirty="0" smtClean="0"/>
-              <a:t> </a:t>
-            </a:r>
-            <a:r>
-              <a:rPr lang="ru-RU" sz="2400" dirty="0" err="1" smtClean="0"/>
-              <a:t>Source</a:t>
-            </a:r>
-            <a:r>
-              <a:rPr lang="ru-RU" sz="2400" dirty="0" smtClean="0"/>
-              <a:t> </a:t>
-            </a:r>
-            <a:r>
-              <a:rPr lang="ru-RU" sz="2400" dirty="0" err="1" smtClean="0"/>
-              <a:t>Code</a:t>
+              <a:t>Модель основана на реляционной алгебре</a:t>
             </a:r>
             <a:endParaRPr lang="ru-RU" sz="2400" dirty="0"/>
           </a:p>
